--- a/숫자 야구.pptx
+++ b/숫자 야구.pptx
@@ -9,12 +9,18 @@
     <p:sldId id="257" r:id="rId3"/>
     <p:sldId id="259" r:id="rId4"/>
     <p:sldId id="264" r:id="rId5"/>
-    <p:sldId id="258" r:id="rId6"/>
-    <p:sldId id="260" r:id="rId7"/>
-    <p:sldId id="262" r:id="rId8"/>
-    <p:sldId id="263" r:id="rId9"/>
-    <p:sldId id="265" r:id="rId10"/>
-    <p:sldId id="261" r:id="rId11"/>
+    <p:sldId id="268" r:id="rId6"/>
+    <p:sldId id="258" r:id="rId7"/>
+    <p:sldId id="260" r:id="rId8"/>
+    <p:sldId id="262" r:id="rId9"/>
+    <p:sldId id="263" r:id="rId10"/>
+    <p:sldId id="266" r:id="rId11"/>
+    <p:sldId id="267" r:id="rId12"/>
+    <p:sldId id="269" r:id="rId13"/>
+    <p:sldId id="270" r:id="rId14"/>
+    <p:sldId id="271" r:id="rId15"/>
+    <p:sldId id="272" r:id="rId16"/>
+    <p:sldId id="261" r:id="rId17"/>
   </p:sldIdLst>
   <p:sldSz cx="12192000" cy="6858000"/>
   <p:notesSz cx="6858000" cy="9144000"/>
@@ -113,6 +119,11 @@
       </a:defRPr>
     </a:lvl9pPr>
   </p:defaultTextStyle>
+  <p:extLst>
+    <p:ext uri="{EFAFB233-063F-42B5-8137-9DF3F51BA10A}">
+      <p15:sldGuideLst xmlns:p15="http://schemas.microsoft.com/office/powerpoint/2012/main"/>
+    </p:ext>
+  </p:extLst>
 </p:presentation>
 </file>
 
@@ -247,7 +258,7 @@
           <a:p>
             <a:fld id="{AE5C727B-AE2F-401B-B95B-2B8DBFE16530}" type="datetimeFigureOut">
               <a:rPr lang="ko-KR" altLang="en-US" smtClean="0"/>
-              <a:t>2023-04-04</a:t>
+              <a:t>2023-04-05</a:t>
             </a:fld>
             <a:endParaRPr lang="ko-KR" altLang="en-US"/>
           </a:p>
@@ -417,7 +428,7 @@
           <a:p>
             <a:fld id="{AE5C727B-AE2F-401B-B95B-2B8DBFE16530}" type="datetimeFigureOut">
               <a:rPr lang="ko-KR" altLang="en-US" smtClean="0"/>
-              <a:t>2023-04-04</a:t>
+              <a:t>2023-04-05</a:t>
             </a:fld>
             <a:endParaRPr lang="ko-KR" altLang="en-US"/>
           </a:p>
@@ -597,7 +608,7 @@
           <a:p>
             <a:fld id="{AE5C727B-AE2F-401B-B95B-2B8DBFE16530}" type="datetimeFigureOut">
               <a:rPr lang="ko-KR" altLang="en-US" smtClean="0"/>
-              <a:t>2023-04-04</a:t>
+              <a:t>2023-04-05</a:t>
             </a:fld>
             <a:endParaRPr lang="ko-KR" altLang="en-US"/>
           </a:p>
@@ -767,7 +778,7 @@
           <a:p>
             <a:fld id="{AE5C727B-AE2F-401B-B95B-2B8DBFE16530}" type="datetimeFigureOut">
               <a:rPr lang="ko-KR" altLang="en-US" smtClean="0"/>
-              <a:t>2023-04-04</a:t>
+              <a:t>2023-04-05</a:t>
             </a:fld>
             <a:endParaRPr lang="ko-KR" altLang="en-US"/>
           </a:p>
@@ -1013,7 +1024,7 @@
           <a:p>
             <a:fld id="{AE5C727B-AE2F-401B-B95B-2B8DBFE16530}" type="datetimeFigureOut">
               <a:rPr lang="ko-KR" altLang="en-US" smtClean="0"/>
-              <a:t>2023-04-04</a:t>
+              <a:t>2023-04-05</a:t>
             </a:fld>
             <a:endParaRPr lang="ko-KR" altLang="en-US"/>
           </a:p>
@@ -1245,7 +1256,7 @@
           <a:p>
             <a:fld id="{AE5C727B-AE2F-401B-B95B-2B8DBFE16530}" type="datetimeFigureOut">
               <a:rPr lang="ko-KR" altLang="en-US" smtClean="0"/>
-              <a:t>2023-04-04</a:t>
+              <a:t>2023-04-05</a:t>
             </a:fld>
             <a:endParaRPr lang="ko-KR" altLang="en-US"/>
           </a:p>
@@ -1617,7 +1628,7 @@
           <a:p>
             <a:fld id="{AE5C727B-AE2F-401B-B95B-2B8DBFE16530}" type="datetimeFigureOut">
               <a:rPr lang="ko-KR" altLang="en-US" smtClean="0"/>
-              <a:t>2023-04-04</a:t>
+              <a:t>2023-04-05</a:t>
             </a:fld>
             <a:endParaRPr lang="ko-KR" altLang="en-US"/>
           </a:p>
@@ -1740,7 +1751,7 @@
           <a:p>
             <a:fld id="{AE5C727B-AE2F-401B-B95B-2B8DBFE16530}" type="datetimeFigureOut">
               <a:rPr lang="ko-KR" altLang="en-US" smtClean="0"/>
-              <a:t>2023-04-04</a:t>
+              <a:t>2023-04-05</a:t>
             </a:fld>
             <a:endParaRPr lang="ko-KR" altLang="en-US"/>
           </a:p>
@@ -1835,7 +1846,7 @@
           <a:p>
             <a:fld id="{AE5C727B-AE2F-401B-B95B-2B8DBFE16530}" type="datetimeFigureOut">
               <a:rPr lang="ko-KR" altLang="en-US" smtClean="0"/>
-              <a:t>2023-04-04</a:t>
+              <a:t>2023-04-05</a:t>
             </a:fld>
             <a:endParaRPr lang="ko-KR" altLang="en-US"/>
           </a:p>
@@ -2112,7 +2123,7 @@
           <a:p>
             <a:fld id="{AE5C727B-AE2F-401B-B95B-2B8DBFE16530}" type="datetimeFigureOut">
               <a:rPr lang="ko-KR" altLang="en-US" smtClean="0"/>
-              <a:t>2023-04-04</a:t>
+              <a:t>2023-04-05</a:t>
             </a:fld>
             <a:endParaRPr lang="ko-KR" altLang="en-US"/>
           </a:p>
@@ -2370,7 +2381,7 @@
           <a:p>
             <a:fld id="{AE5C727B-AE2F-401B-B95B-2B8DBFE16530}" type="datetimeFigureOut">
               <a:rPr lang="ko-KR" altLang="en-US" smtClean="0"/>
-              <a:t>2023-04-04</a:t>
+              <a:t>2023-04-05</a:t>
             </a:fld>
             <a:endParaRPr lang="ko-KR" altLang="en-US"/>
           </a:p>
@@ -2583,7 +2594,7 @@
           <a:p>
             <a:fld id="{AE5C727B-AE2F-401B-B95B-2B8DBFE16530}" type="datetimeFigureOut">
               <a:rPr lang="ko-KR" altLang="en-US" smtClean="0"/>
-              <a:t>2023-04-04</a:t>
+              <a:t>2023-04-05</a:t>
             </a:fld>
             <a:endParaRPr lang="ko-KR" altLang="en-US"/>
           </a:p>
@@ -3137,6 +3148,1791 @@
           <a:chExt cx="0" cy="0"/>
         </a:xfrm>
       </p:grpSpPr>
+      <p:sp>
+        <p:nvSpPr>
+          <p:cNvPr id="2" name="제목 1"/>
+          <p:cNvSpPr>
+            <a:spLocks noGrp="1"/>
+          </p:cNvSpPr>
+          <p:nvPr>
+            <p:ph type="title"/>
+          </p:nvPr>
+        </p:nvSpPr>
+        <p:spPr>
+          <a:xfrm>
+            <a:off x="714894" y="273684"/>
+            <a:ext cx="8438804" cy="432897"/>
+          </a:xfrm>
+        </p:spPr>
+        <p:txBody>
+          <a:bodyPr>
+            <a:noAutofit/>
+          </a:bodyPr>
+          <a:lstStyle/>
+          <a:p>
+            <a:r>
+              <a:rPr lang="ko-KR" altLang="en-US" sz="3600" dirty="0" smtClean="0"/>
+              <a:t>프로젝트 설명</a:t>
+            </a:r>
+            <a:endParaRPr lang="ko-KR" altLang="en-US" sz="3600" dirty="0"/>
+          </a:p>
+        </p:txBody>
+      </p:sp>
+      <p:sp>
+        <p:nvSpPr>
+          <p:cNvPr id="8" name="TextBox 7"/>
+          <p:cNvSpPr txBox="1"/>
+          <p:nvPr/>
+        </p:nvSpPr>
+        <p:spPr>
+          <a:xfrm>
+            <a:off x="967047" y="1026372"/>
+            <a:ext cx="7486997" cy="369332"/>
+          </a:xfrm>
+          <a:prstGeom prst="rect">
+            <a:avLst/>
+          </a:prstGeom>
+          <a:noFill/>
+        </p:spPr>
+        <p:txBody>
+          <a:bodyPr wrap="square" rtlCol="0">
+            <a:spAutoFit/>
+          </a:bodyPr>
+          <a:lstStyle/>
+          <a:p>
+            <a:r>
+              <a:rPr lang="en-US" altLang="ko-KR" dirty="0" smtClean="0"/>
+              <a:t>5. </a:t>
+            </a:r>
+            <a:r>
+              <a:rPr lang="ko-KR" altLang="en-US" dirty="0"/>
+              <a:t>게임 페이지</a:t>
+            </a:r>
+            <a:r>
+              <a:rPr lang="en-US" altLang="ko-KR" dirty="0"/>
+              <a:t>(MainProc.java, </a:t>
+            </a:r>
+            <a:r>
+              <a:rPr lang="en-US" altLang="ko-KR" dirty="0" err="1"/>
+              <a:t>main.jsp</a:t>
+            </a:r>
+            <a:r>
+              <a:rPr lang="en-US" altLang="ko-KR" dirty="0"/>
+              <a:t>, BaseballCalculater.java)</a:t>
+            </a:r>
+            <a:endParaRPr lang="ko-KR" altLang="en-US" dirty="0"/>
+          </a:p>
+        </p:txBody>
+      </p:sp>
+      <p:sp>
+        <p:nvSpPr>
+          <p:cNvPr id="9" name="TextBox 8"/>
+          <p:cNvSpPr txBox="1"/>
+          <p:nvPr/>
+        </p:nvSpPr>
+        <p:spPr>
+          <a:xfrm>
+            <a:off x="967047" y="1781992"/>
+            <a:ext cx="4128655" cy="3416320"/>
+          </a:xfrm>
+          <a:prstGeom prst="rect">
+            <a:avLst/>
+          </a:prstGeom>
+          <a:noFill/>
+        </p:spPr>
+        <p:txBody>
+          <a:bodyPr wrap="square" rtlCol="0">
+            <a:spAutoFit/>
+          </a:bodyPr>
+          <a:lstStyle/>
+          <a:p>
+            <a:pPr>
+              <a:lnSpc>
+                <a:spcPct val="150000"/>
+              </a:lnSpc>
+            </a:pPr>
+            <a:r>
+              <a:rPr lang="ko-KR" altLang="en-US" sz="1600" dirty="0" err="1" smtClean="0"/>
+              <a:t>랜덤하게</a:t>
+            </a:r>
+            <a:r>
+              <a:rPr lang="ko-KR" altLang="en-US" sz="1600" dirty="0" smtClean="0"/>
+              <a:t> 생성된 숫자 </a:t>
+            </a:r>
+            <a:r>
+              <a:rPr lang="en-US" altLang="ko-KR" sz="1600" dirty="0" smtClean="0"/>
+              <a:t>3</a:t>
+            </a:r>
+            <a:r>
+              <a:rPr lang="ko-KR" altLang="en-US" sz="1600" dirty="0" smtClean="0"/>
+              <a:t>개를 맞추는 게임</a:t>
+            </a:r>
+            <a:endParaRPr lang="en-US" altLang="ko-KR" sz="1600" dirty="0" smtClean="0"/>
+          </a:p>
+          <a:p>
+            <a:pPr>
+              <a:lnSpc>
+                <a:spcPct val="150000"/>
+              </a:lnSpc>
+            </a:pPr>
+            <a:endParaRPr lang="en-US" altLang="ko-KR" sz="1600" dirty="0" smtClean="0"/>
+          </a:p>
+          <a:p>
+            <a:pPr>
+              <a:lnSpc>
+                <a:spcPct val="150000"/>
+              </a:lnSpc>
+            </a:pPr>
+            <a:r>
+              <a:rPr lang="ko-KR" altLang="en-US" sz="1600" dirty="0" smtClean="0"/>
+              <a:t>총 </a:t>
+            </a:r>
+            <a:r>
+              <a:rPr lang="en-US" altLang="ko-KR" sz="1600" dirty="0" smtClean="0"/>
+              <a:t>9</a:t>
+            </a:r>
+            <a:r>
+              <a:rPr lang="ko-KR" altLang="en-US" sz="1600" dirty="0" smtClean="0"/>
+              <a:t>번의 기회가 있으며 첫번째에 맞추면   유저는 </a:t>
+            </a:r>
+            <a:r>
+              <a:rPr lang="en-US" altLang="ko-KR" sz="1600" dirty="0" smtClean="0"/>
+              <a:t>10</a:t>
+            </a:r>
+            <a:r>
+              <a:rPr lang="ko-KR" altLang="en-US" sz="1600" dirty="0" smtClean="0"/>
+              <a:t>점을 얻을 수 있고 그 이후부터는 얻을 수 있는 점수가 </a:t>
+            </a:r>
+            <a:r>
+              <a:rPr lang="en-US" altLang="ko-KR" sz="1600" dirty="0" smtClean="0"/>
+              <a:t>1</a:t>
+            </a:r>
+            <a:r>
+              <a:rPr lang="ko-KR" altLang="en-US" sz="1600" dirty="0" smtClean="0"/>
+              <a:t>점씩 낮아진다</a:t>
+            </a:r>
+            <a:r>
+              <a:rPr lang="en-US" altLang="ko-KR" sz="1600" dirty="0" smtClean="0"/>
+              <a:t>.</a:t>
+            </a:r>
+          </a:p>
+          <a:p>
+            <a:pPr>
+              <a:lnSpc>
+                <a:spcPct val="150000"/>
+              </a:lnSpc>
+            </a:pPr>
+            <a:endParaRPr lang="en-US" altLang="ko-KR" sz="1600" dirty="0"/>
+          </a:p>
+          <a:p>
+            <a:pPr>
+              <a:lnSpc>
+                <a:spcPct val="150000"/>
+              </a:lnSpc>
+            </a:pPr>
+            <a:r>
+              <a:rPr lang="ko-KR" altLang="en-US" sz="1600" dirty="0" err="1" smtClean="0"/>
+              <a:t>플레이영상</a:t>
+            </a:r>
+            <a:endParaRPr lang="en-US" altLang="ko-KR" sz="1600" dirty="0" smtClean="0"/>
+          </a:p>
+          <a:p>
+            <a:pPr>
+              <a:lnSpc>
+                <a:spcPct val="150000"/>
+              </a:lnSpc>
+            </a:pPr>
+            <a:r>
+              <a:rPr lang="en-US" altLang="ko-KR" sz="1600" dirty="0">
+                <a:hlinkClick r:id="rId2"/>
+              </a:rPr>
+              <a:t>https://</a:t>
+            </a:r>
+            <a:r>
+              <a:rPr lang="en-US" altLang="ko-KR" sz="1600" dirty="0" smtClean="0">
+                <a:hlinkClick r:id="rId2"/>
+              </a:rPr>
+              <a:t>blog.naver.com/dogfe_code/223063597492</a:t>
+            </a:r>
+            <a:endParaRPr lang="en-US" altLang="ko-KR" sz="1600" dirty="0" smtClean="0"/>
+          </a:p>
+        </p:txBody>
+      </p:sp>
+      <p:pic>
+        <p:nvPicPr>
+          <p:cNvPr id="10" name="그림 9"/>
+          <p:cNvPicPr>
+            <a:picLocks noChangeAspect="1"/>
+          </p:cNvPicPr>
+          <p:nvPr/>
+        </p:nvPicPr>
+        <p:blipFill>
+          <a:blip r:embed="rId3">
+            <a:extLst>
+              <a:ext uri="{28A0092B-C50C-407E-A947-70E740481C1C}">
+                <a14:useLocalDpi xmlns:a14="http://schemas.microsoft.com/office/drawing/2010/main" val="0"/>
+              </a:ext>
+            </a:extLst>
+          </a:blip>
+          <a:stretch>
+            <a:fillRect/>
+          </a:stretch>
+        </p:blipFill>
+        <p:spPr>
+          <a:xfrm>
+            <a:off x="5649399" y="1496289"/>
+            <a:ext cx="6208673" cy="4655127"/>
+          </a:xfrm>
+          <a:prstGeom prst="rect">
+            <a:avLst/>
+          </a:prstGeom>
+        </p:spPr>
+      </p:pic>
+    </p:spTree>
+    <p:extLst>
+      <p:ext uri="{BB962C8B-B14F-4D97-AF65-F5344CB8AC3E}">
+        <p14:creationId xmlns:p14="http://schemas.microsoft.com/office/powerpoint/2010/main" val="1244530771"/>
+      </p:ext>
+    </p:extLst>
+  </p:cSld>
+  <p:clrMapOvr>
+    <a:masterClrMapping/>
+  </p:clrMapOvr>
+  <mc:AlternateContent xmlns:mc="http://schemas.openxmlformats.org/markup-compatibility/2006">
+    <mc:Choice xmlns:p14="http://schemas.microsoft.com/office/powerpoint/2010/main" Requires="p14">
+      <p:transition p14:dur="0"/>
+    </mc:Choice>
+    <mc:Fallback>
+      <p:transition/>
+    </mc:Fallback>
+  </mc:AlternateContent>
+  <p:timing>
+    <p:tnLst>
+      <p:par>
+        <p:cTn id="1" dur="indefinite" restart="never" nodeType="tmRoot"/>
+      </p:par>
+    </p:tnLst>
+  </p:timing>
+</p:sld>
+</file>
+
+<file path=ppt/slides/slide11.xml><?xml version="1.0" encoding="utf-8"?>
+<p:sld xmlns:a="http://schemas.openxmlformats.org/drawingml/2006/main" xmlns:r="http://schemas.openxmlformats.org/officeDocument/2006/relationships" xmlns:p="http://schemas.openxmlformats.org/presentationml/2006/main">
+  <p:cSld>
+    <p:spTree>
+      <p:nvGrpSpPr>
+        <p:cNvPr id="1" name=""/>
+        <p:cNvGrpSpPr/>
+        <p:nvPr/>
+      </p:nvGrpSpPr>
+      <p:grpSpPr>
+        <a:xfrm>
+          <a:off x="0" y="0"/>
+          <a:ext cx="0" cy="0"/>
+          <a:chOff x="0" y="0"/>
+          <a:chExt cx="0" cy="0"/>
+        </a:xfrm>
+      </p:grpSpPr>
+      <p:sp>
+        <p:nvSpPr>
+          <p:cNvPr id="2" name="제목 1"/>
+          <p:cNvSpPr>
+            <a:spLocks noGrp="1"/>
+          </p:cNvSpPr>
+          <p:nvPr>
+            <p:ph type="title"/>
+          </p:nvPr>
+        </p:nvSpPr>
+        <p:spPr>
+          <a:xfrm>
+            <a:off x="714894" y="273684"/>
+            <a:ext cx="8438804" cy="432897"/>
+          </a:xfrm>
+        </p:spPr>
+        <p:txBody>
+          <a:bodyPr>
+            <a:noAutofit/>
+          </a:bodyPr>
+          <a:lstStyle/>
+          <a:p>
+            <a:r>
+              <a:rPr lang="ko-KR" altLang="en-US" sz="3600" dirty="0" smtClean="0"/>
+              <a:t>프로젝트 설명</a:t>
+            </a:r>
+            <a:endParaRPr lang="ko-KR" altLang="en-US" sz="3600" dirty="0"/>
+          </a:p>
+        </p:txBody>
+      </p:sp>
+      <p:sp>
+        <p:nvSpPr>
+          <p:cNvPr id="8" name="TextBox 7"/>
+          <p:cNvSpPr txBox="1"/>
+          <p:nvPr/>
+        </p:nvSpPr>
+        <p:spPr>
+          <a:xfrm>
+            <a:off x="967047" y="1026372"/>
+            <a:ext cx="7486997" cy="369332"/>
+          </a:xfrm>
+          <a:prstGeom prst="rect">
+            <a:avLst/>
+          </a:prstGeom>
+          <a:noFill/>
+        </p:spPr>
+        <p:txBody>
+          <a:bodyPr wrap="square" rtlCol="0">
+            <a:spAutoFit/>
+          </a:bodyPr>
+          <a:lstStyle/>
+          <a:p>
+            <a:r>
+              <a:rPr lang="en-US" altLang="ko-KR" dirty="0" smtClean="0"/>
+              <a:t>5. </a:t>
+            </a:r>
+            <a:r>
+              <a:rPr lang="ko-KR" altLang="en-US" dirty="0"/>
+              <a:t>게임 페이지</a:t>
+            </a:r>
+            <a:r>
+              <a:rPr lang="en-US" altLang="ko-KR" dirty="0"/>
+              <a:t>(MainProc.java, </a:t>
+            </a:r>
+            <a:r>
+              <a:rPr lang="en-US" altLang="ko-KR" dirty="0" err="1"/>
+              <a:t>main.jsp</a:t>
+            </a:r>
+            <a:r>
+              <a:rPr lang="en-US" altLang="ko-KR" dirty="0"/>
+              <a:t>, BaseballCalculater.java)</a:t>
+            </a:r>
+            <a:endParaRPr lang="ko-KR" altLang="en-US" dirty="0"/>
+          </a:p>
+        </p:txBody>
+      </p:sp>
+      <p:pic>
+        <p:nvPicPr>
+          <p:cNvPr id="3" name="그림 2"/>
+          <p:cNvPicPr>
+            <a:picLocks noChangeAspect="1"/>
+          </p:cNvPicPr>
+          <p:nvPr/>
+        </p:nvPicPr>
+        <p:blipFill>
+          <a:blip r:embed="rId2">
+            <a:extLst>
+              <a:ext uri="{28A0092B-C50C-407E-A947-70E740481C1C}">
+                <a14:useLocalDpi xmlns:a14="http://schemas.microsoft.com/office/drawing/2010/main" val="0"/>
+              </a:ext>
+            </a:extLst>
+          </a:blip>
+          <a:stretch>
+            <a:fillRect/>
+          </a:stretch>
+        </p:blipFill>
+        <p:spPr>
+          <a:xfrm>
+            <a:off x="967047" y="1566068"/>
+            <a:ext cx="4137561" cy="4053336"/>
+          </a:xfrm>
+          <a:prstGeom prst="rect">
+            <a:avLst/>
+          </a:prstGeom>
+        </p:spPr>
+      </p:pic>
+      <p:sp>
+        <p:nvSpPr>
+          <p:cNvPr id="4" name="TextBox 3"/>
+          <p:cNvSpPr txBox="1"/>
+          <p:nvPr/>
+        </p:nvSpPr>
+        <p:spPr>
+          <a:xfrm>
+            <a:off x="967047" y="5651634"/>
+            <a:ext cx="3924472" cy="877163"/>
+          </a:xfrm>
+          <a:prstGeom prst="rect">
+            <a:avLst/>
+          </a:prstGeom>
+          <a:noFill/>
+        </p:spPr>
+        <p:txBody>
+          <a:bodyPr wrap="none" rtlCol="0">
+            <a:spAutoFit/>
+          </a:bodyPr>
+          <a:lstStyle/>
+          <a:p>
+            <a:pPr>
+              <a:lnSpc>
+                <a:spcPct val="150000"/>
+              </a:lnSpc>
+            </a:pPr>
+            <a:r>
+              <a:rPr lang="en-US" altLang="ko-KR" dirty="0"/>
+              <a:t>(</a:t>
+            </a:r>
+            <a:r>
+              <a:rPr lang="ko-KR" altLang="en-US" dirty="0"/>
+              <a:t>▲</a:t>
+            </a:r>
+            <a:r>
+              <a:rPr lang="en-US" altLang="ko-KR" dirty="0" smtClean="0"/>
+              <a:t>) </a:t>
+            </a:r>
+            <a:r>
+              <a:rPr lang="en-US" altLang="ko-KR" dirty="0" err="1" smtClean="0"/>
+              <a:t>BaseballCalculater</a:t>
+            </a:r>
+            <a:r>
+              <a:rPr lang="en-US" altLang="ko-KR" dirty="0" smtClean="0"/>
+              <a:t> Class </a:t>
+            </a:r>
+          </a:p>
+          <a:p>
+            <a:pPr>
+              <a:lnSpc>
+                <a:spcPct val="150000"/>
+              </a:lnSpc>
+            </a:pPr>
+            <a:r>
+              <a:rPr lang="en-US" altLang="ko-KR" sz="1600" dirty="0" smtClean="0"/>
+              <a:t> - </a:t>
+            </a:r>
+            <a:r>
+              <a:rPr lang="ko-KR" altLang="en-US" sz="1600" dirty="0" smtClean="0"/>
+              <a:t>랜덤 숫자 생성과 숫자 비교 연산 처리</a:t>
+            </a:r>
+            <a:endParaRPr lang="ko-KR" altLang="en-US" dirty="0"/>
+          </a:p>
+        </p:txBody>
+      </p:sp>
+      <p:sp>
+        <p:nvSpPr>
+          <p:cNvPr id="5" name="TextBox 4"/>
+          <p:cNvSpPr txBox="1"/>
+          <p:nvPr/>
+        </p:nvSpPr>
+        <p:spPr>
+          <a:xfrm>
+            <a:off x="5515897" y="1681316"/>
+            <a:ext cx="6480000" cy="3970318"/>
+          </a:xfrm>
+          <a:prstGeom prst="rect">
+            <a:avLst/>
+          </a:prstGeom>
+          <a:noFill/>
+        </p:spPr>
+        <p:txBody>
+          <a:bodyPr wrap="square" rtlCol="0">
+            <a:spAutoFit/>
+          </a:bodyPr>
+          <a:lstStyle/>
+          <a:p>
+            <a:r>
+              <a:rPr lang="ko-KR" altLang="en-US" dirty="0" smtClean="0"/>
+              <a:t>게임페이지는 가장 시간을 많이 들였던 페이지이다</a:t>
+            </a:r>
+            <a:r>
+              <a:rPr lang="en-US" altLang="ko-KR" dirty="0" smtClean="0"/>
+              <a:t>.</a:t>
+            </a:r>
+          </a:p>
+          <a:p>
+            <a:endParaRPr lang="en-US" altLang="ko-KR" dirty="0" smtClean="0"/>
+          </a:p>
+          <a:p>
+            <a:r>
+              <a:rPr lang="en-US" altLang="ko-KR" dirty="0" smtClean="0"/>
+              <a:t>※ </a:t>
+            </a:r>
+            <a:r>
+              <a:rPr lang="ko-KR" altLang="en-US" b="1" dirty="0" smtClean="0"/>
+              <a:t>해결해야했던 주요 이슈</a:t>
+            </a:r>
+            <a:endParaRPr lang="en-US" altLang="ko-KR" b="1" dirty="0" smtClean="0"/>
+          </a:p>
+          <a:p>
+            <a:endParaRPr lang="en-US" altLang="ko-KR" dirty="0"/>
+          </a:p>
+          <a:p>
+            <a:pPr marL="342900" indent="-342900">
+              <a:buAutoNum type="arabicParenR"/>
+            </a:pPr>
+            <a:r>
+              <a:rPr lang="ko-KR" altLang="en-US" dirty="0" smtClean="0"/>
+              <a:t>게임에서 사용할 랜덤 숫자 </a:t>
+            </a:r>
+            <a:r>
+              <a:rPr lang="en-US" altLang="ko-KR" dirty="0" smtClean="0"/>
+              <a:t>3</a:t>
+            </a:r>
+            <a:r>
+              <a:rPr lang="ko-KR" altLang="en-US" dirty="0" smtClean="0"/>
+              <a:t>개를 게임프로세스가 계속 될 동안 저장해야 했던 점</a:t>
+            </a:r>
+            <a:r>
+              <a:rPr lang="en-US" altLang="ko-KR" dirty="0" smtClean="0"/>
+              <a:t>.</a:t>
+            </a:r>
+          </a:p>
+          <a:p>
+            <a:pPr marL="342900" indent="-342900">
+              <a:buAutoNum type="arabicParenR"/>
+            </a:pPr>
+            <a:endParaRPr lang="en-US" altLang="ko-KR" dirty="0"/>
+          </a:p>
+          <a:p>
+            <a:pPr marL="342900" indent="-342900">
+              <a:buAutoNum type="arabicParenR"/>
+            </a:pPr>
+            <a:r>
+              <a:rPr lang="ko-KR" altLang="en-US" dirty="0" smtClean="0"/>
+              <a:t>시도 횟수나 사용자가 입력한 값</a:t>
+            </a:r>
+            <a:r>
+              <a:rPr lang="en-US" altLang="ko-KR" dirty="0" smtClean="0"/>
+              <a:t>, </a:t>
+            </a:r>
+            <a:r>
+              <a:rPr lang="ko-KR" altLang="en-US" dirty="0" smtClean="0"/>
+              <a:t>그 결과치 등을 계속해서 갱신하면서 보관해야 했던 점</a:t>
+            </a:r>
+            <a:r>
+              <a:rPr lang="en-US" altLang="ko-KR" dirty="0" smtClean="0"/>
+              <a:t>.</a:t>
+            </a:r>
+          </a:p>
+          <a:p>
+            <a:pPr marL="342900" indent="-342900">
+              <a:buAutoNum type="arabicParenR"/>
+            </a:pPr>
+            <a:endParaRPr lang="en-US" altLang="ko-KR" dirty="0"/>
+          </a:p>
+          <a:p>
+            <a:r>
+              <a:rPr lang="ko-KR" altLang="en-US" dirty="0" smtClean="0"/>
+              <a:t>이슈를 해결하기 위해 </a:t>
+            </a:r>
+            <a:r>
+              <a:rPr lang="en-US" altLang="ko-KR" dirty="0" smtClean="0"/>
+              <a:t>DB</a:t>
+            </a:r>
+            <a:r>
+              <a:rPr lang="ko-KR" altLang="en-US" dirty="0" smtClean="0"/>
+              <a:t>에 </a:t>
+            </a:r>
+            <a:r>
+              <a:rPr lang="en-US" altLang="ko-KR" dirty="0" smtClean="0"/>
+              <a:t>Numbers </a:t>
+            </a:r>
+            <a:r>
+              <a:rPr lang="ko-KR" altLang="en-US" dirty="0" smtClean="0"/>
+              <a:t>테이블을 만들어 랜덤 숫자 </a:t>
+            </a:r>
+            <a:r>
+              <a:rPr lang="en-US" altLang="ko-KR" dirty="0" smtClean="0"/>
+              <a:t>3</a:t>
+            </a:r>
+            <a:r>
+              <a:rPr lang="ko-KR" altLang="en-US" dirty="0" smtClean="0"/>
+              <a:t>개와 시도 횟수를  관리하였고</a:t>
+            </a:r>
+            <a:r>
+              <a:rPr lang="en-US" altLang="ko-KR" dirty="0" smtClean="0"/>
+              <a:t>, </a:t>
+            </a:r>
+            <a:r>
+              <a:rPr lang="ko-KR" altLang="en-US" dirty="0" smtClean="0"/>
+              <a:t>사용자가 입력한 값과 결과치는 세션을 통해 관리하였다</a:t>
+            </a:r>
+            <a:r>
+              <a:rPr lang="en-US" altLang="ko-KR" dirty="0" smtClean="0"/>
+              <a:t>.</a:t>
+            </a:r>
+          </a:p>
+          <a:p>
+            <a:pPr marL="342900" indent="-342900">
+              <a:buAutoNum type="arabicParenR"/>
+            </a:pPr>
+            <a:endParaRPr lang="en-US" altLang="ko-KR" dirty="0"/>
+          </a:p>
+        </p:txBody>
+      </p:sp>
+    </p:spTree>
+    <p:extLst>
+      <p:ext uri="{BB962C8B-B14F-4D97-AF65-F5344CB8AC3E}">
+        <p14:creationId xmlns:p14="http://schemas.microsoft.com/office/powerpoint/2010/main" val="446595029"/>
+      </p:ext>
+    </p:extLst>
+  </p:cSld>
+  <p:clrMapOvr>
+    <a:masterClrMapping/>
+  </p:clrMapOvr>
+  <mc:AlternateContent xmlns:mc="http://schemas.openxmlformats.org/markup-compatibility/2006">
+    <mc:Choice xmlns:p14="http://schemas.microsoft.com/office/powerpoint/2010/main" Requires="p14">
+      <p:transition p14:dur="10"/>
+    </mc:Choice>
+    <mc:Fallback>
+      <p:transition/>
+    </mc:Fallback>
+  </mc:AlternateContent>
+  <p:timing>
+    <p:tnLst>
+      <p:par>
+        <p:cTn id="1" dur="indefinite" restart="never" nodeType="tmRoot"/>
+      </p:par>
+    </p:tnLst>
+  </p:timing>
+</p:sld>
+</file>
+
+<file path=ppt/slides/slide12.xml><?xml version="1.0" encoding="utf-8"?>
+<p:sld xmlns:a="http://schemas.openxmlformats.org/drawingml/2006/main" xmlns:r="http://schemas.openxmlformats.org/officeDocument/2006/relationships" xmlns:p="http://schemas.openxmlformats.org/presentationml/2006/main">
+  <p:cSld>
+    <p:spTree>
+      <p:nvGrpSpPr>
+        <p:cNvPr id="1" name=""/>
+        <p:cNvGrpSpPr/>
+        <p:nvPr/>
+      </p:nvGrpSpPr>
+      <p:grpSpPr>
+        <a:xfrm>
+          <a:off x="0" y="0"/>
+          <a:ext cx="0" cy="0"/>
+          <a:chOff x="0" y="0"/>
+          <a:chExt cx="0" cy="0"/>
+        </a:xfrm>
+      </p:grpSpPr>
+      <p:sp>
+        <p:nvSpPr>
+          <p:cNvPr id="2" name="제목 1"/>
+          <p:cNvSpPr>
+            <a:spLocks noGrp="1"/>
+          </p:cNvSpPr>
+          <p:nvPr>
+            <p:ph type="title"/>
+          </p:nvPr>
+        </p:nvSpPr>
+        <p:spPr>
+          <a:xfrm>
+            <a:off x="714894" y="273684"/>
+            <a:ext cx="8438804" cy="432897"/>
+          </a:xfrm>
+        </p:spPr>
+        <p:txBody>
+          <a:bodyPr>
+            <a:noAutofit/>
+          </a:bodyPr>
+          <a:lstStyle/>
+          <a:p>
+            <a:r>
+              <a:rPr lang="ko-KR" altLang="en-US" sz="3600" dirty="0" smtClean="0"/>
+              <a:t>프로젝트 설명</a:t>
+            </a:r>
+            <a:endParaRPr lang="ko-KR" altLang="en-US" sz="3600" dirty="0"/>
+          </a:p>
+        </p:txBody>
+      </p:sp>
+      <p:sp>
+        <p:nvSpPr>
+          <p:cNvPr id="8" name="TextBox 7"/>
+          <p:cNvSpPr txBox="1"/>
+          <p:nvPr/>
+        </p:nvSpPr>
+        <p:spPr>
+          <a:xfrm>
+            <a:off x="967047" y="1026372"/>
+            <a:ext cx="7486997" cy="369332"/>
+          </a:xfrm>
+          <a:prstGeom prst="rect">
+            <a:avLst/>
+          </a:prstGeom>
+          <a:noFill/>
+        </p:spPr>
+        <p:txBody>
+          <a:bodyPr wrap="square" rtlCol="0">
+            <a:spAutoFit/>
+          </a:bodyPr>
+          <a:lstStyle/>
+          <a:p>
+            <a:r>
+              <a:rPr lang="en-US" altLang="ko-KR" dirty="0"/>
+              <a:t>6</a:t>
+            </a:r>
+            <a:r>
+              <a:rPr lang="en-US" altLang="ko-KR" dirty="0" smtClean="0"/>
+              <a:t>. </a:t>
+            </a:r>
+            <a:r>
+              <a:rPr lang="ko-KR" altLang="en-US" dirty="0" smtClean="0"/>
+              <a:t>순위 페이지</a:t>
+            </a:r>
+            <a:r>
+              <a:rPr lang="en-US" altLang="ko-KR" dirty="0" smtClean="0"/>
+              <a:t>(</a:t>
+            </a:r>
+            <a:r>
+              <a:rPr lang="en-US" altLang="ko-KR" dirty="0" err="1" smtClean="0"/>
+              <a:t>RankProc.jsp</a:t>
+            </a:r>
+            <a:r>
+              <a:rPr lang="en-US" altLang="ko-KR" dirty="0" smtClean="0"/>
+              <a:t>, </a:t>
+            </a:r>
+            <a:r>
+              <a:rPr lang="en-US" altLang="ko-KR" dirty="0" err="1" smtClean="0"/>
+              <a:t>rank.jsp</a:t>
+            </a:r>
+            <a:r>
+              <a:rPr lang="en-US" altLang="ko-KR" dirty="0" smtClean="0"/>
+              <a:t>)</a:t>
+            </a:r>
+            <a:endParaRPr lang="ko-KR" altLang="en-US" dirty="0"/>
+          </a:p>
+        </p:txBody>
+      </p:sp>
+      <p:sp>
+        <p:nvSpPr>
+          <p:cNvPr id="4" name="TextBox 3"/>
+          <p:cNvSpPr txBox="1"/>
+          <p:nvPr/>
+        </p:nvSpPr>
+        <p:spPr>
+          <a:xfrm>
+            <a:off x="967047" y="1715495"/>
+            <a:ext cx="4578347" cy="3000821"/>
+          </a:xfrm>
+          <a:prstGeom prst="rect">
+            <a:avLst/>
+          </a:prstGeom>
+          <a:noFill/>
+        </p:spPr>
+        <p:txBody>
+          <a:bodyPr wrap="square" rtlCol="0">
+            <a:spAutoFit/>
+          </a:bodyPr>
+          <a:lstStyle/>
+          <a:p>
+            <a:pPr>
+              <a:lnSpc>
+                <a:spcPct val="150000"/>
+              </a:lnSpc>
+            </a:pPr>
+            <a:r>
+              <a:rPr lang="ko-KR" altLang="en-US" dirty="0" smtClean="0"/>
+              <a:t>주간 순위와 월간 순위</a:t>
+            </a:r>
+            <a:r>
+              <a:rPr lang="en-US" altLang="ko-KR" dirty="0" smtClean="0"/>
+              <a:t>, </a:t>
+            </a:r>
+            <a:r>
+              <a:rPr lang="ko-KR" altLang="en-US" dirty="0" smtClean="0"/>
+              <a:t>총 포인트 순위를 표시해주는 페이지이다</a:t>
+            </a:r>
+            <a:r>
+              <a:rPr lang="en-US" altLang="ko-KR" dirty="0" smtClean="0"/>
+              <a:t>.</a:t>
+            </a:r>
+          </a:p>
+          <a:p>
+            <a:pPr>
+              <a:lnSpc>
+                <a:spcPct val="150000"/>
+              </a:lnSpc>
+            </a:pPr>
+            <a:endParaRPr lang="en-US" altLang="ko-KR" dirty="0"/>
+          </a:p>
+          <a:p>
+            <a:pPr>
+              <a:lnSpc>
+                <a:spcPct val="150000"/>
+              </a:lnSpc>
+            </a:pPr>
+            <a:r>
+              <a:rPr lang="ko-KR" altLang="en-US" dirty="0" smtClean="0"/>
+              <a:t>유저 등급이 </a:t>
+            </a:r>
+            <a:r>
+              <a:rPr lang="en-US" altLang="ko-KR" dirty="0" smtClean="0"/>
+              <a:t>‘admin’</a:t>
+            </a:r>
+            <a:r>
+              <a:rPr lang="ko-KR" altLang="en-US" dirty="0" smtClean="0"/>
+              <a:t>인 경우 주간 포인트 초기화 버튼과 월간 포인트 초기화 버튼이 활성화되어 주간 포인트와 월간 포인트를 초기화 할 수 있도록 하였다</a:t>
+            </a:r>
+            <a:r>
+              <a:rPr lang="en-US" altLang="ko-KR" dirty="0" smtClean="0"/>
+              <a:t>.</a:t>
+            </a:r>
+          </a:p>
+        </p:txBody>
+      </p:sp>
+      <p:pic>
+        <p:nvPicPr>
+          <p:cNvPr id="6" name="그림 5"/>
+          <p:cNvPicPr>
+            <a:picLocks noChangeAspect="1"/>
+          </p:cNvPicPr>
+          <p:nvPr/>
+        </p:nvPicPr>
+        <p:blipFill>
+          <a:blip r:embed="rId2">
+            <a:extLst>
+              <a:ext uri="{28A0092B-C50C-407E-A947-70E740481C1C}">
+                <a14:useLocalDpi xmlns:a14="http://schemas.microsoft.com/office/drawing/2010/main" val="0"/>
+              </a:ext>
+            </a:extLst>
+          </a:blip>
+          <a:stretch>
+            <a:fillRect/>
+          </a:stretch>
+        </p:blipFill>
+        <p:spPr>
+          <a:xfrm>
+            <a:off x="5804725" y="1395704"/>
+            <a:ext cx="6062811" cy="4390154"/>
+          </a:xfrm>
+          <a:prstGeom prst="rect">
+            <a:avLst/>
+          </a:prstGeom>
+        </p:spPr>
+      </p:pic>
+      <p:sp>
+        <p:nvSpPr>
+          <p:cNvPr id="7" name="직사각형 6"/>
+          <p:cNvSpPr/>
+          <p:nvPr/>
+        </p:nvSpPr>
+        <p:spPr>
+          <a:xfrm>
+            <a:off x="10805652" y="2949677"/>
+            <a:ext cx="894735" cy="776749"/>
+          </a:xfrm>
+          <a:prstGeom prst="rect">
+            <a:avLst/>
+          </a:prstGeom>
+          <a:noFill/>
+          <a:ln w="38100">
+            <a:solidFill>
+              <a:srgbClr val="C00000"/>
+            </a:solidFill>
+          </a:ln>
+        </p:spPr>
+        <p:style>
+          <a:lnRef idx="2">
+            <a:schemeClr val="accent1">
+              <a:shade val="50000"/>
+            </a:schemeClr>
+          </a:lnRef>
+          <a:fillRef idx="1">
+            <a:schemeClr val="accent1"/>
+          </a:fillRef>
+          <a:effectRef idx="0">
+            <a:schemeClr val="accent1"/>
+          </a:effectRef>
+          <a:fontRef idx="minor">
+            <a:schemeClr val="lt1"/>
+          </a:fontRef>
+        </p:style>
+        <p:txBody>
+          <a:bodyPr rtlCol="0" anchor="ctr"/>
+          <a:lstStyle/>
+          <a:p>
+            <a:pPr algn="ctr"/>
+            <a:endParaRPr lang="ko-KR" altLang="en-US"/>
+          </a:p>
+        </p:txBody>
+      </p:sp>
+      <p:pic>
+        <p:nvPicPr>
+          <p:cNvPr id="10" name="그림 9"/>
+          <p:cNvPicPr>
+            <a:picLocks noChangeAspect="1"/>
+          </p:cNvPicPr>
+          <p:nvPr/>
+        </p:nvPicPr>
+        <p:blipFill>
+          <a:blip r:embed="rId3" cstate="print">
+            <a:extLst>
+              <a:ext uri="{28A0092B-C50C-407E-A947-70E740481C1C}">
+                <a14:useLocalDpi xmlns:a14="http://schemas.microsoft.com/office/drawing/2010/main" val="0"/>
+              </a:ext>
+            </a:extLst>
+          </a:blip>
+          <a:stretch>
+            <a:fillRect/>
+          </a:stretch>
+        </p:blipFill>
+        <p:spPr>
+          <a:xfrm>
+            <a:off x="9880904" y="3984328"/>
+            <a:ext cx="1819483" cy="1132569"/>
+          </a:xfrm>
+          <a:prstGeom prst="rect">
+            <a:avLst/>
+          </a:prstGeom>
+          <a:ln w="25400">
+            <a:solidFill>
+              <a:schemeClr val="tx1"/>
+            </a:solidFill>
+          </a:ln>
+        </p:spPr>
+      </p:pic>
+      <p:sp>
+        <p:nvSpPr>
+          <p:cNvPr id="11" name="직사각형 10"/>
+          <p:cNvSpPr/>
+          <p:nvPr/>
+        </p:nvSpPr>
+        <p:spPr>
+          <a:xfrm>
+            <a:off x="11009671" y="4550612"/>
+            <a:ext cx="516194" cy="471338"/>
+          </a:xfrm>
+          <a:prstGeom prst="rect">
+            <a:avLst/>
+          </a:prstGeom>
+          <a:noFill/>
+          <a:ln w="38100">
+            <a:solidFill>
+              <a:srgbClr val="C00000"/>
+            </a:solidFill>
+          </a:ln>
+        </p:spPr>
+        <p:style>
+          <a:lnRef idx="2">
+            <a:schemeClr val="accent1">
+              <a:shade val="50000"/>
+            </a:schemeClr>
+          </a:lnRef>
+          <a:fillRef idx="1">
+            <a:schemeClr val="accent1"/>
+          </a:fillRef>
+          <a:effectRef idx="0">
+            <a:schemeClr val="accent1"/>
+          </a:effectRef>
+          <a:fontRef idx="minor">
+            <a:schemeClr val="lt1"/>
+          </a:fontRef>
+        </p:style>
+        <p:txBody>
+          <a:bodyPr rtlCol="0" anchor="ctr"/>
+          <a:lstStyle/>
+          <a:p>
+            <a:pPr algn="ctr"/>
+            <a:endParaRPr lang="ko-KR" altLang="en-US"/>
+          </a:p>
+        </p:txBody>
+      </p:sp>
+    </p:spTree>
+    <p:extLst>
+      <p:ext uri="{BB962C8B-B14F-4D97-AF65-F5344CB8AC3E}">
+        <p14:creationId xmlns:p14="http://schemas.microsoft.com/office/powerpoint/2010/main" val="2656360979"/>
+      </p:ext>
+    </p:extLst>
+  </p:cSld>
+  <p:clrMapOvr>
+    <a:masterClrMapping/>
+  </p:clrMapOvr>
+  <mc:AlternateContent xmlns:mc="http://schemas.openxmlformats.org/markup-compatibility/2006">
+    <mc:Choice xmlns:p14="http://schemas.microsoft.com/office/powerpoint/2010/main" Requires="p14">
+      <p:transition p14:dur="10"/>
+    </mc:Choice>
+    <mc:Fallback>
+      <p:transition/>
+    </mc:Fallback>
+  </mc:AlternateContent>
+  <p:timing>
+    <p:tnLst>
+      <p:par>
+        <p:cTn id="1" dur="indefinite" restart="never" nodeType="tmRoot"/>
+      </p:par>
+    </p:tnLst>
+  </p:timing>
+</p:sld>
+</file>
+
+<file path=ppt/slides/slide13.xml><?xml version="1.0" encoding="utf-8"?>
+<p:sld xmlns:a="http://schemas.openxmlformats.org/drawingml/2006/main" xmlns:r="http://schemas.openxmlformats.org/officeDocument/2006/relationships" xmlns:p="http://schemas.openxmlformats.org/presentationml/2006/main">
+  <p:cSld>
+    <p:spTree>
+      <p:nvGrpSpPr>
+        <p:cNvPr id="1" name=""/>
+        <p:cNvGrpSpPr/>
+        <p:nvPr/>
+      </p:nvGrpSpPr>
+      <p:grpSpPr>
+        <a:xfrm>
+          <a:off x="0" y="0"/>
+          <a:ext cx="0" cy="0"/>
+          <a:chOff x="0" y="0"/>
+          <a:chExt cx="0" cy="0"/>
+        </a:xfrm>
+      </p:grpSpPr>
+      <p:sp>
+        <p:nvSpPr>
+          <p:cNvPr id="2" name="제목 1"/>
+          <p:cNvSpPr>
+            <a:spLocks noGrp="1"/>
+          </p:cNvSpPr>
+          <p:nvPr>
+            <p:ph type="title"/>
+          </p:nvPr>
+        </p:nvSpPr>
+        <p:spPr>
+          <a:xfrm>
+            <a:off x="714894" y="273684"/>
+            <a:ext cx="8438804" cy="432897"/>
+          </a:xfrm>
+        </p:spPr>
+        <p:txBody>
+          <a:bodyPr>
+            <a:noAutofit/>
+          </a:bodyPr>
+          <a:lstStyle/>
+          <a:p>
+            <a:r>
+              <a:rPr lang="ko-KR" altLang="en-US" sz="3600" dirty="0" smtClean="0"/>
+              <a:t>프로젝트 설명</a:t>
+            </a:r>
+            <a:endParaRPr lang="ko-KR" altLang="en-US" sz="3600" dirty="0"/>
+          </a:p>
+        </p:txBody>
+      </p:sp>
+      <p:sp>
+        <p:nvSpPr>
+          <p:cNvPr id="8" name="TextBox 7"/>
+          <p:cNvSpPr txBox="1"/>
+          <p:nvPr/>
+        </p:nvSpPr>
+        <p:spPr>
+          <a:xfrm>
+            <a:off x="967047" y="1026372"/>
+            <a:ext cx="7486997" cy="369332"/>
+          </a:xfrm>
+          <a:prstGeom prst="rect">
+            <a:avLst/>
+          </a:prstGeom>
+          <a:noFill/>
+        </p:spPr>
+        <p:txBody>
+          <a:bodyPr wrap="square" rtlCol="0">
+            <a:spAutoFit/>
+          </a:bodyPr>
+          <a:lstStyle/>
+          <a:p>
+            <a:r>
+              <a:rPr lang="en-US" altLang="ko-KR" dirty="0" smtClean="0"/>
+              <a:t>7. </a:t>
+            </a:r>
+            <a:r>
+              <a:rPr lang="ko-KR" altLang="en-US" dirty="0" smtClean="0"/>
+              <a:t>게시판 목록 페이지</a:t>
+            </a:r>
+            <a:r>
+              <a:rPr lang="en-US" altLang="ko-KR" dirty="0" smtClean="0"/>
+              <a:t>(BoardProc.java, </a:t>
+            </a:r>
+            <a:r>
+              <a:rPr lang="en-US" altLang="ko-KR" dirty="0" err="1" smtClean="0"/>
+              <a:t>freeBoard.jsp</a:t>
+            </a:r>
+            <a:r>
+              <a:rPr lang="en-US" altLang="ko-KR" dirty="0" smtClean="0"/>
+              <a:t>)</a:t>
+            </a:r>
+            <a:endParaRPr lang="ko-KR" altLang="en-US" dirty="0"/>
+          </a:p>
+        </p:txBody>
+      </p:sp>
+      <p:sp>
+        <p:nvSpPr>
+          <p:cNvPr id="4" name="TextBox 3"/>
+          <p:cNvSpPr txBox="1"/>
+          <p:nvPr/>
+        </p:nvSpPr>
+        <p:spPr>
+          <a:xfrm>
+            <a:off x="967047" y="1715495"/>
+            <a:ext cx="4578347" cy="4662815"/>
+          </a:xfrm>
+          <a:prstGeom prst="rect">
+            <a:avLst/>
+          </a:prstGeom>
+          <a:noFill/>
+        </p:spPr>
+        <p:txBody>
+          <a:bodyPr wrap="square" rtlCol="0">
+            <a:spAutoFit/>
+          </a:bodyPr>
+          <a:lstStyle/>
+          <a:p>
+            <a:pPr>
+              <a:lnSpc>
+                <a:spcPct val="150000"/>
+              </a:lnSpc>
+            </a:pPr>
+            <a:r>
+              <a:rPr lang="ko-KR" altLang="en-US" dirty="0" smtClean="0"/>
+              <a:t>게시판 목록을 보여주는 페이지이다</a:t>
+            </a:r>
+            <a:r>
+              <a:rPr lang="en-US" altLang="ko-KR" dirty="0" smtClean="0"/>
+              <a:t>.</a:t>
+            </a:r>
+          </a:p>
+          <a:p>
+            <a:pPr>
+              <a:lnSpc>
+                <a:spcPct val="150000"/>
+              </a:lnSpc>
+            </a:pPr>
+            <a:endParaRPr lang="en-US" altLang="ko-KR" dirty="0"/>
+          </a:p>
+          <a:p>
+            <a:pPr>
+              <a:lnSpc>
+                <a:spcPct val="150000"/>
+              </a:lnSpc>
+            </a:pPr>
+            <a:r>
+              <a:rPr lang="ko-KR" altLang="en-US" dirty="0" smtClean="0"/>
+              <a:t>제목을 클릭하면 글을 조회할 수 있으며 제목 옆의 </a:t>
+            </a:r>
+            <a:r>
+              <a:rPr lang="en-US" altLang="ko-KR" dirty="0" smtClean="0"/>
+              <a:t>[]</a:t>
+            </a:r>
+            <a:r>
+              <a:rPr lang="ko-KR" altLang="en-US" dirty="0" smtClean="0"/>
+              <a:t>안의 숫자는 글의 댓글 숫자이다</a:t>
+            </a:r>
+            <a:r>
+              <a:rPr lang="en-US" altLang="ko-KR" dirty="0" smtClean="0"/>
+              <a:t>.</a:t>
+            </a:r>
+          </a:p>
+          <a:p>
+            <a:pPr>
+              <a:lnSpc>
+                <a:spcPct val="150000"/>
+              </a:lnSpc>
+            </a:pPr>
+            <a:endParaRPr lang="en-US" altLang="ko-KR" dirty="0"/>
+          </a:p>
+          <a:p>
+            <a:pPr>
+              <a:lnSpc>
+                <a:spcPct val="150000"/>
+              </a:lnSpc>
+            </a:pPr>
+            <a:r>
+              <a:rPr lang="ko-KR" altLang="en-US" dirty="0" err="1" smtClean="0"/>
+              <a:t>게시글은</a:t>
+            </a:r>
+            <a:r>
+              <a:rPr lang="ko-KR" altLang="en-US" dirty="0" smtClean="0"/>
+              <a:t> </a:t>
+            </a:r>
+            <a:r>
+              <a:rPr lang="en-US" altLang="ko-KR" dirty="0" smtClean="0"/>
+              <a:t>10</a:t>
+            </a:r>
+            <a:r>
+              <a:rPr lang="ko-KR" altLang="en-US" dirty="0" smtClean="0"/>
+              <a:t>개씩 볼 수 있으며 </a:t>
+            </a:r>
+            <a:r>
+              <a:rPr lang="ko-KR" altLang="en-US" dirty="0" err="1" smtClean="0"/>
+              <a:t>이전글이나</a:t>
+            </a:r>
+            <a:r>
+              <a:rPr lang="ko-KR" altLang="en-US" dirty="0" smtClean="0"/>
+              <a:t> </a:t>
+            </a:r>
+            <a:r>
+              <a:rPr lang="ko-KR" altLang="en-US" dirty="0" err="1" smtClean="0"/>
+              <a:t>다음글</a:t>
+            </a:r>
+            <a:r>
+              <a:rPr lang="ko-KR" altLang="en-US" dirty="0" smtClean="0"/>
+              <a:t> 버튼을 누르면 다음 </a:t>
+            </a:r>
+            <a:r>
+              <a:rPr lang="en-US" altLang="ko-KR" dirty="0" smtClean="0"/>
+              <a:t>10</a:t>
+            </a:r>
+            <a:r>
+              <a:rPr lang="ko-KR" altLang="en-US" dirty="0" smtClean="0"/>
+              <a:t>개</a:t>
+            </a:r>
+            <a:r>
+              <a:rPr lang="en-US" altLang="ko-KR" dirty="0" smtClean="0"/>
+              <a:t>, </a:t>
+            </a:r>
+            <a:r>
+              <a:rPr lang="ko-KR" altLang="en-US" dirty="0" smtClean="0"/>
+              <a:t>이전 </a:t>
+            </a:r>
+            <a:r>
+              <a:rPr lang="en-US" altLang="ko-KR" dirty="0" smtClean="0"/>
+              <a:t>10</a:t>
+            </a:r>
+            <a:r>
+              <a:rPr lang="ko-KR" altLang="en-US" dirty="0" smtClean="0"/>
+              <a:t>개의 글을 볼 수 있다</a:t>
+            </a:r>
+            <a:r>
+              <a:rPr lang="en-US" altLang="ko-KR" dirty="0" smtClean="0"/>
+              <a:t>.</a:t>
+            </a:r>
+          </a:p>
+          <a:p>
+            <a:pPr>
+              <a:lnSpc>
+                <a:spcPct val="150000"/>
+              </a:lnSpc>
+            </a:pPr>
+            <a:endParaRPr lang="en-US" altLang="ko-KR" dirty="0"/>
+          </a:p>
+          <a:p>
+            <a:pPr>
+              <a:lnSpc>
+                <a:spcPct val="150000"/>
+              </a:lnSpc>
+            </a:pPr>
+            <a:r>
+              <a:rPr lang="ko-KR" altLang="en-US" dirty="0" smtClean="0"/>
+              <a:t>글쓰기 버튼을 누르면 </a:t>
+            </a:r>
+            <a:r>
+              <a:rPr lang="ko-KR" altLang="en-US" dirty="0" err="1" smtClean="0"/>
+              <a:t>게시글을</a:t>
+            </a:r>
+            <a:r>
+              <a:rPr lang="ko-KR" altLang="en-US" dirty="0" smtClean="0"/>
+              <a:t> 작성할 수 있다</a:t>
+            </a:r>
+            <a:r>
+              <a:rPr lang="en-US" altLang="ko-KR" dirty="0" smtClean="0"/>
+              <a:t>.</a:t>
+            </a:r>
+          </a:p>
+        </p:txBody>
+      </p:sp>
+      <p:pic>
+        <p:nvPicPr>
+          <p:cNvPr id="3" name="그림 2"/>
+          <p:cNvPicPr>
+            <a:picLocks noChangeAspect="1"/>
+          </p:cNvPicPr>
+          <p:nvPr/>
+        </p:nvPicPr>
+        <p:blipFill>
+          <a:blip r:embed="rId2">
+            <a:extLst>
+              <a:ext uri="{28A0092B-C50C-407E-A947-70E740481C1C}">
+                <a14:useLocalDpi xmlns:a14="http://schemas.microsoft.com/office/drawing/2010/main" val="0"/>
+              </a:ext>
+            </a:extLst>
+          </a:blip>
+          <a:stretch>
+            <a:fillRect/>
+          </a:stretch>
+        </p:blipFill>
+        <p:spPr>
+          <a:xfrm>
+            <a:off x="5545393" y="1715495"/>
+            <a:ext cx="6515501" cy="4350244"/>
+          </a:xfrm>
+          <a:prstGeom prst="rect">
+            <a:avLst/>
+          </a:prstGeom>
+        </p:spPr>
+      </p:pic>
+    </p:spTree>
+    <p:extLst>
+      <p:ext uri="{BB962C8B-B14F-4D97-AF65-F5344CB8AC3E}">
+        <p14:creationId xmlns:p14="http://schemas.microsoft.com/office/powerpoint/2010/main" val="60346221"/>
+      </p:ext>
+    </p:extLst>
+  </p:cSld>
+  <p:clrMapOvr>
+    <a:masterClrMapping/>
+  </p:clrMapOvr>
+  <mc:AlternateContent xmlns:mc="http://schemas.openxmlformats.org/markup-compatibility/2006">
+    <mc:Choice xmlns:p14="http://schemas.microsoft.com/office/powerpoint/2010/main" Requires="p14">
+      <p:transition p14:dur="10"/>
+    </mc:Choice>
+    <mc:Fallback>
+      <p:transition/>
+    </mc:Fallback>
+  </mc:AlternateContent>
+  <p:timing>
+    <p:tnLst>
+      <p:par>
+        <p:cTn id="1" dur="indefinite" restart="never" nodeType="tmRoot"/>
+      </p:par>
+    </p:tnLst>
+  </p:timing>
+</p:sld>
+</file>
+
+<file path=ppt/slides/slide14.xml><?xml version="1.0" encoding="utf-8"?>
+<p:sld xmlns:a="http://schemas.openxmlformats.org/drawingml/2006/main" xmlns:r="http://schemas.openxmlformats.org/officeDocument/2006/relationships" xmlns:p="http://schemas.openxmlformats.org/presentationml/2006/main">
+  <p:cSld>
+    <p:spTree>
+      <p:nvGrpSpPr>
+        <p:cNvPr id="1" name=""/>
+        <p:cNvGrpSpPr/>
+        <p:nvPr/>
+      </p:nvGrpSpPr>
+      <p:grpSpPr>
+        <a:xfrm>
+          <a:off x="0" y="0"/>
+          <a:ext cx="0" cy="0"/>
+          <a:chOff x="0" y="0"/>
+          <a:chExt cx="0" cy="0"/>
+        </a:xfrm>
+      </p:grpSpPr>
+      <p:sp>
+        <p:nvSpPr>
+          <p:cNvPr id="2" name="제목 1"/>
+          <p:cNvSpPr>
+            <a:spLocks noGrp="1"/>
+          </p:cNvSpPr>
+          <p:nvPr>
+            <p:ph type="title"/>
+          </p:nvPr>
+        </p:nvSpPr>
+        <p:spPr>
+          <a:xfrm>
+            <a:off x="714894" y="273684"/>
+            <a:ext cx="8438804" cy="432897"/>
+          </a:xfrm>
+        </p:spPr>
+        <p:txBody>
+          <a:bodyPr>
+            <a:noAutofit/>
+          </a:bodyPr>
+          <a:lstStyle/>
+          <a:p>
+            <a:r>
+              <a:rPr lang="ko-KR" altLang="en-US" sz="3600" dirty="0" smtClean="0"/>
+              <a:t>프로젝트 설명</a:t>
+            </a:r>
+            <a:endParaRPr lang="ko-KR" altLang="en-US" sz="3600" dirty="0"/>
+          </a:p>
+        </p:txBody>
+      </p:sp>
+      <p:sp>
+        <p:nvSpPr>
+          <p:cNvPr id="8" name="TextBox 7"/>
+          <p:cNvSpPr txBox="1"/>
+          <p:nvPr/>
+        </p:nvSpPr>
+        <p:spPr>
+          <a:xfrm>
+            <a:off x="967047" y="1026372"/>
+            <a:ext cx="7486997" cy="369332"/>
+          </a:xfrm>
+          <a:prstGeom prst="rect">
+            <a:avLst/>
+          </a:prstGeom>
+          <a:noFill/>
+        </p:spPr>
+        <p:txBody>
+          <a:bodyPr wrap="square" rtlCol="0">
+            <a:spAutoFit/>
+          </a:bodyPr>
+          <a:lstStyle/>
+          <a:p>
+            <a:r>
+              <a:rPr lang="en-US" altLang="ko-KR" dirty="0"/>
+              <a:t>8</a:t>
+            </a:r>
+            <a:r>
+              <a:rPr lang="en-US" altLang="ko-KR" dirty="0" smtClean="0"/>
+              <a:t>. </a:t>
+            </a:r>
+            <a:r>
+              <a:rPr lang="ko-KR" altLang="en-US" dirty="0" smtClean="0"/>
+              <a:t>게시판 글 보기</a:t>
+            </a:r>
+            <a:r>
+              <a:rPr lang="en-US" altLang="ko-KR" dirty="0"/>
+              <a:t> </a:t>
+            </a:r>
+            <a:r>
+              <a:rPr lang="ko-KR" altLang="en-US" dirty="0" smtClean="0"/>
+              <a:t>페이지</a:t>
+            </a:r>
+            <a:r>
+              <a:rPr lang="en-US" altLang="ko-KR" dirty="0" smtClean="0"/>
+              <a:t>(ReadProc.java, </a:t>
+            </a:r>
+            <a:r>
+              <a:rPr lang="en-US" altLang="ko-KR" dirty="0" err="1" smtClean="0"/>
+              <a:t>readBoard.jsp</a:t>
+            </a:r>
+            <a:r>
+              <a:rPr lang="en-US" altLang="ko-KR" dirty="0" smtClean="0"/>
+              <a:t>, ReplyProc.java)</a:t>
+            </a:r>
+            <a:endParaRPr lang="ko-KR" altLang="en-US" dirty="0"/>
+          </a:p>
+        </p:txBody>
+      </p:sp>
+      <p:pic>
+        <p:nvPicPr>
+          <p:cNvPr id="7" name="그림 6"/>
+          <p:cNvPicPr>
+            <a:picLocks noChangeAspect="1"/>
+          </p:cNvPicPr>
+          <p:nvPr/>
+        </p:nvPicPr>
+        <p:blipFill>
+          <a:blip r:embed="rId2">
+            <a:extLst>
+              <a:ext uri="{28A0092B-C50C-407E-A947-70E740481C1C}">
+                <a14:useLocalDpi xmlns:a14="http://schemas.microsoft.com/office/drawing/2010/main" val="0"/>
+              </a:ext>
+            </a:extLst>
+          </a:blip>
+          <a:stretch>
+            <a:fillRect/>
+          </a:stretch>
+        </p:blipFill>
+        <p:spPr>
+          <a:xfrm>
+            <a:off x="5033570" y="1715495"/>
+            <a:ext cx="6840947" cy="5142505"/>
+          </a:xfrm>
+          <a:prstGeom prst="rect">
+            <a:avLst/>
+          </a:prstGeom>
+        </p:spPr>
+      </p:pic>
+      <p:sp>
+        <p:nvSpPr>
+          <p:cNvPr id="9" name="TextBox 8"/>
+          <p:cNvSpPr txBox="1"/>
+          <p:nvPr/>
+        </p:nvSpPr>
+        <p:spPr>
+          <a:xfrm>
+            <a:off x="967047" y="1715496"/>
+            <a:ext cx="3899921" cy="4247317"/>
+          </a:xfrm>
+          <a:prstGeom prst="rect">
+            <a:avLst/>
+          </a:prstGeom>
+          <a:noFill/>
+        </p:spPr>
+        <p:txBody>
+          <a:bodyPr wrap="square" rtlCol="0">
+            <a:spAutoFit/>
+          </a:bodyPr>
+          <a:lstStyle/>
+          <a:p>
+            <a:pPr>
+              <a:lnSpc>
+                <a:spcPct val="150000"/>
+              </a:lnSpc>
+            </a:pPr>
+            <a:r>
+              <a:rPr lang="ko-KR" altLang="en-US" dirty="0" err="1" smtClean="0"/>
+              <a:t>게시글과</a:t>
+            </a:r>
+            <a:r>
+              <a:rPr lang="ko-KR" altLang="en-US" dirty="0" smtClean="0"/>
+              <a:t> </a:t>
+            </a:r>
+            <a:r>
+              <a:rPr lang="ko-KR" altLang="en-US" dirty="0" err="1" smtClean="0"/>
+              <a:t>게시글에</a:t>
+            </a:r>
+            <a:r>
+              <a:rPr lang="ko-KR" altLang="en-US" dirty="0" smtClean="0"/>
+              <a:t> 달린 댓글을 볼 수 있고 댓글을 직접 작성할 수도 있는 페이지이다</a:t>
+            </a:r>
+            <a:r>
+              <a:rPr lang="en-US" altLang="ko-KR" dirty="0" smtClean="0"/>
+              <a:t>.</a:t>
+            </a:r>
+          </a:p>
+          <a:p>
+            <a:pPr>
+              <a:lnSpc>
+                <a:spcPct val="150000"/>
+              </a:lnSpc>
+            </a:pPr>
+            <a:endParaRPr lang="en-US" altLang="ko-KR" dirty="0"/>
+          </a:p>
+          <a:p>
+            <a:pPr>
+              <a:lnSpc>
+                <a:spcPct val="150000"/>
+              </a:lnSpc>
+            </a:pPr>
+            <a:r>
+              <a:rPr lang="ko-KR" altLang="en-US" dirty="0" smtClean="0"/>
+              <a:t>파란색 수정하기 버튼은 작성자만 볼 수 있으며 삭제 버튼은 작성자와 운영자가 볼 수 있다</a:t>
+            </a:r>
+            <a:r>
+              <a:rPr lang="en-US" altLang="ko-KR" dirty="0" smtClean="0"/>
+              <a:t>.</a:t>
+            </a:r>
+          </a:p>
+          <a:p>
+            <a:pPr>
+              <a:lnSpc>
+                <a:spcPct val="150000"/>
+              </a:lnSpc>
+            </a:pPr>
+            <a:endParaRPr lang="en-US" altLang="ko-KR" dirty="0"/>
+          </a:p>
+          <a:p>
+            <a:pPr>
+              <a:lnSpc>
+                <a:spcPct val="150000"/>
+              </a:lnSpc>
+            </a:pPr>
+            <a:r>
+              <a:rPr lang="ko-KR" altLang="en-US" dirty="0" smtClean="0"/>
+              <a:t>댓글의 삭제하기 버튼 또한 작성자와 운영자가 볼 때만 구현된다</a:t>
+            </a:r>
+            <a:r>
+              <a:rPr lang="en-US" altLang="ko-KR" dirty="0" smtClean="0"/>
+              <a:t>.</a:t>
+            </a:r>
+          </a:p>
+        </p:txBody>
+      </p:sp>
+    </p:spTree>
+    <p:extLst>
+      <p:ext uri="{BB962C8B-B14F-4D97-AF65-F5344CB8AC3E}">
+        <p14:creationId xmlns:p14="http://schemas.microsoft.com/office/powerpoint/2010/main" val="1963442249"/>
+      </p:ext>
+    </p:extLst>
+  </p:cSld>
+  <p:clrMapOvr>
+    <a:masterClrMapping/>
+  </p:clrMapOvr>
+  <mc:AlternateContent xmlns:mc="http://schemas.openxmlformats.org/markup-compatibility/2006">
+    <mc:Choice xmlns:p14="http://schemas.microsoft.com/office/powerpoint/2010/main" Requires="p14">
+      <p:transition p14:dur="10"/>
+    </mc:Choice>
+    <mc:Fallback>
+      <p:transition/>
+    </mc:Fallback>
+  </mc:AlternateContent>
+  <p:timing>
+    <p:tnLst>
+      <p:par>
+        <p:cTn id="1" dur="indefinite" restart="never" nodeType="tmRoot"/>
+      </p:par>
+    </p:tnLst>
+  </p:timing>
+</p:sld>
+</file>
+
+<file path=ppt/slides/slide15.xml><?xml version="1.0" encoding="utf-8"?>
+<p:sld xmlns:a="http://schemas.openxmlformats.org/drawingml/2006/main" xmlns:r="http://schemas.openxmlformats.org/officeDocument/2006/relationships" xmlns:p="http://schemas.openxmlformats.org/presentationml/2006/main">
+  <p:cSld>
+    <p:spTree>
+      <p:nvGrpSpPr>
+        <p:cNvPr id="1" name=""/>
+        <p:cNvGrpSpPr/>
+        <p:nvPr/>
+      </p:nvGrpSpPr>
+      <p:grpSpPr>
+        <a:xfrm>
+          <a:off x="0" y="0"/>
+          <a:ext cx="0" cy="0"/>
+          <a:chOff x="0" y="0"/>
+          <a:chExt cx="0" cy="0"/>
+        </a:xfrm>
+      </p:grpSpPr>
+      <p:sp>
+        <p:nvSpPr>
+          <p:cNvPr id="2" name="제목 1"/>
+          <p:cNvSpPr>
+            <a:spLocks noGrp="1"/>
+          </p:cNvSpPr>
+          <p:nvPr>
+            <p:ph type="title"/>
+          </p:nvPr>
+        </p:nvSpPr>
+        <p:spPr>
+          <a:xfrm>
+            <a:off x="714894" y="273684"/>
+            <a:ext cx="8438804" cy="432897"/>
+          </a:xfrm>
+        </p:spPr>
+        <p:txBody>
+          <a:bodyPr>
+            <a:noAutofit/>
+          </a:bodyPr>
+          <a:lstStyle/>
+          <a:p>
+            <a:r>
+              <a:rPr lang="ko-KR" altLang="en-US" sz="3600" dirty="0" smtClean="0"/>
+              <a:t>프로젝트 설명</a:t>
+            </a:r>
+            <a:endParaRPr lang="ko-KR" altLang="en-US" sz="3600" dirty="0"/>
+          </a:p>
+        </p:txBody>
+      </p:sp>
+      <p:sp>
+        <p:nvSpPr>
+          <p:cNvPr id="8" name="TextBox 7"/>
+          <p:cNvSpPr txBox="1"/>
+          <p:nvPr/>
+        </p:nvSpPr>
+        <p:spPr>
+          <a:xfrm>
+            <a:off x="967047" y="1026372"/>
+            <a:ext cx="7486997" cy="369332"/>
+          </a:xfrm>
+          <a:prstGeom prst="rect">
+            <a:avLst/>
+          </a:prstGeom>
+          <a:noFill/>
+        </p:spPr>
+        <p:txBody>
+          <a:bodyPr wrap="square" rtlCol="0">
+            <a:spAutoFit/>
+          </a:bodyPr>
+          <a:lstStyle/>
+          <a:p>
+            <a:r>
+              <a:rPr lang="en-US" altLang="ko-KR" dirty="0" smtClean="0"/>
+              <a:t>9. </a:t>
+            </a:r>
+            <a:r>
+              <a:rPr lang="ko-KR" altLang="en-US" dirty="0" smtClean="0"/>
+              <a:t>기타 화면</a:t>
+            </a:r>
+            <a:endParaRPr lang="ko-KR" altLang="en-US" dirty="0"/>
+          </a:p>
+        </p:txBody>
+      </p:sp>
+      <p:pic>
+        <p:nvPicPr>
+          <p:cNvPr id="3" name="그림 2"/>
+          <p:cNvPicPr>
+            <a:picLocks noChangeAspect="1"/>
+          </p:cNvPicPr>
+          <p:nvPr/>
+        </p:nvPicPr>
+        <p:blipFill>
+          <a:blip r:embed="rId2">
+            <a:extLst>
+              <a:ext uri="{28A0092B-C50C-407E-A947-70E740481C1C}">
+                <a14:useLocalDpi xmlns:a14="http://schemas.microsoft.com/office/drawing/2010/main" val="0"/>
+              </a:ext>
+            </a:extLst>
+          </a:blip>
+          <a:stretch>
+            <a:fillRect/>
+          </a:stretch>
+        </p:blipFill>
+        <p:spPr>
+          <a:xfrm>
+            <a:off x="4228319" y="1026372"/>
+            <a:ext cx="7727707" cy="5835568"/>
+          </a:xfrm>
+          <a:prstGeom prst="rect">
+            <a:avLst/>
+          </a:prstGeom>
+        </p:spPr>
+      </p:pic>
+      <p:pic>
+        <p:nvPicPr>
+          <p:cNvPr id="4" name="그림 3"/>
+          <p:cNvPicPr>
+            <a:picLocks noChangeAspect="1"/>
+          </p:cNvPicPr>
+          <p:nvPr/>
+        </p:nvPicPr>
+        <p:blipFill>
+          <a:blip r:embed="rId3" cstate="print">
+            <a:extLst>
+              <a:ext uri="{28A0092B-C50C-407E-A947-70E740481C1C}">
+                <a14:useLocalDpi xmlns:a14="http://schemas.microsoft.com/office/drawing/2010/main" val="0"/>
+              </a:ext>
+            </a:extLst>
+          </a:blip>
+          <a:stretch>
+            <a:fillRect/>
+          </a:stretch>
+        </p:blipFill>
+        <p:spPr>
+          <a:xfrm>
+            <a:off x="714894" y="1715495"/>
+            <a:ext cx="5305223" cy="3966786"/>
+          </a:xfrm>
+          <a:prstGeom prst="rect">
+            <a:avLst/>
+          </a:prstGeom>
+        </p:spPr>
+      </p:pic>
+    </p:spTree>
+    <p:extLst>
+      <p:ext uri="{BB962C8B-B14F-4D97-AF65-F5344CB8AC3E}">
+        <p14:creationId xmlns:p14="http://schemas.microsoft.com/office/powerpoint/2010/main" val="1593517477"/>
+      </p:ext>
+    </p:extLst>
+  </p:cSld>
+  <p:clrMapOvr>
+    <a:masterClrMapping/>
+  </p:clrMapOvr>
+  <mc:AlternateContent xmlns:mc="http://schemas.openxmlformats.org/markup-compatibility/2006">
+    <mc:Choice xmlns:p14="http://schemas.microsoft.com/office/powerpoint/2010/main" Requires="p14">
+      <p:transition p14:dur="10"/>
+    </mc:Choice>
+    <mc:Fallback>
+      <p:transition/>
+    </mc:Fallback>
+  </mc:AlternateContent>
+  <p:timing>
+    <p:tnLst>
+      <p:par>
+        <p:cTn id="1" dur="indefinite" restart="never" nodeType="tmRoot"/>
+      </p:par>
+    </p:tnLst>
+  </p:timing>
+</p:sld>
+</file>
+
+<file path=ppt/slides/slide16.xml><?xml version="1.0" encoding="utf-8"?>
+<p:sld xmlns:a="http://schemas.openxmlformats.org/drawingml/2006/main" xmlns:r="http://schemas.openxmlformats.org/officeDocument/2006/relationships" xmlns:p="http://schemas.openxmlformats.org/presentationml/2006/main">
+  <p:cSld>
+    <p:bg>
+      <p:bgPr>
+        <a:solidFill>
+          <a:schemeClr val="bg1">
+            <a:lumMod val="85000"/>
+          </a:schemeClr>
+        </a:solidFill>
+        <a:effectLst/>
+      </p:bgPr>
+    </p:bg>
+    <p:spTree>
+      <p:nvGrpSpPr>
+        <p:cNvPr id="1" name=""/>
+        <p:cNvGrpSpPr/>
+        <p:nvPr/>
+      </p:nvGrpSpPr>
+      <p:grpSpPr>
+        <a:xfrm>
+          <a:off x="0" y="0"/>
+          <a:ext cx="0" cy="0"/>
+          <a:chOff x="0" y="0"/>
+          <a:chExt cx="0" cy="0"/>
+        </a:xfrm>
+      </p:grpSpPr>
       <p:grpSp>
         <p:nvGrpSpPr>
           <p:cNvPr id="6" name="그룹 5"/>
@@ -3420,6 +5216,13 @@
   <p:clrMapOvr>
     <a:masterClrMapping/>
   </p:clrMapOvr>
+  <p:timing>
+    <p:tnLst>
+      <p:par>
+        <p:cTn id="1" dur="indefinite" restart="never" nodeType="tmRoot"/>
+      </p:par>
+    </p:tnLst>
+  </p:timing>
 </p:sld>
 </file>
 
@@ -3607,15 +5410,15 @@
         </p:spPr>
         <p:txBody>
           <a:bodyPr>
-            <a:normAutofit fontScale="90000"/>
+            <a:noAutofit/>
           </a:bodyPr>
           <a:lstStyle/>
           <a:p>
             <a:r>
-              <a:rPr lang="ko-KR" altLang="en-US" dirty="0" smtClean="0"/>
+              <a:rPr lang="ko-KR" altLang="en-US" sz="3600" dirty="0" smtClean="0"/>
               <a:t>프로젝트 개요</a:t>
             </a:r>
-            <a:endParaRPr lang="ko-KR" altLang="en-US" dirty="0"/>
+            <a:endParaRPr lang="ko-KR" altLang="en-US" sz="3600" dirty="0"/>
           </a:p>
         </p:txBody>
       </p:sp>
@@ -3855,15 +5658,15 @@
         </p:spPr>
         <p:txBody>
           <a:bodyPr>
-            <a:normAutofit fontScale="90000"/>
+            <a:noAutofit/>
           </a:bodyPr>
           <a:lstStyle/>
           <a:p>
             <a:r>
-              <a:rPr lang="ko-KR" altLang="en-US" dirty="0" smtClean="0"/>
+              <a:rPr lang="ko-KR" altLang="en-US" sz="3600" dirty="0" smtClean="0"/>
               <a:t>프로젝트 개요</a:t>
             </a:r>
-            <a:endParaRPr lang="ko-KR" altLang="en-US" dirty="0"/>
+            <a:endParaRPr lang="ko-KR" altLang="en-US" sz="3600" dirty="0"/>
           </a:p>
         </p:txBody>
       </p:sp>
@@ -3876,7 +5679,7 @@
         <p:spPr>
           <a:xfrm>
             <a:off x="1296786" y="1476090"/>
-            <a:ext cx="5486400" cy="1596912"/>
+            <a:ext cx="5486400" cy="3416320"/>
           </a:xfrm>
           <a:prstGeom prst="rect">
             <a:avLst/>
@@ -3898,10 +5701,56 @@
               <a:rPr lang="ko-KR" altLang="en-US" dirty="0" smtClean="0"/>
               <a:t>개발환경</a:t>
             </a:r>
+            <a:endParaRPr lang="en-US" altLang="ko-KR" dirty="0"/>
+          </a:p>
+          <a:p>
+            <a:pPr marL="285750" indent="-285750">
+              <a:lnSpc>
+                <a:spcPct val="150000"/>
+              </a:lnSpc>
+              <a:buFontTx/>
+              <a:buChar char="-"/>
+            </a:pPr>
             <a:r>
               <a:rPr lang="en-US" altLang="ko-KR" dirty="0" smtClean="0"/>
-              <a:t>: Java, Eclipse IDE, Apache Tomcat</a:t>
-            </a:r>
+              <a:t>Java</a:t>
+            </a:r>
+            <a:r>
+              <a:rPr lang="en-US" altLang="ko-KR" dirty="0" smtClean="0"/>
+              <a:t>, Eclipse </a:t>
+            </a:r>
+            <a:r>
+              <a:rPr lang="en-US" altLang="ko-KR" dirty="0" smtClean="0"/>
+              <a:t>IDE</a:t>
+            </a:r>
+            <a:endParaRPr lang="en-US" altLang="ko-KR" dirty="0"/>
+          </a:p>
+          <a:p>
+            <a:pPr marL="285750" indent="-285750">
+              <a:lnSpc>
+                <a:spcPct val="150000"/>
+              </a:lnSpc>
+              <a:buFontTx/>
+              <a:buChar char="-"/>
+            </a:pPr>
+            <a:r>
+              <a:rPr lang="en-US" altLang="ko-KR" dirty="0" smtClean="0"/>
+              <a:t>Apache Tomcat</a:t>
+            </a:r>
+          </a:p>
+          <a:p>
+            <a:pPr marL="285750" indent="-285750">
+              <a:lnSpc>
+                <a:spcPct val="150000"/>
+              </a:lnSpc>
+              <a:buFontTx/>
+              <a:buChar char="-"/>
+            </a:pPr>
+            <a:r>
+              <a:rPr lang="en-US" altLang="ko-KR" dirty="0" smtClean="0"/>
+              <a:t>MySQL</a:t>
+            </a:r>
+            <a:endParaRPr lang="en-US" altLang="ko-KR" dirty="0" smtClean="0"/>
           </a:p>
           <a:p>
             <a:pPr>
@@ -3913,9 +5762,25 @@
               <a:rPr lang="ko-KR" altLang="en-US" dirty="0" smtClean="0"/>
               <a:t>개발 기간</a:t>
             </a:r>
+            <a:endParaRPr lang="en-US" altLang="ko-KR" dirty="0"/>
+          </a:p>
+          <a:p>
+            <a:pPr>
+              <a:lnSpc>
+                <a:spcPct val="150000"/>
+              </a:lnSpc>
+            </a:pPr>
             <a:r>
               <a:rPr lang="en-US" altLang="ko-KR" dirty="0" smtClean="0"/>
-              <a:t>: 2023. 3. 29. ~  2023. 4. 4.</a:t>
+              <a:t>- </a:t>
+            </a:r>
+            <a:r>
+              <a:rPr lang="en-US" altLang="ko-KR" dirty="0" smtClean="0"/>
+              <a:t>2023</a:t>
+            </a:r>
+            <a:r>
+              <a:rPr lang="en-US" altLang="ko-KR" dirty="0" smtClean="0"/>
+              <a:t>. 3. 29. ~  2023. 4. 4.</a:t>
             </a:r>
           </a:p>
         </p:txBody>
@@ -3992,16 +5857,6 @@
 <file path=ppt/slides/slide5.xml><?xml version="1.0" encoding="utf-8"?>
 <p:sld xmlns:a="http://schemas.openxmlformats.org/drawingml/2006/main" xmlns:r="http://schemas.openxmlformats.org/officeDocument/2006/relationships" xmlns:p="http://schemas.openxmlformats.org/presentationml/2006/main">
   <p:cSld>
-    <p:bg>
-      <p:bgPr>
-        <a:solidFill>
-          <a:schemeClr val="bg1">
-            <a:lumMod val="85000"/>
-          </a:schemeClr>
-        </a:solidFill>
-        <a:effectLst/>
-      </p:bgPr>
-    </p:bg>
     <p:spTree>
       <p:nvGrpSpPr>
         <p:cNvPr id="1" name=""/>
@@ -4055,7 +5910,7 @@
         <p:spPr>
           <a:xfrm>
             <a:off x="967047" y="642532"/>
-            <a:ext cx="5486400" cy="766620"/>
+            <a:ext cx="5486400" cy="765915"/>
           </a:xfrm>
           <a:prstGeom prst="rect">
             <a:avLst/>
@@ -4075,159 +5930,20 @@
               <a:buAutoNum type="arabicPeriod"/>
             </a:pPr>
             <a:r>
+              <a:rPr lang="en-US" altLang="ko-KR" dirty="0" smtClean="0"/>
+              <a:t>DB </a:t>
+            </a:r>
+            <a:r>
               <a:rPr lang="ko-KR" altLang="en-US" dirty="0" smtClean="0"/>
-              <a:t>메인 페이지</a:t>
-            </a:r>
-            <a:r>
-              <a:rPr lang="en-US" altLang="ko-KR" dirty="0" smtClean="0"/>
-              <a:t>(IndexProc.java, </a:t>
-            </a:r>
-            <a:r>
-              <a:rPr lang="en-US" altLang="ko-KR" dirty="0" err="1" smtClean="0"/>
-              <a:t>index.jsp</a:t>
-            </a:r>
-            <a:r>
-              <a:rPr lang="en-US" altLang="ko-KR" dirty="0" smtClean="0"/>
-              <a:t>)</a:t>
-            </a:r>
-            <a:endParaRPr lang="ko-KR" altLang="en-US" dirty="0"/>
-          </a:p>
-        </p:txBody>
-      </p:sp>
-      <p:sp>
-        <p:nvSpPr>
-          <p:cNvPr id="9" name="TextBox 8"/>
-          <p:cNvSpPr txBox="1"/>
-          <p:nvPr/>
-        </p:nvSpPr>
-        <p:spPr>
-          <a:xfrm>
-            <a:off x="918799" y="5122325"/>
-            <a:ext cx="4363695" cy="615553"/>
-          </a:xfrm>
-          <a:prstGeom prst="rect">
-            <a:avLst/>
-          </a:prstGeom>
-          <a:noFill/>
-        </p:spPr>
-        <p:txBody>
-          <a:bodyPr wrap="none" rtlCol="0">
-            <a:spAutoFit/>
-          </a:bodyPr>
-          <a:lstStyle/>
-          <a:p>
-            <a:r>
-              <a:rPr lang="ko-KR" altLang="en-US" dirty="0" smtClean="0"/>
-              <a:t>로그인 이전</a:t>
+              <a:t>설계</a:t>
             </a:r>
             <a:endParaRPr lang="en-US" altLang="ko-KR" dirty="0" smtClean="0"/>
-          </a:p>
-          <a:p>
-            <a:r>
-              <a:rPr lang="ko-KR" altLang="en-US" sz="1600" dirty="0" err="1" smtClean="0"/>
-              <a:t>로그인을</a:t>
-            </a:r>
-            <a:r>
-              <a:rPr lang="ko-KR" altLang="en-US" sz="1600" dirty="0" smtClean="0"/>
-              <a:t> 요구하는 문구와 로그인 박스 활성화</a:t>
-            </a:r>
-            <a:endParaRPr lang="ko-KR" altLang="en-US" sz="1600" dirty="0"/>
-          </a:p>
-        </p:txBody>
-      </p:sp>
-      <p:sp>
-        <p:nvSpPr>
-          <p:cNvPr id="11" name="TextBox 10"/>
-          <p:cNvSpPr txBox="1"/>
-          <p:nvPr/>
-        </p:nvSpPr>
-        <p:spPr>
-          <a:xfrm>
-            <a:off x="6688588" y="5122325"/>
-            <a:ext cx="4307589" cy="861774"/>
-          </a:xfrm>
-          <a:prstGeom prst="rect">
-            <a:avLst/>
-          </a:prstGeom>
-          <a:noFill/>
-        </p:spPr>
-        <p:txBody>
-          <a:bodyPr wrap="none" rtlCol="0">
-            <a:spAutoFit/>
-          </a:bodyPr>
-          <a:lstStyle/>
-          <a:p>
-            <a:r>
-              <a:rPr lang="ko-KR" altLang="en-US" dirty="0" smtClean="0"/>
-              <a:t>로그인 이후</a:t>
-            </a:r>
-            <a:endParaRPr lang="en-US" altLang="ko-KR" dirty="0" smtClean="0"/>
-          </a:p>
-          <a:p>
-            <a:r>
-              <a:rPr lang="ko-KR" altLang="en-US" sz="1600" dirty="0" smtClean="0"/>
-              <a:t>유저의 닉네임과 포인트 정보수정창이 활성화</a:t>
-            </a:r>
-            <a:endParaRPr lang="en-US" altLang="ko-KR" sz="1600" dirty="0" smtClean="0"/>
-          </a:p>
-          <a:p>
-            <a:r>
-              <a:rPr lang="ko-KR" altLang="en-US" sz="1600" dirty="0" smtClean="0"/>
-              <a:t>로그아웃 박스 활성화</a:t>
-            </a:r>
-            <a:endParaRPr lang="ko-KR" altLang="en-US" sz="1600" dirty="0"/>
-          </a:p>
-        </p:txBody>
-      </p:sp>
-      <p:sp>
-        <p:nvSpPr>
-          <p:cNvPr id="12" name="TextBox 11"/>
-          <p:cNvSpPr txBox="1"/>
-          <p:nvPr/>
-        </p:nvSpPr>
-        <p:spPr>
-          <a:xfrm>
-            <a:off x="1816272" y="6080828"/>
-            <a:ext cx="8496128" cy="338554"/>
-          </a:xfrm>
-          <a:prstGeom prst="rect">
-            <a:avLst/>
-          </a:prstGeom>
-          <a:noFill/>
-        </p:spPr>
-        <p:txBody>
-          <a:bodyPr wrap="square" rtlCol="0">
-            <a:spAutoFit/>
-          </a:bodyPr>
-          <a:lstStyle/>
-          <a:p>
-            <a:r>
-              <a:rPr lang="ko-KR" altLang="en-US" sz="1600" dirty="0" smtClean="0"/>
-              <a:t>로그인</a:t>
-            </a:r>
-            <a:r>
-              <a:rPr lang="en-US" altLang="ko-KR" sz="1600" dirty="0" smtClean="0"/>
-              <a:t>/</a:t>
-            </a:r>
-            <a:r>
-              <a:rPr lang="ko-KR" altLang="en-US" sz="1600" dirty="0" smtClean="0"/>
-              <a:t>로그아웃 박스는 헤더에 포함되어 있으므로 다른 페이지에도 똑같이 적용된다</a:t>
-            </a:r>
-            <a:r>
-              <a:rPr lang="en-US" altLang="ko-KR" sz="1600" dirty="0" smtClean="0"/>
-              <a:t>.</a:t>
-            </a:r>
-            <a:r>
-              <a:rPr lang="ko-KR" altLang="en-US" sz="1600" dirty="0" smtClean="0"/>
-              <a:t> </a:t>
-            </a:r>
-            <a:endParaRPr lang="ko-KR" altLang="en-US" sz="1600" dirty="0"/>
           </a:p>
         </p:txBody>
       </p:sp>
       <p:pic>
         <p:nvPicPr>
-          <p:cNvPr id="14" name="그림 13"/>
+          <p:cNvPr id="5" name="그림 4"/>
           <p:cNvPicPr>
             <a:picLocks noChangeAspect="1"/>
           </p:cNvPicPr>
@@ -4247,38 +5963,8 @@
         </p:blipFill>
         <p:spPr>
           <a:xfrm>
-            <a:off x="6501695" y="1409152"/>
-            <a:ext cx="4870296" cy="3710106"/>
-          </a:xfrm>
-          <a:prstGeom prst="rect">
-            <a:avLst/>
-          </a:prstGeom>
-        </p:spPr>
-      </p:pic>
-      <p:pic>
-        <p:nvPicPr>
-          <p:cNvPr id="16" name="그림 15"/>
-          <p:cNvPicPr>
-            <a:picLocks noChangeAspect="1"/>
-          </p:cNvPicPr>
-          <p:nvPr/>
-        </p:nvPicPr>
-        <p:blipFill>
-          <a:blip r:embed="rId3">
-            <a:extLst>
-              <a:ext uri="{28A0092B-C50C-407E-A947-70E740481C1C}">
-                <a14:useLocalDpi xmlns:a14="http://schemas.microsoft.com/office/drawing/2010/main" val="0"/>
-              </a:ext>
-            </a:extLst>
-          </a:blip>
-          <a:stretch>
-            <a:fillRect/>
-          </a:stretch>
-        </p:blipFill>
-        <p:spPr>
-          <a:xfrm>
-            <a:off x="811803" y="1409152"/>
-            <a:ext cx="4885461" cy="3710106"/>
+            <a:off x="324465" y="1547013"/>
+            <a:ext cx="11523406" cy="4951521"/>
           </a:xfrm>
           <a:prstGeom prst="rect">
             <a:avLst/>
@@ -4288,7 +5974,7 @@
     </p:spTree>
     <p:extLst>
       <p:ext uri="{BB962C8B-B14F-4D97-AF65-F5344CB8AC3E}">
-        <p14:creationId xmlns:p14="http://schemas.microsoft.com/office/powerpoint/2010/main" val="1456724518"/>
+        <p14:creationId xmlns:p14="http://schemas.microsoft.com/office/powerpoint/2010/main" val="2367320122"/>
       </p:ext>
     </p:extLst>
   </p:cSld>
@@ -4371,7 +6057,7 @@
         <p:spPr>
           <a:xfrm>
             <a:off x="967047" y="642532"/>
-            <a:ext cx="5486400" cy="923330"/>
+            <a:ext cx="5486400" cy="766620"/>
           </a:xfrm>
           <a:prstGeom prst="rect">
             <a:avLst/>
@@ -4395,15 +6081,19 @@
             </a:r>
             <a:r>
               <a:rPr lang="ko-KR" altLang="en-US" dirty="0" smtClean="0"/>
-              <a:t>회원가입 페이지</a:t>
+              <a:t>메인 </a:t>
+            </a:r>
+            <a:r>
+              <a:rPr lang="ko-KR" altLang="en-US" dirty="0" smtClean="0"/>
+              <a:t>페이지</a:t>
             </a:r>
             <a:r>
               <a:rPr lang="en-US" altLang="ko-KR" dirty="0" smtClean="0"/>
-              <a:t>(JoinProc.java, </a:t>
+              <a:t>(IndexProc.java, </a:t>
             </a:r>
             <a:r>
               <a:rPr lang="en-US" altLang="ko-KR" dirty="0" err="1" smtClean="0"/>
-              <a:t>join.jsp</a:t>
+              <a:t>index.jsp</a:t>
             </a:r>
             <a:r>
               <a:rPr lang="en-US" altLang="ko-KR" dirty="0" smtClean="0"/>
@@ -4421,8 +6111,8 @@
         </p:nvSpPr>
         <p:spPr>
           <a:xfrm>
-            <a:off x="967047" y="1565862"/>
-            <a:ext cx="5192447" cy="1077218"/>
+            <a:off x="918799" y="5122325"/>
+            <a:ext cx="4363695" cy="615553"/>
           </a:xfrm>
           <a:prstGeom prst="rect">
             <a:avLst/>
@@ -4436,60 +6126,117 @@
           <a:lstStyle/>
           <a:p>
             <a:r>
+              <a:rPr lang="ko-KR" altLang="en-US" dirty="0" smtClean="0"/>
+              <a:t>로그인 이전</a:t>
+            </a:r>
+            <a:endParaRPr lang="en-US" altLang="ko-KR" dirty="0" smtClean="0"/>
+          </a:p>
+          <a:p>
+            <a:r>
+              <a:rPr lang="ko-KR" altLang="en-US" sz="1600" dirty="0" err="1" smtClean="0"/>
+              <a:t>로그인을</a:t>
+            </a:r>
+            <a:r>
               <a:rPr lang="ko-KR" altLang="en-US" sz="1600" dirty="0" smtClean="0"/>
-              <a:t>로그인 페이지의 회원가입 버튼을 통해 접속 가능</a:t>
+              <a:t> 요구하는 문구와 로그인 박스 활성화</a:t>
+            </a:r>
+            <a:endParaRPr lang="ko-KR" altLang="en-US" sz="1600" dirty="0"/>
+          </a:p>
+        </p:txBody>
+      </p:sp>
+      <p:sp>
+        <p:nvSpPr>
+          <p:cNvPr id="11" name="TextBox 10"/>
+          <p:cNvSpPr txBox="1"/>
+          <p:nvPr/>
+        </p:nvSpPr>
+        <p:spPr>
+          <a:xfrm>
+            <a:off x="6688588" y="5122325"/>
+            <a:ext cx="4307589" cy="861774"/>
+          </a:xfrm>
+          <a:prstGeom prst="rect">
+            <a:avLst/>
+          </a:prstGeom>
+          <a:noFill/>
+        </p:spPr>
+        <p:txBody>
+          <a:bodyPr wrap="none" rtlCol="0">
+            <a:spAutoFit/>
+          </a:bodyPr>
+          <a:lstStyle/>
+          <a:p>
+            <a:r>
+              <a:rPr lang="ko-KR" altLang="en-US" dirty="0" smtClean="0"/>
+              <a:t>로그인 이후</a:t>
+            </a:r>
+            <a:endParaRPr lang="en-US" altLang="ko-KR" dirty="0" smtClean="0"/>
+          </a:p>
+          <a:p>
+            <a:r>
+              <a:rPr lang="ko-KR" altLang="en-US" sz="1600" dirty="0" smtClean="0"/>
+              <a:t>유저의 닉네임과 포인트 정보수정창이 활성화</a:t>
             </a:r>
             <a:endParaRPr lang="en-US" altLang="ko-KR" sz="1600" dirty="0" smtClean="0"/>
           </a:p>
           <a:p>
             <a:r>
+              <a:rPr lang="ko-KR" altLang="en-US" sz="1600" dirty="0" smtClean="0"/>
+              <a:t>로그아웃 박스 활성화</a:t>
+            </a:r>
+            <a:endParaRPr lang="ko-KR" altLang="en-US" sz="1600" dirty="0"/>
+          </a:p>
+        </p:txBody>
+      </p:sp>
+      <p:sp>
+        <p:nvSpPr>
+          <p:cNvPr id="12" name="TextBox 11"/>
+          <p:cNvSpPr txBox="1"/>
+          <p:nvPr/>
+        </p:nvSpPr>
+        <p:spPr>
+          <a:xfrm>
+            <a:off x="1816272" y="6080828"/>
+            <a:ext cx="8496128" cy="338554"/>
+          </a:xfrm>
+          <a:prstGeom prst="rect">
+            <a:avLst/>
+          </a:prstGeom>
+          <a:noFill/>
+        </p:spPr>
+        <p:txBody>
+          <a:bodyPr wrap="square" rtlCol="0">
+            <a:spAutoFit/>
+          </a:bodyPr>
+          <a:lstStyle/>
+          <a:p>
+            <a:r>
+              <a:rPr lang="ko-KR" altLang="en-US" sz="1600" dirty="0" smtClean="0"/>
+              <a:t>로그인</a:t>
+            </a:r>
+            <a:r>
               <a:rPr lang="en-US" altLang="ko-KR" sz="1600" dirty="0" smtClean="0"/>
-              <a:t>w3schools.com/bootstrap4/</a:t>
+              <a:t>/</a:t>
             </a:r>
             <a:r>
               <a:rPr lang="ko-KR" altLang="en-US" sz="1600" dirty="0" smtClean="0"/>
-              <a:t>의 </a:t>
-            </a:r>
-            <a:r>
-              <a:rPr lang="en-US" altLang="ko-KR" sz="1600" dirty="0" smtClean="0"/>
-              <a:t>form </a:t>
-            </a:r>
-            <a:r>
-              <a:rPr lang="ko-KR" altLang="en-US" sz="1600" dirty="0" smtClean="0"/>
-              <a:t>활용</a:t>
-            </a:r>
-            <a:endParaRPr lang="en-US" altLang="ko-KR" sz="1600" dirty="0" smtClean="0"/>
-          </a:p>
-          <a:p>
-            <a:r>
-              <a:rPr lang="ko-KR" altLang="en-US" sz="1600" dirty="0" smtClean="0"/>
-              <a:t>가입하기버튼을 누르면 이메일이나 닉네임이 중복되는</a:t>
-            </a:r>
-            <a:endParaRPr lang="en-US" altLang="ko-KR" sz="1600" dirty="0" smtClean="0"/>
-          </a:p>
-          <a:p>
-            <a:r>
-              <a:rPr lang="ko-KR" altLang="en-US" sz="1600" dirty="0" smtClean="0"/>
-              <a:t>지</a:t>
-            </a:r>
-            <a:r>
-              <a:rPr lang="en-US" altLang="ko-KR" sz="1600" dirty="0" smtClean="0"/>
-              <a:t>, </a:t>
-            </a:r>
-            <a:r>
-              <a:rPr lang="ko-KR" altLang="en-US" sz="1600" dirty="0" smtClean="0"/>
-              <a:t>패스워드 확인까지 체크할 수 있다</a:t>
+              <a:t>로그아웃 박스는 헤더에 포함되어 있으므로 다른 페이지에도 똑같이 적용된다</a:t>
             </a:r>
             <a:r>
               <a:rPr lang="en-US" altLang="ko-KR" sz="1600" dirty="0" smtClean="0"/>
               <a:t>.</a:t>
             </a:r>
+            <a:r>
+              <a:rPr lang="ko-KR" altLang="en-US" sz="1600" dirty="0" smtClean="0"/>
+              <a:t> </a:t>
+            </a:r>
+            <a:endParaRPr lang="ko-KR" altLang="en-US" sz="1600" dirty="0"/>
           </a:p>
         </p:txBody>
       </p:sp>
       <p:pic>
         <p:nvPicPr>
-          <p:cNvPr id="15" name="그림 14"/>
+          <p:cNvPr id="14" name="그림 13"/>
           <p:cNvPicPr>
             <a:picLocks noChangeAspect="1"/>
           </p:cNvPicPr>
@@ -4509,8 +6256,8 @@
         </p:blipFill>
         <p:spPr>
           <a:xfrm>
-            <a:off x="967047" y="2764337"/>
-            <a:ext cx="4220164" cy="1123931"/>
+            <a:off x="6501695" y="1409152"/>
+            <a:ext cx="4870296" cy="3710106"/>
           </a:xfrm>
           <a:prstGeom prst="rect">
             <a:avLst/>
@@ -4539,68 +6286,8 @@
         </p:blipFill>
         <p:spPr>
           <a:xfrm>
-            <a:off x="967047" y="5283644"/>
-            <a:ext cx="4220164" cy="1152686"/>
-          </a:xfrm>
-          <a:prstGeom prst="rect">
-            <a:avLst/>
-          </a:prstGeom>
-        </p:spPr>
-      </p:pic>
-      <p:pic>
-        <p:nvPicPr>
-          <p:cNvPr id="17" name="그림 16"/>
-          <p:cNvPicPr>
-            <a:picLocks noChangeAspect="1"/>
-          </p:cNvPicPr>
-          <p:nvPr/>
-        </p:nvPicPr>
-        <p:blipFill>
-          <a:blip r:embed="rId4">
-            <a:extLst>
-              <a:ext uri="{28A0092B-C50C-407E-A947-70E740481C1C}">
-                <a14:useLocalDpi xmlns:a14="http://schemas.microsoft.com/office/drawing/2010/main" val="0"/>
-              </a:ext>
-            </a:extLst>
-          </a:blip>
-          <a:stretch>
-            <a:fillRect/>
-          </a:stretch>
-        </p:blipFill>
-        <p:spPr>
-          <a:xfrm>
-            <a:off x="967047" y="4000175"/>
-            <a:ext cx="4220164" cy="1162212"/>
-          </a:xfrm>
-          <a:prstGeom prst="rect">
-            <a:avLst/>
-          </a:prstGeom>
-        </p:spPr>
-      </p:pic>
-      <p:pic>
-        <p:nvPicPr>
-          <p:cNvPr id="18" name="그림 17"/>
-          <p:cNvPicPr>
-            <a:picLocks noChangeAspect="1"/>
-          </p:cNvPicPr>
-          <p:nvPr/>
-        </p:nvPicPr>
-        <p:blipFill>
-          <a:blip r:embed="rId5">
-            <a:extLst>
-              <a:ext uri="{28A0092B-C50C-407E-A947-70E740481C1C}">
-                <a14:useLocalDpi xmlns:a14="http://schemas.microsoft.com/office/drawing/2010/main" val="0"/>
-              </a:ext>
-            </a:extLst>
-          </a:blip>
-          <a:stretch>
-            <a:fillRect/>
-          </a:stretch>
-        </p:blipFill>
-        <p:spPr>
-          <a:xfrm>
-            <a:off x="6360700" y="1565862"/>
-            <a:ext cx="5585995" cy="4117512"/>
+            <a:off x="811803" y="1409152"/>
+            <a:ext cx="4885461" cy="3710106"/>
           </a:xfrm>
           <a:prstGeom prst="rect">
             <a:avLst/>
@@ -4610,25 +6297,13 @@
     </p:spTree>
     <p:extLst>
       <p:ext uri="{BB962C8B-B14F-4D97-AF65-F5344CB8AC3E}">
-        <p14:creationId xmlns:p14="http://schemas.microsoft.com/office/powerpoint/2010/main" val="2092914181"/>
+        <p14:creationId xmlns:p14="http://schemas.microsoft.com/office/powerpoint/2010/main" val="1456724518"/>
       </p:ext>
     </p:extLst>
   </p:cSld>
   <p:clrMapOvr>
     <a:masterClrMapping/>
   </p:clrMapOvr>
-  <mc:AlternateContent xmlns:mc="http://schemas.openxmlformats.org/markup-compatibility/2006">
-    <mc:Choice xmlns:p15="http://schemas.microsoft.com/office/powerpoint/2012/main" Requires="p15">
-      <p:transition xmlns:p14="http://schemas.microsoft.com/office/powerpoint/2010/main" spd="slow" p14:dur="2000">
-        <p15:prstTrans prst="fallOver"/>
-      </p:transition>
-    </mc:Choice>
-    <mc:Fallback>
-      <p:transition spd="slow">
-        <p:fade/>
-      </p:transition>
-    </mc:Fallback>
-  </mc:AlternateContent>
   <p:timing>
     <p:tnLst>
       <p:par>
@@ -4684,15 +6359,15 @@
         </p:spPr>
         <p:txBody>
           <a:bodyPr>
-            <a:normAutofit fontScale="90000"/>
+            <a:noAutofit/>
           </a:bodyPr>
           <a:lstStyle/>
           <a:p>
             <a:r>
-              <a:rPr lang="ko-KR" altLang="en-US" dirty="0" smtClean="0"/>
+              <a:rPr lang="ko-KR" altLang="en-US" sz="3600" dirty="0" smtClean="0"/>
               <a:t>프로젝트 설명</a:t>
             </a:r>
-            <a:endParaRPr lang="ko-KR" altLang="en-US" dirty="0"/>
+            <a:endParaRPr lang="ko-KR" altLang="en-US" sz="3600" dirty="0"/>
           </a:p>
         </p:txBody>
       </p:sp>
@@ -4733,19 +6408,15 @@
             </a:r>
             <a:r>
               <a:rPr lang="ko-KR" altLang="en-US" dirty="0" smtClean="0"/>
-              <a:t>로그인 페이지</a:t>
+              <a:t>회원가입 페이지</a:t>
             </a:r>
             <a:r>
               <a:rPr lang="en-US" altLang="ko-KR" dirty="0" smtClean="0"/>
-              <a:t>(</a:t>
-            </a:r>
-            <a:r>
-              <a:rPr lang="en-US" altLang="ko-KR" dirty="0" smtClean="0"/>
-              <a:t>LoginProc.java, </a:t>
+              <a:t>(JoinProc.java, </a:t>
             </a:r>
             <a:r>
               <a:rPr lang="en-US" altLang="ko-KR" dirty="0" err="1" smtClean="0"/>
-              <a:t>login.jsp</a:t>
+              <a:t>join.jsp</a:t>
             </a:r>
             <a:r>
               <a:rPr lang="en-US" altLang="ko-KR" dirty="0" smtClean="0"/>
@@ -4764,7 +6435,7 @@
         <p:spPr>
           <a:xfrm>
             <a:off x="967047" y="1565862"/>
-            <a:ext cx="5264583" cy="1323439"/>
+            <a:ext cx="5192447" cy="1077218"/>
           </a:xfrm>
           <a:prstGeom prst="rect">
             <a:avLst/>
@@ -4778,72 +6449,49 @@
           <a:lstStyle/>
           <a:p>
             <a:r>
+              <a:rPr lang="ko-KR" altLang="en-US" sz="1600" dirty="0" smtClean="0"/>
+              <a:t>로그인 페이지의 회원가입 버튼을 통해 접속 가능</a:t>
+            </a:r>
+            <a:endParaRPr lang="en-US" altLang="ko-KR" sz="1600" dirty="0" smtClean="0"/>
+          </a:p>
+          <a:p>
+            <a:r>
               <a:rPr lang="en-US" altLang="ko-KR" sz="1600" dirty="0" smtClean="0"/>
-              <a:t>Cookie </a:t>
+              <a:t>w3schools.com/bootstrap4/</a:t>
             </a:r>
             <a:r>
               <a:rPr lang="ko-KR" altLang="en-US" sz="1600" dirty="0" smtClean="0"/>
-              <a:t>타입을 사용하여 아이디를 기억할 수 있게</a:t>
+              <a:t>의 </a:t>
+            </a:r>
+            <a:r>
+              <a:rPr lang="en-US" altLang="ko-KR" sz="1600" dirty="0" smtClean="0"/>
+              <a:t>form </a:t>
+            </a:r>
+            <a:r>
+              <a:rPr lang="ko-KR" altLang="en-US" sz="1600" dirty="0" smtClean="0"/>
+              <a:t>활용</a:t>
             </a:r>
             <a:endParaRPr lang="en-US" altLang="ko-KR" sz="1600" dirty="0" smtClean="0"/>
           </a:p>
           <a:p>
             <a:r>
               <a:rPr lang="ko-KR" altLang="en-US" sz="1600" dirty="0" smtClean="0"/>
-              <a:t>하였다</a:t>
+              <a:t>가입하기버튼을 누르면 이메일이나 닉네임이 중복되는</a:t>
+            </a:r>
+            <a:endParaRPr lang="en-US" altLang="ko-KR" sz="1600" dirty="0" smtClean="0"/>
+          </a:p>
+          <a:p>
+            <a:r>
+              <a:rPr lang="ko-KR" altLang="en-US" sz="1600" dirty="0" smtClean="0"/>
+              <a:t>지</a:t>
             </a:r>
             <a:r>
               <a:rPr lang="en-US" altLang="ko-KR" sz="1600" dirty="0" smtClean="0"/>
-              <a:t>. </a:t>
-            </a:r>
-            <a:r>
-              <a:rPr lang="ko-KR" altLang="en-US" sz="1600" dirty="0" err="1" smtClean="0"/>
-              <a:t>로그인을</a:t>
+              <a:t>, </a:t>
             </a:r>
             <a:r>
               <a:rPr lang="ko-KR" altLang="en-US" sz="1600" dirty="0" smtClean="0"/>
-              <a:t> 시도했을 때 </a:t>
-            </a:r>
-            <a:r>
-              <a:rPr lang="en-US" altLang="ko-KR" sz="1600" dirty="0" smtClean="0"/>
-              <a:t>user </a:t>
-            </a:r>
-            <a:r>
-              <a:rPr lang="ko-KR" altLang="en-US" sz="1600" dirty="0" err="1" smtClean="0"/>
-              <a:t>계정정보에</a:t>
-            </a:r>
-            <a:r>
-              <a:rPr lang="ko-KR" altLang="en-US" sz="1600" dirty="0" smtClean="0"/>
-              <a:t> 없는</a:t>
-            </a:r>
-            <a:endParaRPr lang="en-US" altLang="ko-KR" sz="1600" dirty="0" smtClean="0"/>
-          </a:p>
-          <a:p>
-            <a:r>
-              <a:rPr lang="ko-KR" altLang="en-US" sz="1600" dirty="0" smtClean="0"/>
-              <a:t>이메일 주소를 입력하면 이메일이 없다는 </a:t>
-            </a:r>
-            <a:r>
-              <a:rPr lang="ko-KR" altLang="en-US" sz="1600" dirty="0" err="1" smtClean="0"/>
-              <a:t>알림창이</a:t>
-            </a:r>
-            <a:endParaRPr lang="en-US" altLang="ko-KR" sz="1600" dirty="0" smtClean="0"/>
-          </a:p>
-          <a:p>
-            <a:r>
-              <a:rPr lang="ko-KR" altLang="en-US" sz="1600" dirty="0" smtClean="0"/>
-              <a:t>뜨도록 하였고 비밀번호가 틀리면 비밀번호가 틀렸다는</a:t>
-            </a:r>
-            <a:endParaRPr lang="en-US" altLang="ko-KR" sz="1600" dirty="0" smtClean="0"/>
-          </a:p>
-          <a:p>
-            <a:r>
-              <a:rPr lang="ko-KR" altLang="en-US" sz="1600" dirty="0" err="1" smtClean="0"/>
-              <a:t>알림창이</a:t>
-            </a:r>
-            <a:r>
-              <a:rPr lang="ko-KR" altLang="en-US" sz="1600" dirty="0" smtClean="0"/>
-              <a:t> 뜨도록 하였다</a:t>
+              <a:t>패스워드 확인까지 체크할 수 있다</a:t>
             </a:r>
             <a:r>
               <a:rPr lang="en-US" altLang="ko-KR" sz="1600" dirty="0" smtClean="0"/>
@@ -4854,7 +6502,7 @@
       </p:sp>
       <p:pic>
         <p:nvPicPr>
-          <p:cNvPr id="3" name="그림 2"/>
+          <p:cNvPr id="15" name="그림 14"/>
           <p:cNvPicPr>
             <a:picLocks noChangeAspect="1"/>
           </p:cNvPicPr>
@@ -4874,8 +6522,8 @@
         </p:blipFill>
         <p:spPr>
           <a:xfrm>
-            <a:off x="6147164" y="1565862"/>
-            <a:ext cx="5693824" cy="4362990"/>
+            <a:off x="967047" y="2764337"/>
+            <a:ext cx="4220164" cy="1123931"/>
           </a:xfrm>
           <a:prstGeom prst="rect">
             <a:avLst/>
@@ -4884,7 +6532,7 @@
       </p:pic>
       <p:pic>
         <p:nvPicPr>
-          <p:cNvPr id="5" name="그림 4"/>
+          <p:cNvPr id="16" name="그림 15"/>
           <p:cNvPicPr>
             <a:picLocks noChangeAspect="1"/>
           </p:cNvPicPr>
@@ -4904,8 +6552,8 @@
         </p:blipFill>
         <p:spPr>
           <a:xfrm>
-            <a:off x="967047" y="3218285"/>
-            <a:ext cx="4248743" cy="1190791"/>
+            <a:off x="967047" y="5283644"/>
+            <a:ext cx="4220164" cy="1152686"/>
           </a:xfrm>
           <a:prstGeom prst="rect">
             <a:avLst/>
@@ -4914,7 +6562,7 @@
       </p:pic>
       <p:pic>
         <p:nvPicPr>
-          <p:cNvPr id="6" name="그림 5"/>
+          <p:cNvPr id="17" name="그림 16"/>
           <p:cNvPicPr>
             <a:picLocks noChangeAspect="1"/>
           </p:cNvPicPr>
@@ -4934,8 +6582,38 @@
         </p:blipFill>
         <p:spPr>
           <a:xfrm>
-            <a:off x="967047" y="4560165"/>
-            <a:ext cx="4229690" cy="1238423"/>
+            <a:off x="967047" y="4000175"/>
+            <a:ext cx="4220164" cy="1162212"/>
+          </a:xfrm>
+          <a:prstGeom prst="rect">
+            <a:avLst/>
+          </a:prstGeom>
+        </p:spPr>
+      </p:pic>
+      <p:pic>
+        <p:nvPicPr>
+          <p:cNvPr id="18" name="그림 17"/>
+          <p:cNvPicPr>
+            <a:picLocks noChangeAspect="1"/>
+          </p:cNvPicPr>
+          <p:nvPr/>
+        </p:nvPicPr>
+        <p:blipFill>
+          <a:blip r:embed="rId5">
+            <a:extLst>
+              <a:ext uri="{28A0092B-C50C-407E-A947-70E740481C1C}">
+                <a14:useLocalDpi xmlns:a14="http://schemas.microsoft.com/office/drawing/2010/main" val="0"/>
+              </a:ext>
+            </a:extLst>
+          </a:blip>
+          <a:stretch>
+            <a:fillRect/>
+          </a:stretch>
+        </p:blipFill>
+        <p:spPr>
+          <a:xfrm>
+            <a:off x="6360700" y="1565862"/>
+            <a:ext cx="5585995" cy="4117512"/>
           </a:xfrm>
           <a:prstGeom prst="rect">
             <a:avLst/>
@@ -4945,7 +6623,7 @@
     </p:spTree>
     <p:extLst>
       <p:ext uri="{BB962C8B-B14F-4D97-AF65-F5344CB8AC3E}">
-        <p14:creationId xmlns:p14="http://schemas.microsoft.com/office/powerpoint/2010/main" val="2212007738"/>
+        <p14:creationId xmlns:p14="http://schemas.microsoft.com/office/powerpoint/2010/main" val="2092914181"/>
       </p:ext>
     </p:extLst>
   </p:cSld>
@@ -4953,15 +6631,11 @@
     <a:masterClrMapping/>
   </p:clrMapOvr>
   <mc:AlternateContent xmlns:mc="http://schemas.openxmlformats.org/markup-compatibility/2006">
-    <mc:Choice xmlns:p15="http://schemas.microsoft.com/office/powerpoint/2012/main" Requires="p15">
-      <p:transition xmlns:p14="http://schemas.microsoft.com/office/powerpoint/2010/main" spd="slow" p14:dur="2000">
-        <p15:prstTrans prst="fallOver"/>
-      </p:transition>
+    <mc:Choice xmlns:p14="http://schemas.microsoft.com/office/powerpoint/2010/main" Requires="p14">
+      <p:transition p14:dur="0"/>
     </mc:Choice>
     <mc:Fallback>
-      <p:transition spd="slow">
-        <p:fade/>
-      </p:transition>
+      <p:transition/>
     </mc:Fallback>
   </mc:AlternateContent>
   <p:timing>
@@ -5019,15 +6693,15 @@
         </p:spPr>
         <p:txBody>
           <a:bodyPr>
-            <a:normAutofit fontScale="90000"/>
+            <a:noAutofit/>
           </a:bodyPr>
           <a:lstStyle/>
           <a:p>
             <a:r>
-              <a:rPr lang="ko-KR" altLang="en-US" dirty="0" smtClean="0"/>
+              <a:rPr lang="ko-KR" altLang="en-US" sz="3600" dirty="0" smtClean="0"/>
               <a:t>프로젝트 설명</a:t>
             </a:r>
-            <a:endParaRPr lang="ko-KR" altLang="en-US" dirty="0"/>
+            <a:endParaRPr lang="ko-KR" altLang="en-US" sz="3600" dirty="0"/>
           </a:p>
         </p:txBody>
       </p:sp>
@@ -5060,7 +6734,7 @@
             </a:pPr>
             <a:r>
               <a:rPr lang="en-US" altLang="ko-KR" dirty="0"/>
-              <a:t>3</a:t>
+              <a:t>4</a:t>
             </a:r>
             <a:r>
               <a:rPr lang="en-US" altLang="ko-KR" dirty="0" smtClean="0"/>
@@ -5072,11 +6746,7 @@
             </a:r>
             <a:r>
               <a:rPr lang="en-US" altLang="ko-KR" dirty="0" smtClean="0"/>
-              <a:t>(</a:t>
-            </a:r>
-            <a:r>
-              <a:rPr lang="en-US" altLang="ko-KR" dirty="0" smtClean="0"/>
-              <a:t>LoginProc.java, </a:t>
+              <a:t>(LoginProc.java, </a:t>
             </a:r>
             <a:r>
               <a:rPr lang="en-US" altLang="ko-KR" dirty="0" err="1" smtClean="0"/>
@@ -5099,6 +6769,333 @@
         <p:spPr>
           <a:xfrm>
             <a:off x="967047" y="1565862"/>
+            <a:ext cx="5264583" cy="1323439"/>
+          </a:xfrm>
+          <a:prstGeom prst="rect">
+            <a:avLst/>
+          </a:prstGeom>
+          <a:noFill/>
+        </p:spPr>
+        <p:txBody>
+          <a:bodyPr wrap="none" rtlCol="0">
+            <a:spAutoFit/>
+          </a:bodyPr>
+          <a:lstStyle/>
+          <a:p>
+            <a:r>
+              <a:rPr lang="en-US" altLang="ko-KR" sz="1600" dirty="0" smtClean="0"/>
+              <a:t>Cookie </a:t>
+            </a:r>
+            <a:r>
+              <a:rPr lang="ko-KR" altLang="en-US" sz="1600" dirty="0" smtClean="0"/>
+              <a:t>타입을 사용하여 아이디를 기억할 수 있게</a:t>
+            </a:r>
+            <a:endParaRPr lang="en-US" altLang="ko-KR" sz="1600" dirty="0" smtClean="0"/>
+          </a:p>
+          <a:p>
+            <a:r>
+              <a:rPr lang="ko-KR" altLang="en-US" sz="1600" dirty="0" smtClean="0"/>
+              <a:t>하였다</a:t>
+            </a:r>
+            <a:r>
+              <a:rPr lang="en-US" altLang="ko-KR" sz="1600" dirty="0" smtClean="0"/>
+              <a:t>. </a:t>
+            </a:r>
+            <a:r>
+              <a:rPr lang="ko-KR" altLang="en-US" sz="1600" dirty="0" err="1" smtClean="0"/>
+              <a:t>로그인을</a:t>
+            </a:r>
+            <a:r>
+              <a:rPr lang="ko-KR" altLang="en-US" sz="1600" dirty="0" smtClean="0"/>
+              <a:t> 시도했을 때 </a:t>
+            </a:r>
+            <a:r>
+              <a:rPr lang="en-US" altLang="ko-KR" sz="1600" dirty="0" smtClean="0"/>
+              <a:t>user </a:t>
+            </a:r>
+            <a:r>
+              <a:rPr lang="ko-KR" altLang="en-US" sz="1600" dirty="0" err="1" smtClean="0"/>
+              <a:t>계정정보에</a:t>
+            </a:r>
+            <a:r>
+              <a:rPr lang="ko-KR" altLang="en-US" sz="1600" dirty="0" smtClean="0"/>
+              <a:t> 없는</a:t>
+            </a:r>
+            <a:endParaRPr lang="en-US" altLang="ko-KR" sz="1600" dirty="0" smtClean="0"/>
+          </a:p>
+          <a:p>
+            <a:r>
+              <a:rPr lang="ko-KR" altLang="en-US" sz="1600" dirty="0" smtClean="0"/>
+              <a:t>이메일 주소를 입력하면 이메일이 없다는 </a:t>
+            </a:r>
+            <a:r>
+              <a:rPr lang="ko-KR" altLang="en-US" sz="1600" dirty="0" err="1" smtClean="0"/>
+              <a:t>알림창이</a:t>
+            </a:r>
+            <a:endParaRPr lang="en-US" altLang="ko-KR" sz="1600" dirty="0" smtClean="0"/>
+          </a:p>
+          <a:p>
+            <a:r>
+              <a:rPr lang="ko-KR" altLang="en-US" sz="1600" dirty="0" smtClean="0"/>
+              <a:t>뜨도록 하였고 비밀번호가 틀리면 비밀번호가 틀렸다는</a:t>
+            </a:r>
+            <a:endParaRPr lang="en-US" altLang="ko-KR" sz="1600" dirty="0" smtClean="0"/>
+          </a:p>
+          <a:p>
+            <a:r>
+              <a:rPr lang="ko-KR" altLang="en-US" sz="1600" dirty="0" err="1" smtClean="0"/>
+              <a:t>알림창이</a:t>
+            </a:r>
+            <a:r>
+              <a:rPr lang="ko-KR" altLang="en-US" sz="1600" dirty="0" smtClean="0"/>
+              <a:t> 뜨도록 하였다</a:t>
+            </a:r>
+            <a:r>
+              <a:rPr lang="en-US" altLang="ko-KR" sz="1600" dirty="0" smtClean="0"/>
+              <a:t>.</a:t>
+            </a:r>
+          </a:p>
+        </p:txBody>
+      </p:sp>
+      <p:pic>
+        <p:nvPicPr>
+          <p:cNvPr id="3" name="그림 2"/>
+          <p:cNvPicPr>
+            <a:picLocks noChangeAspect="1"/>
+          </p:cNvPicPr>
+          <p:nvPr/>
+        </p:nvPicPr>
+        <p:blipFill>
+          <a:blip r:embed="rId2">
+            <a:extLst>
+              <a:ext uri="{28A0092B-C50C-407E-A947-70E740481C1C}">
+                <a14:useLocalDpi xmlns:a14="http://schemas.microsoft.com/office/drawing/2010/main" val="0"/>
+              </a:ext>
+            </a:extLst>
+          </a:blip>
+          <a:stretch>
+            <a:fillRect/>
+          </a:stretch>
+        </p:blipFill>
+        <p:spPr>
+          <a:xfrm>
+            <a:off x="6147164" y="1565862"/>
+            <a:ext cx="5693824" cy="4362990"/>
+          </a:xfrm>
+          <a:prstGeom prst="rect">
+            <a:avLst/>
+          </a:prstGeom>
+        </p:spPr>
+      </p:pic>
+      <p:pic>
+        <p:nvPicPr>
+          <p:cNvPr id="5" name="그림 4"/>
+          <p:cNvPicPr>
+            <a:picLocks noChangeAspect="1"/>
+          </p:cNvPicPr>
+          <p:nvPr/>
+        </p:nvPicPr>
+        <p:blipFill>
+          <a:blip r:embed="rId3">
+            <a:extLst>
+              <a:ext uri="{28A0092B-C50C-407E-A947-70E740481C1C}">
+                <a14:useLocalDpi xmlns:a14="http://schemas.microsoft.com/office/drawing/2010/main" val="0"/>
+              </a:ext>
+            </a:extLst>
+          </a:blip>
+          <a:stretch>
+            <a:fillRect/>
+          </a:stretch>
+        </p:blipFill>
+        <p:spPr>
+          <a:xfrm>
+            <a:off x="967047" y="3218285"/>
+            <a:ext cx="4248743" cy="1190791"/>
+          </a:xfrm>
+          <a:prstGeom prst="rect">
+            <a:avLst/>
+          </a:prstGeom>
+        </p:spPr>
+      </p:pic>
+      <p:pic>
+        <p:nvPicPr>
+          <p:cNvPr id="6" name="그림 5"/>
+          <p:cNvPicPr>
+            <a:picLocks noChangeAspect="1"/>
+          </p:cNvPicPr>
+          <p:nvPr/>
+        </p:nvPicPr>
+        <p:blipFill>
+          <a:blip r:embed="rId4">
+            <a:extLst>
+              <a:ext uri="{28A0092B-C50C-407E-A947-70E740481C1C}">
+                <a14:useLocalDpi xmlns:a14="http://schemas.microsoft.com/office/drawing/2010/main" val="0"/>
+              </a:ext>
+            </a:extLst>
+          </a:blip>
+          <a:stretch>
+            <a:fillRect/>
+          </a:stretch>
+        </p:blipFill>
+        <p:spPr>
+          <a:xfrm>
+            <a:off x="967047" y="4560165"/>
+            <a:ext cx="4229690" cy="1238423"/>
+          </a:xfrm>
+          <a:prstGeom prst="rect">
+            <a:avLst/>
+          </a:prstGeom>
+        </p:spPr>
+      </p:pic>
+    </p:spTree>
+    <p:extLst>
+      <p:ext uri="{BB962C8B-B14F-4D97-AF65-F5344CB8AC3E}">
+        <p14:creationId xmlns:p14="http://schemas.microsoft.com/office/powerpoint/2010/main" val="2212007738"/>
+      </p:ext>
+    </p:extLst>
+  </p:cSld>
+  <p:clrMapOvr>
+    <a:masterClrMapping/>
+  </p:clrMapOvr>
+  <mc:AlternateContent xmlns:mc="http://schemas.openxmlformats.org/markup-compatibility/2006">
+    <mc:Choice xmlns:p14="http://schemas.microsoft.com/office/powerpoint/2010/main" Requires="p14">
+      <p:transition p14:dur="0"/>
+    </mc:Choice>
+    <mc:Fallback>
+      <p:transition/>
+    </mc:Fallback>
+  </mc:AlternateContent>
+  <p:timing>
+    <p:tnLst>
+      <p:par>
+        <p:cTn id="1" dur="indefinite" restart="never" nodeType="tmRoot"/>
+      </p:par>
+    </p:tnLst>
+  </p:timing>
+</p:sld>
+</file>
+
+<file path=ppt/slides/slide9.xml><?xml version="1.0" encoding="utf-8"?>
+<p:sld xmlns:a="http://schemas.openxmlformats.org/drawingml/2006/main" xmlns:r="http://schemas.openxmlformats.org/officeDocument/2006/relationships" xmlns:p="http://schemas.openxmlformats.org/presentationml/2006/main">
+  <p:cSld>
+    <p:bg>
+      <p:bgPr>
+        <a:solidFill>
+          <a:schemeClr val="bg1">
+            <a:lumMod val="85000"/>
+          </a:schemeClr>
+        </a:solidFill>
+        <a:effectLst/>
+      </p:bgPr>
+    </p:bg>
+    <p:spTree>
+      <p:nvGrpSpPr>
+        <p:cNvPr id="1" name=""/>
+        <p:cNvGrpSpPr/>
+        <p:nvPr/>
+      </p:nvGrpSpPr>
+      <p:grpSpPr>
+        <a:xfrm>
+          <a:off x="0" y="0"/>
+          <a:ext cx="0" cy="0"/>
+          <a:chOff x="0" y="0"/>
+          <a:chExt cx="0" cy="0"/>
+        </a:xfrm>
+      </p:grpSpPr>
+      <p:sp>
+        <p:nvSpPr>
+          <p:cNvPr id="2" name="제목 1"/>
+          <p:cNvSpPr>
+            <a:spLocks noGrp="1"/>
+          </p:cNvSpPr>
+          <p:nvPr>
+            <p:ph type="title"/>
+          </p:nvPr>
+        </p:nvSpPr>
+        <p:spPr>
+          <a:xfrm>
+            <a:off x="714894" y="273684"/>
+            <a:ext cx="8438804" cy="432897"/>
+          </a:xfrm>
+        </p:spPr>
+        <p:txBody>
+          <a:bodyPr>
+            <a:noAutofit/>
+          </a:bodyPr>
+          <a:lstStyle/>
+          <a:p>
+            <a:r>
+              <a:rPr lang="ko-KR" altLang="en-US" sz="3600" dirty="0" smtClean="0"/>
+              <a:t>프로젝트 설명</a:t>
+            </a:r>
+            <a:endParaRPr lang="ko-KR" altLang="en-US" sz="3600" dirty="0"/>
+          </a:p>
+        </p:txBody>
+      </p:sp>
+      <p:sp>
+        <p:nvSpPr>
+          <p:cNvPr id="8" name="TextBox 7"/>
+          <p:cNvSpPr txBox="1"/>
+          <p:nvPr/>
+        </p:nvSpPr>
+        <p:spPr>
+          <a:xfrm>
+            <a:off x="967047" y="642532"/>
+            <a:ext cx="5486400" cy="923330"/>
+          </a:xfrm>
+          <a:prstGeom prst="rect">
+            <a:avLst/>
+          </a:prstGeom>
+          <a:noFill/>
+        </p:spPr>
+        <p:txBody>
+          <a:bodyPr wrap="square" rtlCol="0">
+            <a:spAutoFit/>
+          </a:bodyPr>
+          <a:lstStyle/>
+          <a:p>
+            <a:pPr>
+              <a:lnSpc>
+                <a:spcPct val="300000"/>
+              </a:lnSpc>
+            </a:pPr>
+            <a:r>
+              <a:rPr lang="en-US" altLang="ko-KR" dirty="0"/>
+              <a:t>4</a:t>
+            </a:r>
+            <a:r>
+              <a:rPr lang="en-US" altLang="ko-KR" dirty="0" smtClean="0"/>
+              <a:t>. </a:t>
+            </a:r>
+            <a:r>
+              <a:rPr lang="ko-KR" altLang="en-US" dirty="0" smtClean="0"/>
+              <a:t>로그인 페이지</a:t>
+            </a:r>
+            <a:r>
+              <a:rPr lang="en-US" altLang="ko-KR" dirty="0" smtClean="0"/>
+              <a:t>(LoginProc.java, </a:t>
+            </a:r>
+            <a:r>
+              <a:rPr lang="en-US" altLang="ko-KR" dirty="0" err="1" smtClean="0"/>
+              <a:t>login.jsp</a:t>
+            </a:r>
+            <a:r>
+              <a:rPr lang="en-US" altLang="ko-KR" dirty="0" smtClean="0"/>
+              <a:t>)</a:t>
+            </a:r>
+            <a:endParaRPr lang="ko-KR" altLang="en-US" dirty="0"/>
+          </a:p>
+        </p:txBody>
+      </p:sp>
+      <p:sp>
+        <p:nvSpPr>
+          <p:cNvPr id="9" name="TextBox 8"/>
+          <p:cNvSpPr txBox="1"/>
+          <p:nvPr/>
+        </p:nvSpPr>
+        <p:spPr>
+          <a:xfrm>
+            <a:off x="967047" y="2064626"/>
             <a:ext cx="5676554" cy="1077218"/>
           </a:xfrm>
           <a:prstGeom prst="rect">
@@ -5246,298 +7243,11 @@
     <a:masterClrMapping/>
   </p:clrMapOvr>
   <mc:AlternateContent xmlns:mc="http://schemas.openxmlformats.org/markup-compatibility/2006">
-    <mc:Choice xmlns:p15="http://schemas.microsoft.com/office/powerpoint/2012/main" Requires="p15">
-      <p:transition xmlns:p14="http://schemas.microsoft.com/office/powerpoint/2010/main" spd="slow" p14:dur="2000">
-        <p15:prstTrans prst="fallOver"/>
-      </p:transition>
+    <mc:Choice xmlns:p14="http://schemas.microsoft.com/office/powerpoint/2010/main" Requires="p14">
+      <p:transition p14:dur="0"/>
     </mc:Choice>
     <mc:Fallback>
-      <p:transition spd="slow">
-        <p:fade/>
-      </p:transition>
-    </mc:Fallback>
-  </mc:AlternateContent>
-  <p:timing>
-    <p:tnLst>
-      <p:par>
-        <p:cTn id="1" dur="indefinite" restart="never" nodeType="tmRoot"/>
-      </p:par>
-    </p:tnLst>
-  </p:timing>
-</p:sld>
-</file>
-
-<file path=ppt/slides/slide9.xml><?xml version="1.0" encoding="utf-8"?>
-<p:sld xmlns:a="http://schemas.openxmlformats.org/drawingml/2006/main" xmlns:r="http://schemas.openxmlformats.org/officeDocument/2006/relationships" xmlns:p="http://schemas.openxmlformats.org/presentationml/2006/main">
-  <p:cSld>
-    <p:spTree>
-      <p:nvGrpSpPr>
-        <p:cNvPr id="1" name=""/>
-        <p:cNvGrpSpPr/>
-        <p:nvPr/>
-      </p:nvGrpSpPr>
-      <p:grpSpPr>
-        <a:xfrm>
-          <a:off x="0" y="0"/>
-          <a:ext cx="0" cy="0"/>
-          <a:chOff x="0" y="0"/>
-          <a:chExt cx="0" cy="0"/>
-        </a:xfrm>
-      </p:grpSpPr>
-      <p:sp>
-        <p:nvSpPr>
-          <p:cNvPr id="2" name="제목 1"/>
-          <p:cNvSpPr>
-            <a:spLocks noGrp="1"/>
-          </p:cNvSpPr>
-          <p:nvPr>
-            <p:ph type="title"/>
-          </p:nvPr>
-        </p:nvSpPr>
-        <p:spPr>
-          <a:xfrm>
-            <a:off x="714894" y="273684"/>
-            <a:ext cx="8438804" cy="432897"/>
-          </a:xfrm>
-        </p:spPr>
-        <p:txBody>
-          <a:bodyPr>
-            <a:normAutofit fontScale="90000"/>
-          </a:bodyPr>
-          <a:lstStyle/>
-          <a:p>
-            <a:r>
-              <a:rPr lang="ko-KR" altLang="en-US" dirty="0" smtClean="0"/>
-              <a:t>프로젝트 설명</a:t>
-            </a:r>
-            <a:endParaRPr lang="ko-KR" altLang="en-US" dirty="0"/>
-          </a:p>
-        </p:txBody>
-      </p:sp>
-      <p:sp>
-        <p:nvSpPr>
-          <p:cNvPr id="8" name="TextBox 7"/>
-          <p:cNvSpPr txBox="1"/>
-          <p:nvPr/>
-        </p:nvSpPr>
-        <p:spPr>
-          <a:xfrm>
-            <a:off x="967047" y="642532"/>
-            <a:ext cx="5486400" cy="923330"/>
-          </a:xfrm>
-          <a:prstGeom prst="rect">
-            <a:avLst/>
-          </a:prstGeom>
-          <a:noFill/>
-        </p:spPr>
-        <p:txBody>
-          <a:bodyPr wrap="square" rtlCol="0">
-            <a:spAutoFit/>
-          </a:bodyPr>
-          <a:lstStyle/>
-          <a:p>
-            <a:pPr>
-              <a:lnSpc>
-                <a:spcPct val="300000"/>
-              </a:lnSpc>
-            </a:pPr>
-            <a:r>
-              <a:rPr lang="en-US" altLang="ko-KR" dirty="0"/>
-              <a:t>3</a:t>
-            </a:r>
-            <a:r>
-              <a:rPr lang="en-US" altLang="ko-KR" dirty="0" smtClean="0"/>
-              <a:t>. </a:t>
-            </a:r>
-            <a:r>
-              <a:rPr lang="ko-KR" altLang="en-US" dirty="0" smtClean="0"/>
-              <a:t>로그인 페이지</a:t>
-            </a:r>
-            <a:r>
-              <a:rPr lang="en-US" altLang="ko-KR" dirty="0" smtClean="0"/>
-              <a:t>(</a:t>
-            </a:r>
-            <a:r>
-              <a:rPr lang="en-US" altLang="ko-KR" dirty="0" smtClean="0"/>
-              <a:t>LoginProc.java, </a:t>
-            </a:r>
-            <a:r>
-              <a:rPr lang="en-US" altLang="ko-KR" dirty="0" err="1" smtClean="0"/>
-              <a:t>login.jsp</a:t>
-            </a:r>
-            <a:r>
-              <a:rPr lang="en-US" altLang="ko-KR" dirty="0" smtClean="0"/>
-              <a:t>)</a:t>
-            </a:r>
-            <a:endParaRPr lang="ko-KR" altLang="en-US" dirty="0"/>
-          </a:p>
-        </p:txBody>
-      </p:sp>
-      <p:sp>
-        <p:nvSpPr>
-          <p:cNvPr id="9" name="TextBox 8"/>
-          <p:cNvSpPr txBox="1"/>
-          <p:nvPr/>
-        </p:nvSpPr>
-        <p:spPr>
-          <a:xfrm>
-            <a:off x="967047" y="1565862"/>
-            <a:ext cx="5676554" cy="1077218"/>
-          </a:xfrm>
-          <a:prstGeom prst="rect">
-            <a:avLst/>
-          </a:prstGeom>
-          <a:noFill/>
-        </p:spPr>
-        <p:txBody>
-          <a:bodyPr wrap="none" rtlCol="0">
-            <a:spAutoFit/>
-          </a:bodyPr>
-          <a:lstStyle/>
-          <a:p>
-            <a:r>
-              <a:rPr lang="ko-KR" altLang="en-US" sz="1600" dirty="0" smtClean="0"/>
-              <a:t>아이디 정보를 </a:t>
-            </a:r>
-            <a:r>
-              <a:rPr lang="en-US" altLang="ko-KR" sz="1600" dirty="0" smtClean="0"/>
-              <a:t>7</a:t>
-            </a:r>
-            <a:r>
-              <a:rPr lang="ko-KR" altLang="en-US" sz="1600" dirty="0" smtClean="0"/>
-              <a:t>일 유효기간의 쿠키에 담는 코드</a:t>
-            </a:r>
-            <a:r>
-              <a:rPr lang="en-US" altLang="ko-KR" sz="1600" dirty="0" smtClean="0"/>
-              <a:t>(</a:t>
-            </a:r>
-            <a:r>
-              <a:rPr lang="ko-KR" altLang="en-US" sz="1600" dirty="0" smtClean="0"/>
-              <a:t>우측 위</a:t>
-            </a:r>
-            <a:r>
-              <a:rPr lang="en-US" altLang="ko-KR" sz="1600" dirty="0" smtClean="0"/>
-              <a:t>)</a:t>
-            </a:r>
-          </a:p>
-          <a:p>
-            <a:endParaRPr lang="en-US" altLang="ko-KR" sz="1600" dirty="0"/>
-          </a:p>
-          <a:p>
-            <a:r>
-              <a:rPr lang="ko-KR" altLang="en-US" sz="1600" dirty="0" smtClean="0"/>
-              <a:t>로그인한 유저의 정보를 </a:t>
-            </a:r>
-            <a:r>
-              <a:rPr lang="en-US" altLang="ko-KR" sz="1600" dirty="0" smtClean="0"/>
-              <a:t>DB</a:t>
-            </a:r>
-            <a:r>
-              <a:rPr lang="ko-KR" altLang="en-US" sz="1600" dirty="0" smtClean="0"/>
-              <a:t>에서 불러와 세션에 담아 세션을</a:t>
-            </a:r>
-            <a:endParaRPr lang="en-US" altLang="ko-KR" sz="1600" dirty="0" smtClean="0"/>
-          </a:p>
-          <a:p>
-            <a:r>
-              <a:rPr lang="ko-KR" altLang="en-US" sz="1600" dirty="0" smtClean="0"/>
-              <a:t>통해 유저를 식별하였다</a:t>
-            </a:r>
-            <a:r>
-              <a:rPr lang="en-US" altLang="ko-KR" sz="1600" dirty="0" smtClean="0"/>
-              <a:t>.(</a:t>
-            </a:r>
-            <a:r>
-              <a:rPr lang="ko-KR" altLang="en-US" sz="1600" dirty="0" smtClean="0"/>
-              <a:t>우측 아래</a:t>
-            </a:r>
-            <a:r>
-              <a:rPr lang="en-US" altLang="ko-KR" sz="1600" dirty="0" smtClean="0"/>
-              <a:t>)</a:t>
-            </a:r>
-          </a:p>
-        </p:txBody>
-      </p:sp>
-      <p:pic>
-        <p:nvPicPr>
-          <p:cNvPr id="4" name="그림 3"/>
-          <p:cNvPicPr>
-            <a:picLocks noChangeAspect="1"/>
-          </p:cNvPicPr>
-          <p:nvPr/>
-        </p:nvPicPr>
-        <p:blipFill>
-          <a:blip r:embed="rId2">
-            <a:extLst>
-              <a:ext uri="{28A0092B-C50C-407E-A947-70E740481C1C}">
-                <a14:useLocalDpi xmlns:a14="http://schemas.microsoft.com/office/drawing/2010/main" val="0"/>
-              </a:ext>
-            </a:extLst>
-          </a:blip>
-          <a:stretch>
-            <a:fillRect/>
-          </a:stretch>
-        </p:blipFill>
-        <p:spPr>
-          <a:xfrm>
-            <a:off x="6890293" y="905389"/>
-            <a:ext cx="4526809" cy="3076604"/>
-          </a:xfrm>
-          <a:prstGeom prst="rect">
-            <a:avLst/>
-          </a:prstGeom>
-        </p:spPr>
-      </p:pic>
-      <p:pic>
-        <p:nvPicPr>
-          <p:cNvPr id="7" name="그림 6"/>
-          <p:cNvPicPr>
-            <a:picLocks noChangeAspect="1"/>
-          </p:cNvPicPr>
-          <p:nvPr/>
-        </p:nvPicPr>
-        <p:blipFill>
-          <a:blip r:embed="rId3">
-            <a:extLst>
-              <a:ext uri="{28A0092B-C50C-407E-A947-70E740481C1C}">
-                <a14:useLocalDpi xmlns:a14="http://schemas.microsoft.com/office/drawing/2010/main" val="0"/>
-              </a:ext>
-            </a:extLst>
-          </a:blip>
-          <a:stretch>
-            <a:fillRect/>
-          </a:stretch>
-        </p:blipFill>
-        <p:spPr>
-          <a:xfrm>
-            <a:off x="3205316" y="4180801"/>
-            <a:ext cx="8211786" cy="2381418"/>
-          </a:xfrm>
-          <a:prstGeom prst="rect">
-            <a:avLst/>
-          </a:prstGeom>
-        </p:spPr>
-      </p:pic>
-    </p:spTree>
-    <p:extLst>
-      <p:ext uri="{BB962C8B-B14F-4D97-AF65-F5344CB8AC3E}">
-        <p14:creationId xmlns:p14="http://schemas.microsoft.com/office/powerpoint/2010/main" val="1066440602"/>
-      </p:ext>
-    </p:extLst>
-  </p:cSld>
-  <p:clrMapOvr>
-    <a:masterClrMapping/>
-  </p:clrMapOvr>
-  <mc:AlternateContent xmlns:mc="http://schemas.openxmlformats.org/markup-compatibility/2006">
-    <mc:Choice xmlns:p15="http://schemas.microsoft.com/office/powerpoint/2012/main" Requires="p15">
-      <p:transition xmlns:p14="http://schemas.microsoft.com/office/powerpoint/2010/main" spd="slow" p14:dur="2000">
-        <p15:prstTrans prst="fallOver"/>
-      </p:transition>
-    </mc:Choice>
-    <mc:Fallback>
-      <p:transition spd="slow">
-        <p:fade/>
-      </p:transition>
+      <p:transition/>
     </mc:Fallback>
   </mc:AlternateContent>
   <p:timing>

--- a/숫자 야구.pptx
+++ b/숫자 야구.pptx
@@ -19,8 +19,9 @@
     <p:sldId id="269" r:id="rId13"/>
     <p:sldId id="270" r:id="rId14"/>
     <p:sldId id="271" r:id="rId15"/>
-    <p:sldId id="272" r:id="rId16"/>
-    <p:sldId id="261" r:id="rId17"/>
+    <p:sldId id="273" r:id="rId16"/>
+    <p:sldId id="272" r:id="rId17"/>
+    <p:sldId id="261" r:id="rId18"/>
   </p:sldIdLst>
   <p:sldSz cx="12192000" cy="6858000"/>
   <p:notesSz cx="6858000" cy="9144000"/>
@@ -3171,10 +3172,10 @@
           <a:lstStyle/>
           <a:p>
             <a:r>
-              <a:rPr lang="ko-KR" altLang="en-US" sz="3600" dirty="0" smtClean="0"/>
+              <a:rPr lang="ko-KR" altLang="en-US" sz="3200" dirty="0" smtClean="0"/>
               <a:t>프로젝트 설명</a:t>
             </a:r>
-            <a:endParaRPr lang="ko-KR" altLang="en-US" sz="3600" dirty="0"/>
+            <a:endParaRPr lang="ko-KR" altLang="en-US" sz="3200" dirty="0"/>
           </a:p>
         </p:txBody>
       </p:sp>
@@ -3398,11 +3399,11 @@
   <p:clrMapOvr>
     <a:masterClrMapping/>
   </p:clrMapOvr>
-  <mc:AlternateContent xmlns:mc="http://schemas.openxmlformats.org/markup-compatibility/2006">
-    <mc:Choice xmlns:p14="http://schemas.microsoft.com/office/powerpoint/2010/main" Requires="p14">
+  <mc:AlternateContent xmlns:mc="http://schemas.openxmlformats.org/markup-compatibility/2006" xmlns:p14="http://schemas.microsoft.com/office/powerpoint/2010/main">
+    <mc:Choice Requires="p14">
       <p:transition p14:dur="0"/>
     </mc:Choice>
-    <mc:Fallback>
+    <mc:Fallback xmlns="">
       <p:transition/>
     </mc:Fallback>
   </mc:AlternateContent>
@@ -3456,10 +3457,10 @@
           <a:lstStyle/>
           <a:p>
             <a:r>
-              <a:rPr lang="ko-KR" altLang="en-US" sz="3600" dirty="0" smtClean="0"/>
+              <a:rPr lang="ko-KR" altLang="en-US" sz="3200" dirty="0" smtClean="0"/>
               <a:t>프로젝트 설명</a:t>
             </a:r>
-            <a:endParaRPr lang="ko-KR" altLang="en-US" sz="3600" dirty="0"/>
+            <a:endParaRPr lang="ko-KR" altLang="en-US" sz="3200" dirty="0"/>
           </a:p>
         </p:txBody>
       </p:sp>
@@ -3767,11 +3768,11 @@
   <p:clrMapOvr>
     <a:masterClrMapping/>
   </p:clrMapOvr>
-  <mc:AlternateContent xmlns:mc="http://schemas.openxmlformats.org/markup-compatibility/2006">
-    <mc:Choice xmlns:p14="http://schemas.microsoft.com/office/powerpoint/2010/main" Requires="p14">
+  <mc:AlternateContent xmlns:mc="http://schemas.openxmlformats.org/markup-compatibility/2006" xmlns:p14="http://schemas.microsoft.com/office/powerpoint/2010/main">
+    <mc:Choice Requires="p14">
       <p:transition p14:dur="10"/>
     </mc:Choice>
-    <mc:Fallback>
+    <mc:Fallback xmlns="">
       <p:transition/>
     </mc:Fallback>
   </mc:AlternateContent>
@@ -3825,10 +3826,10 @@
           <a:lstStyle/>
           <a:p>
             <a:r>
-              <a:rPr lang="ko-KR" altLang="en-US" sz="3600" dirty="0" smtClean="0"/>
+              <a:rPr lang="ko-KR" altLang="en-US" sz="3200" dirty="0" smtClean="0"/>
               <a:t>프로젝트 설명</a:t>
             </a:r>
-            <a:endParaRPr lang="ko-KR" altLang="en-US" sz="3600" dirty="0"/>
+            <a:endParaRPr lang="ko-KR" altLang="en-US" sz="3200" dirty="0"/>
           </a:p>
         </p:txBody>
       </p:sp>
@@ -4134,11 +4135,11 @@
   <p:clrMapOvr>
     <a:masterClrMapping/>
   </p:clrMapOvr>
-  <mc:AlternateContent xmlns:mc="http://schemas.openxmlformats.org/markup-compatibility/2006">
-    <mc:Choice xmlns:p14="http://schemas.microsoft.com/office/powerpoint/2010/main" Requires="p14">
+  <mc:AlternateContent xmlns:mc="http://schemas.openxmlformats.org/markup-compatibility/2006" xmlns:p14="http://schemas.microsoft.com/office/powerpoint/2010/main">
+    <mc:Choice Requires="p14">
       <p:transition p14:dur="10"/>
     </mc:Choice>
-    <mc:Fallback>
+    <mc:Fallback xmlns="">
       <p:transition/>
     </mc:Fallback>
   </mc:AlternateContent>
@@ -4192,10 +4193,10 @@
           <a:lstStyle/>
           <a:p>
             <a:r>
-              <a:rPr lang="ko-KR" altLang="en-US" sz="3600" dirty="0" smtClean="0"/>
+              <a:rPr lang="ko-KR" altLang="en-US" sz="3200" dirty="0" smtClean="0"/>
               <a:t>프로젝트 설명</a:t>
             </a:r>
-            <a:endParaRPr lang="ko-KR" altLang="en-US" sz="3600" dirty="0"/>
+            <a:endParaRPr lang="ko-KR" altLang="en-US" sz="3200" dirty="0"/>
           </a:p>
         </p:txBody>
       </p:sp>
@@ -4460,11 +4461,11 @@
   <p:clrMapOvr>
     <a:masterClrMapping/>
   </p:clrMapOvr>
-  <mc:AlternateContent xmlns:mc="http://schemas.openxmlformats.org/markup-compatibility/2006">
-    <mc:Choice xmlns:p14="http://schemas.microsoft.com/office/powerpoint/2010/main" Requires="p14">
+  <mc:AlternateContent xmlns:mc="http://schemas.openxmlformats.org/markup-compatibility/2006" xmlns:p14="http://schemas.microsoft.com/office/powerpoint/2010/main">
+    <mc:Choice Requires="p14">
       <p:transition p14:dur="10"/>
     </mc:Choice>
-    <mc:Fallback>
+    <mc:Fallback xmlns="">
       <p:transition/>
     </mc:Fallback>
   </mc:AlternateContent>
@@ -4518,10 +4519,10 @@
           <a:lstStyle/>
           <a:p>
             <a:r>
-              <a:rPr lang="ko-KR" altLang="en-US" sz="3600" dirty="0" smtClean="0"/>
+              <a:rPr lang="ko-KR" altLang="en-US" sz="3200" dirty="0" smtClean="0"/>
               <a:t>프로젝트 설명</a:t>
             </a:r>
-            <a:endParaRPr lang="ko-KR" altLang="en-US" sz="3600" dirty="0"/>
+            <a:endParaRPr lang="ko-KR" altLang="en-US" sz="3200" dirty="0"/>
           </a:p>
         </p:txBody>
       </p:sp>
@@ -4719,11 +4720,11 @@
   <p:clrMapOvr>
     <a:masterClrMapping/>
   </p:clrMapOvr>
-  <mc:AlternateContent xmlns:mc="http://schemas.openxmlformats.org/markup-compatibility/2006">
-    <mc:Choice xmlns:p14="http://schemas.microsoft.com/office/powerpoint/2010/main" Requires="p14">
+  <mc:AlternateContent xmlns:mc="http://schemas.openxmlformats.org/markup-compatibility/2006" xmlns:p14="http://schemas.microsoft.com/office/powerpoint/2010/main">
+    <mc:Choice Requires="p14">
       <p:transition p14:dur="10"/>
     </mc:Choice>
-    <mc:Fallback>
+    <mc:Fallback xmlns="">
       <p:transition/>
     </mc:Fallback>
   </mc:AlternateContent>
@@ -4777,10 +4778,10 @@
           <a:lstStyle/>
           <a:p>
             <a:r>
-              <a:rPr lang="ko-KR" altLang="en-US" sz="3600" dirty="0" smtClean="0"/>
+              <a:rPr lang="ko-KR" altLang="en-US" sz="3200" dirty="0" smtClean="0"/>
               <a:t>프로젝트 설명</a:t>
             </a:r>
-            <a:endParaRPr lang="ko-KR" altLang="en-US" sz="3600" dirty="0"/>
+            <a:endParaRPr lang="ko-KR" altLang="en-US" sz="3200" dirty="0"/>
           </a:p>
         </p:txBody>
       </p:sp>
@@ -4812,7 +4813,63 @@
             </a:r>
             <a:r>
               <a:rPr lang="ko-KR" altLang="en-US" dirty="0" smtClean="0"/>
-              <a:t>기타 화면</a:t>
+              <a:t>회원정보 수정</a:t>
+            </a:r>
+            <a:r>
+              <a:rPr lang="en-US" altLang="ko-KR" dirty="0" smtClean="0"/>
+              <a:t>(UpdateProc.java, </a:t>
+            </a:r>
+            <a:r>
+              <a:rPr lang="en-US" altLang="ko-KR" dirty="0" err="1" smtClean="0"/>
+              <a:t>update.jsp</a:t>
+            </a:r>
+            <a:r>
+              <a:rPr lang="en-US" altLang="ko-KR" dirty="0" smtClean="0"/>
+              <a:t>)</a:t>
+            </a:r>
+            <a:endParaRPr lang="ko-KR" altLang="en-US" dirty="0"/>
+          </a:p>
+        </p:txBody>
+      </p:sp>
+      <p:sp>
+        <p:nvSpPr>
+          <p:cNvPr id="6" name="TextBox 5"/>
+          <p:cNvSpPr txBox="1"/>
+          <p:nvPr/>
+        </p:nvSpPr>
+        <p:spPr>
+          <a:xfrm>
+            <a:off x="3484211" y="5950267"/>
+            <a:ext cx="4959928" cy="646331"/>
+          </a:xfrm>
+          <a:prstGeom prst="rect">
+            <a:avLst/>
+          </a:prstGeom>
+          <a:noFill/>
+        </p:spPr>
+        <p:txBody>
+          <a:bodyPr wrap="square" rtlCol="0">
+            <a:spAutoFit/>
+          </a:bodyPr>
+          <a:lstStyle/>
+          <a:p>
+            <a:r>
+              <a:rPr lang="ko-KR" altLang="en-US" dirty="0" smtClean="0"/>
+              <a:t>닉네임과 비밀번호를 재설정할 수 있다</a:t>
+            </a:r>
+            <a:r>
+              <a:rPr lang="en-US" altLang="ko-KR" dirty="0" smtClean="0"/>
+              <a:t>.</a:t>
+            </a:r>
+          </a:p>
+          <a:p>
+            <a:r>
+              <a:rPr lang="ko-KR" altLang="en-US" dirty="0" smtClean="0"/>
+              <a:t>회원탈퇴 버튼을 누르면 회원정보가 삭제된다</a:t>
+            </a:r>
+            <a:r>
+              <a:rPr lang="en-US" altLang="ko-KR" dirty="0" smtClean="0"/>
+              <a:t>.</a:t>
             </a:r>
             <a:endParaRPr lang="ko-KR" altLang="en-US" dirty="0"/>
           </a:p>
@@ -4820,7 +4877,7 @@
       </p:sp>
       <p:pic>
         <p:nvPicPr>
-          <p:cNvPr id="3" name="그림 2"/>
+          <p:cNvPr id="5" name="그림 4"/>
           <p:cNvPicPr>
             <a:picLocks noChangeAspect="1"/>
           </p:cNvPicPr>
@@ -4840,8 +4897,179 @@
         </p:blipFill>
         <p:spPr>
           <a:xfrm>
-            <a:off x="4228319" y="1026372"/>
-            <a:ext cx="7727707" cy="5835568"/>
+            <a:off x="3070167" y="1582263"/>
+            <a:ext cx="5788017" cy="3890956"/>
+          </a:xfrm>
+          <a:prstGeom prst="rect">
+            <a:avLst/>
+          </a:prstGeom>
+        </p:spPr>
+      </p:pic>
+    </p:spTree>
+    <p:extLst>
+      <p:ext uri="{BB962C8B-B14F-4D97-AF65-F5344CB8AC3E}">
+        <p14:creationId xmlns:p14="http://schemas.microsoft.com/office/powerpoint/2010/main" val="163174878"/>
+      </p:ext>
+    </p:extLst>
+  </p:cSld>
+  <p:clrMapOvr>
+    <a:masterClrMapping/>
+  </p:clrMapOvr>
+  <mc:AlternateContent xmlns:mc="http://schemas.openxmlformats.org/markup-compatibility/2006" xmlns:p14="http://schemas.microsoft.com/office/powerpoint/2010/main">
+    <mc:Choice Requires="p14">
+      <p:transition p14:dur="10"/>
+    </mc:Choice>
+    <mc:Fallback xmlns="">
+      <p:transition/>
+    </mc:Fallback>
+  </mc:AlternateContent>
+  <p:timing>
+    <p:tnLst>
+      <p:par>
+        <p:cTn id="1" dur="indefinite" restart="never" nodeType="tmRoot"/>
+      </p:par>
+    </p:tnLst>
+  </p:timing>
+</p:sld>
+</file>
+
+<file path=ppt/slides/slide16.xml><?xml version="1.0" encoding="utf-8"?>
+<p:sld xmlns:a="http://schemas.openxmlformats.org/drawingml/2006/main" xmlns:r="http://schemas.openxmlformats.org/officeDocument/2006/relationships" xmlns:p="http://schemas.openxmlformats.org/presentationml/2006/main">
+  <p:cSld>
+    <p:spTree>
+      <p:nvGrpSpPr>
+        <p:cNvPr id="1" name=""/>
+        <p:cNvGrpSpPr/>
+        <p:nvPr/>
+      </p:nvGrpSpPr>
+      <p:grpSpPr>
+        <a:xfrm>
+          <a:off x="0" y="0"/>
+          <a:ext cx="0" cy="0"/>
+          <a:chOff x="0" y="0"/>
+          <a:chExt cx="0" cy="0"/>
+        </a:xfrm>
+      </p:grpSpPr>
+      <p:sp>
+        <p:nvSpPr>
+          <p:cNvPr id="2" name="제목 1"/>
+          <p:cNvSpPr>
+            <a:spLocks noGrp="1"/>
+          </p:cNvSpPr>
+          <p:nvPr>
+            <p:ph type="title"/>
+          </p:nvPr>
+        </p:nvSpPr>
+        <p:spPr>
+          <a:xfrm>
+            <a:off x="714894" y="273684"/>
+            <a:ext cx="8438804" cy="432897"/>
+          </a:xfrm>
+        </p:spPr>
+        <p:txBody>
+          <a:bodyPr>
+            <a:noAutofit/>
+          </a:bodyPr>
+          <a:lstStyle/>
+          <a:p>
+            <a:r>
+              <a:rPr lang="ko-KR" altLang="en-US" sz="3200" dirty="0" smtClean="0"/>
+              <a:t>프로젝트 설명</a:t>
+            </a:r>
+            <a:endParaRPr lang="ko-KR" altLang="en-US" sz="3200" dirty="0"/>
+          </a:p>
+        </p:txBody>
+      </p:sp>
+      <p:sp>
+        <p:nvSpPr>
+          <p:cNvPr id="8" name="TextBox 7"/>
+          <p:cNvSpPr txBox="1"/>
+          <p:nvPr/>
+        </p:nvSpPr>
+        <p:spPr>
+          <a:xfrm>
+            <a:off x="967047" y="1026372"/>
+            <a:ext cx="9881062" cy="369332"/>
+          </a:xfrm>
+          <a:prstGeom prst="rect">
+            <a:avLst/>
+          </a:prstGeom>
+          <a:noFill/>
+        </p:spPr>
+        <p:txBody>
+          <a:bodyPr wrap="square" rtlCol="0">
+            <a:spAutoFit/>
+          </a:bodyPr>
+          <a:lstStyle/>
+          <a:p>
+            <a:r>
+              <a:rPr lang="en-US" altLang="ko-KR" dirty="0" smtClean="0"/>
+              <a:t>10</a:t>
+            </a:r>
+            <a:r>
+              <a:rPr lang="en-US" altLang="ko-KR" dirty="0" smtClean="0"/>
+              <a:t>. </a:t>
+            </a:r>
+            <a:r>
+              <a:rPr lang="ko-KR" altLang="en-US" dirty="0" smtClean="0"/>
+              <a:t>글 작성</a:t>
+            </a:r>
+            <a:r>
+              <a:rPr lang="en-US" altLang="ko-KR" dirty="0" smtClean="0"/>
+              <a:t>·</a:t>
+            </a:r>
+            <a:r>
+              <a:rPr lang="ko-KR" altLang="en-US" dirty="0" smtClean="0"/>
+              <a:t>글 수정 페이지</a:t>
+            </a:r>
+            <a:r>
+              <a:rPr lang="en-US" altLang="ko-KR" dirty="0" smtClean="0"/>
+              <a:t>(BoardProc.java, </a:t>
+            </a:r>
+            <a:r>
+              <a:rPr lang="en-US" altLang="ko-KR" dirty="0" err="1" smtClean="0"/>
+              <a:t>writingBoard.jsp</a:t>
+            </a:r>
+            <a:r>
+              <a:rPr lang="en-US" altLang="ko-KR" dirty="0" smtClean="0"/>
+              <a:t>, </a:t>
+            </a:r>
+            <a:r>
+              <a:rPr lang="en-US" altLang="ko-KR" dirty="0" err="1" smtClean="0"/>
+              <a:t>updateBoard.jsp</a:t>
+            </a:r>
+            <a:r>
+              <a:rPr lang="en-US" altLang="ko-KR" dirty="0" smtClean="0"/>
+              <a:t>)</a:t>
+            </a:r>
+            <a:endParaRPr lang="ko-KR" altLang="en-US" dirty="0"/>
+          </a:p>
+        </p:txBody>
+      </p:sp>
+      <p:pic>
+        <p:nvPicPr>
+          <p:cNvPr id="3" name="그림 2"/>
+          <p:cNvPicPr>
+            <a:picLocks noChangeAspect="1"/>
+          </p:cNvPicPr>
+          <p:nvPr/>
+        </p:nvPicPr>
+        <p:blipFill>
+          <a:blip r:embed="rId2" cstate="print">
+            <a:extLst>
+              <a:ext uri="{28A0092B-C50C-407E-A947-70E740481C1C}">
+                <a14:useLocalDpi xmlns:a14="http://schemas.microsoft.com/office/drawing/2010/main" val="0"/>
+              </a:ext>
+            </a:extLst>
+          </a:blip>
+          <a:stretch>
+            <a:fillRect/>
+          </a:stretch>
+        </p:blipFill>
+        <p:spPr>
+          <a:xfrm>
+            <a:off x="6406253" y="1715496"/>
+            <a:ext cx="5252987" cy="3966786"/>
           </a:xfrm>
           <a:prstGeom prst="rect">
             <a:avLst/>
@@ -4878,6 +5106,47 @@
           </a:prstGeom>
         </p:spPr>
       </p:pic>
+      <p:sp>
+        <p:nvSpPr>
+          <p:cNvPr id="6" name="TextBox 5"/>
+          <p:cNvSpPr txBox="1"/>
+          <p:nvPr/>
+        </p:nvSpPr>
+        <p:spPr>
+          <a:xfrm>
+            <a:off x="967047" y="5892078"/>
+            <a:ext cx="10471266" cy="646331"/>
+          </a:xfrm>
+          <a:prstGeom prst="rect">
+            <a:avLst/>
+          </a:prstGeom>
+          <a:noFill/>
+        </p:spPr>
+        <p:txBody>
+          <a:bodyPr wrap="square" rtlCol="0">
+            <a:spAutoFit/>
+          </a:bodyPr>
+          <a:lstStyle/>
+          <a:p>
+            <a:r>
+              <a:rPr lang="ko-KR" altLang="en-US" dirty="0" smtClean="0"/>
+              <a:t>글 작성 페이지와 글 수정 페이지</a:t>
+            </a:r>
+            <a:endParaRPr lang="en-US" altLang="ko-KR" dirty="0" smtClean="0"/>
+          </a:p>
+          <a:p>
+            <a:r>
+              <a:rPr lang="ko-KR" altLang="en-US" dirty="0" smtClean="0"/>
+              <a:t>거의 흡사하나 글 수정 페이지는 원본 글의 내용이 남아있다</a:t>
+            </a:r>
+            <a:r>
+              <a:rPr lang="en-US" altLang="ko-KR" dirty="0" smtClean="0"/>
+              <a:t>.</a:t>
+            </a:r>
+            <a:endParaRPr lang="ko-KR" altLang="en-US" dirty="0"/>
+          </a:p>
+        </p:txBody>
+      </p:sp>
     </p:spTree>
     <p:extLst>
       <p:ext uri="{BB962C8B-B14F-4D97-AF65-F5344CB8AC3E}">
@@ -4888,11 +5157,11 @@
   <p:clrMapOvr>
     <a:masterClrMapping/>
   </p:clrMapOvr>
-  <mc:AlternateContent xmlns:mc="http://schemas.openxmlformats.org/markup-compatibility/2006">
-    <mc:Choice xmlns:p14="http://schemas.microsoft.com/office/powerpoint/2010/main" Requires="p14">
+  <mc:AlternateContent xmlns:mc="http://schemas.openxmlformats.org/markup-compatibility/2006" xmlns:p14="http://schemas.microsoft.com/office/powerpoint/2010/main">
+    <mc:Choice Requires="p14">
       <p:transition p14:dur="10"/>
     </mc:Choice>
-    <mc:Fallback>
+    <mc:Fallback xmlns="">
       <p:transition/>
     </mc:Fallback>
   </mc:AlternateContent>
@@ -4906,7 +5175,7 @@
 </p:sld>
 </file>
 
-<file path=ppt/slides/slide16.xml><?xml version="1.0" encoding="utf-8"?>
+<file path=ppt/slides/slide17.xml><?xml version="1.0" encoding="utf-8"?>
 <p:sld xmlns:a="http://schemas.openxmlformats.org/drawingml/2006/main" xmlns:r="http://schemas.openxmlformats.org/officeDocument/2006/relationships" xmlns:p="http://schemas.openxmlformats.org/presentationml/2006/main">
   <p:cSld>
     <p:bg>
@@ -5233,7 +5502,7 @@
       <p:bgPr>
         <a:solidFill>
           <a:schemeClr val="bg1">
-            <a:lumMod val="85000"/>
+            <a:lumMod val="95000"/>
           </a:schemeClr>
         </a:solidFill>
         <a:effectLst/>
@@ -5265,7 +5534,7 @@
         </p:nvSpPr>
         <p:spPr>
           <a:xfrm>
-            <a:off x="3449320" y="1059853"/>
+            <a:off x="4222403" y="1059853"/>
             <a:ext cx="8438804" cy="432897"/>
           </a:xfrm>
         </p:spPr>
@@ -5291,8 +5560,8 @@
         </p:nvSpPr>
         <p:spPr>
           <a:xfrm>
-            <a:off x="3449320" y="2034616"/>
-            <a:ext cx="5486400" cy="3207417"/>
+            <a:off x="4114338" y="1643918"/>
+            <a:ext cx="2835102" cy="990464"/>
           </a:xfrm>
           <a:prstGeom prst="rect">
             <a:avLst/>
@@ -5313,35 +5582,291 @@
             </a:pPr>
             <a:r>
               <a:rPr lang="ko-KR" altLang="en-US" sz="2400" dirty="0" smtClean="0"/>
-              <a:t>프로젝트 개요</a:t>
+              <a:t>프로젝트 </a:t>
+            </a:r>
+            <a:r>
+              <a:rPr lang="ko-KR" altLang="en-US" sz="2400" dirty="0" smtClean="0"/>
+              <a:t>개요</a:t>
             </a:r>
             <a:endParaRPr lang="en-US" altLang="ko-KR" sz="2400" dirty="0" smtClean="0"/>
           </a:p>
-          <a:p>
-            <a:pPr marL="342900" indent="-342900">
+        </p:txBody>
+      </p:sp>
+      <p:sp>
+        <p:nvSpPr>
+          <p:cNvPr id="5" name="직사각형 4"/>
+          <p:cNvSpPr/>
+          <p:nvPr/>
+        </p:nvSpPr>
+        <p:spPr>
+          <a:xfrm>
+            <a:off x="-1" y="0"/>
+            <a:ext cx="3915295" cy="6858000"/>
+          </a:xfrm>
+          <a:prstGeom prst="rect">
+            <a:avLst/>
+          </a:prstGeom>
+          <a:solidFill>
+            <a:srgbClr val="7A0929"/>
+          </a:solidFill>
+          <a:ln>
+            <a:noFill/>
+          </a:ln>
+        </p:spPr>
+        <p:style>
+          <a:lnRef idx="2">
+            <a:schemeClr val="accent1">
+              <a:shade val="50000"/>
+            </a:schemeClr>
+          </a:lnRef>
+          <a:fillRef idx="1">
+            <a:schemeClr val="accent1"/>
+          </a:fillRef>
+          <a:effectRef idx="0">
+            <a:schemeClr val="accent1"/>
+          </a:effectRef>
+          <a:fontRef idx="minor">
+            <a:schemeClr val="lt1"/>
+          </a:fontRef>
+        </p:style>
+        <p:txBody>
+          <a:bodyPr rtlCol="0" anchor="ctr"/>
+          <a:lstStyle/>
+          <a:p>
+            <a:pPr algn="ctr"/>
+            <a:endParaRPr lang="ko-KR" altLang="en-US"/>
+          </a:p>
+        </p:txBody>
+      </p:sp>
+      <p:sp>
+        <p:nvSpPr>
+          <p:cNvPr id="6" name="TextBox 5"/>
+          <p:cNvSpPr txBox="1"/>
+          <p:nvPr/>
+        </p:nvSpPr>
+        <p:spPr>
+          <a:xfrm>
+            <a:off x="7558572" y="1621747"/>
+            <a:ext cx="2835102" cy="990464"/>
+          </a:xfrm>
+          <a:prstGeom prst="rect">
+            <a:avLst/>
+          </a:prstGeom>
+          <a:noFill/>
+        </p:spPr>
+        <p:txBody>
+          <a:bodyPr wrap="square" rtlCol="0">
+            <a:spAutoFit/>
+          </a:bodyPr>
+          <a:lstStyle/>
+          <a:p>
+            <a:pPr>
               <a:lnSpc>
                 <a:spcPct val="300000"/>
               </a:lnSpc>
-              <a:buAutoNum type="arabicPeriod"/>
             </a:pPr>
+            <a:r>
+              <a:rPr lang="en-US" altLang="ko-KR" sz="2400" dirty="0" smtClean="0"/>
+              <a:t>2. </a:t>
+            </a:r>
             <a:r>
               <a:rPr lang="ko-KR" altLang="en-US" sz="2400" dirty="0" smtClean="0"/>
               <a:t>프로젝트 설명</a:t>
             </a:r>
             <a:endParaRPr lang="en-US" altLang="ko-KR" sz="2400" dirty="0" smtClean="0"/>
           </a:p>
-          <a:p>
-            <a:pPr marL="342900" indent="-342900">
+        </p:txBody>
+      </p:sp>
+      <p:sp>
+        <p:nvSpPr>
+          <p:cNvPr id="3" name="TextBox 2"/>
+          <p:cNvSpPr txBox="1"/>
+          <p:nvPr/>
+        </p:nvSpPr>
+        <p:spPr>
+          <a:xfrm>
+            <a:off x="4330931" y="3009207"/>
+            <a:ext cx="2493818" cy="2427909"/>
+          </a:xfrm>
+          <a:prstGeom prst="rect">
+            <a:avLst/>
+          </a:prstGeom>
+          <a:noFill/>
+        </p:spPr>
+        <p:txBody>
+          <a:bodyPr wrap="square" rtlCol="0">
+            <a:spAutoFit/>
+          </a:bodyPr>
+          <a:lstStyle/>
+          <a:p>
+            <a:pPr>
               <a:lnSpc>
                 <a:spcPct val="300000"/>
               </a:lnSpc>
-              <a:buAutoNum type="arabicPeriod"/>
             </a:pPr>
             <a:r>
-              <a:rPr lang="ko-KR" altLang="en-US" sz="2400" dirty="0" smtClean="0"/>
-              <a:t>그 외</a:t>
-            </a:r>
-            <a:endParaRPr lang="ko-KR" altLang="en-US" sz="2400" dirty="0"/>
+              <a:rPr lang="ko-KR" altLang="en-US" dirty="0" smtClean="0"/>
+              <a:t>구현 기능</a:t>
+            </a:r>
+            <a:endParaRPr lang="en-US" altLang="ko-KR" dirty="0" smtClean="0"/>
+          </a:p>
+          <a:p>
+            <a:pPr>
+              <a:lnSpc>
+                <a:spcPct val="300000"/>
+              </a:lnSpc>
+            </a:pPr>
+            <a:r>
+              <a:rPr lang="ko-KR" altLang="en-US" dirty="0" smtClean="0"/>
+              <a:t>개발 환경</a:t>
+            </a:r>
+            <a:endParaRPr lang="en-US" altLang="ko-KR" dirty="0" smtClean="0"/>
+          </a:p>
+          <a:p>
+            <a:pPr>
+              <a:lnSpc>
+                <a:spcPct val="300000"/>
+              </a:lnSpc>
+            </a:pPr>
+            <a:r>
+              <a:rPr lang="ko-KR" altLang="en-US" dirty="0" smtClean="0"/>
+              <a:t>개발기간</a:t>
+            </a:r>
+            <a:endParaRPr lang="ko-KR" altLang="en-US" dirty="0"/>
+          </a:p>
+        </p:txBody>
+      </p:sp>
+      <p:sp>
+        <p:nvSpPr>
+          <p:cNvPr id="9" name="TextBox 8"/>
+          <p:cNvSpPr txBox="1"/>
+          <p:nvPr/>
+        </p:nvSpPr>
+        <p:spPr>
+          <a:xfrm>
+            <a:off x="7558572" y="3097697"/>
+            <a:ext cx="1988551" cy="2862322"/>
+          </a:xfrm>
+          <a:prstGeom prst="rect">
+            <a:avLst/>
+          </a:prstGeom>
+          <a:noFill/>
+        </p:spPr>
+        <p:txBody>
+          <a:bodyPr wrap="square" rtlCol="0">
+            <a:spAutoFit/>
+          </a:bodyPr>
+          <a:lstStyle/>
+          <a:p>
+            <a:pPr>
+              <a:lnSpc>
+                <a:spcPct val="200000"/>
+              </a:lnSpc>
+            </a:pPr>
+            <a:r>
+              <a:rPr lang="en-US" altLang="ko-KR" dirty="0" smtClean="0"/>
+              <a:t>DB</a:t>
+            </a:r>
+            <a:r>
+              <a:rPr lang="ko-KR" altLang="en-US" dirty="0" smtClean="0"/>
+              <a:t>설계</a:t>
+            </a:r>
+            <a:endParaRPr lang="en-US" altLang="ko-KR" dirty="0" smtClean="0"/>
+          </a:p>
+          <a:p>
+            <a:pPr>
+              <a:lnSpc>
+                <a:spcPct val="200000"/>
+              </a:lnSpc>
+            </a:pPr>
+            <a:r>
+              <a:rPr lang="ko-KR" altLang="en-US" dirty="0" smtClean="0"/>
+              <a:t>메인 페이지</a:t>
+            </a:r>
+            <a:endParaRPr lang="en-US" altLang="ko-KR" dirty="0" smtClean="0"/>
+          </a:p>
+          <a:p>
+            <a:pPr>
+              <a:lnSpc>
+                <a:spcPct val="200000"/>
+              </a:lnSpc>
+            </a:pPr>
+            <a:r>
+              <a:rPr lang="ko-KR" altLang="en-US" dirty="0" smtClean="0"/>
+              <a:t>회원가입 페이지</a:t>
+            </a:r>
+            <a:endParaRPr lang="en-US" altLang="ko-KR" dirty="0" smtClean="0"/>
+          </a:p>
+          <a:p>
+            <a:pPr>
+              <a:lnSpc>
+                <a:spcPct val="200000"/>
+              </a:lnSpc>
+            </a:pPr>
+            <a:r>
+              <a:rPr lang="ko-KR" altLang="en-US" dirty="0" smtClean="0"/>
+              <a:t>로그인 페이지</a:t>
+            </a:r>
+            <a:endParaRPr lang="en-US" altLang="ko-KR" dirty="0" smtClean="0"/>
+          </a:p>
+          <a:p>
+            <a:pPr>
+              <a:lnSpc>
+                <a:spcPct val="200000"/>
+              </a:lnSpc>
+            </a:pPr>
+            <a:r>
+              <a:rPr lang="ko-KR" altLang="en-US" dirty="0" smtClean="0"/>
+              <a:t>게임 페이지</a:t>
+            </a:r>
+            <a:endParaRPr lang="ko-KR" altLang="en-US" dirty="0"/>
+          </a:p>
+        </p:txBody>
+      </p:sp>
+      <p:sp>
+        <p:nvSpPr>
+          <p:cNvPr id="10" name="TextBox 9"/>
+          <p:cNvSpPr txBox="1"/>
+          <p:nvPr/>
+        </p:nvSpPr>
+        <p:spPr>
+          <a:xfrm>
+            <a:off x="9547123" y="3097697"/>
+            <a:ext cx="1988551" cy="1112164"/>
+          </a:xfrm>
+          <a:prstGeom prst="rect">
+            <a:avLst/>
+          </a:prstGeom>
+          <a:noFill/>
+        </p:spPr>
+        <p:txBody>
+          <a:bodyPr wrap="square" rtlCol="0">
+            <a:spAutoFit/>
+          </a:bodyPr>
+          <a:lstStyle/>
+          <a:p>
+            <a:pPr>
+              <a:lnSpc>
+                <a:spcPct val="200000"/>
+              </a:lnSpc>
+            </a:pPr>
+            <a:r>
+              <a:rPr lang="ko-KR" altLang="en-US" dirty="0" smtClean="0"/>
+              <a:t>순위 페이지</a:t>
+            </a:r>
+            <a:endParaRPr lang="en-US" altLang="ko-KR" dirty="0" smtClean="0"/>
+          </a:p>
+          <a:p>
+            <a:pPr>
+              <a:lnSpc>
+                <a:spcPct val="200000"/>
+              </a:lnSpc>
+            </a:pPr>
+            <a:r>
+              <a:rPr lang="ko-KR" altLang="en-US" dirty="0" smtClean="0"/>
+              <a:t>게시판 목록</a:t>
+            </a:r>
+            <a:endParaRPr lang="en-US" altLang="ko-KR" dirty="0" smtClean="0"/>
           </a:p>
         </p:txBody>
       </p:sp>
@@ -5372,7 +5897,7 @@
       <p:bgPr>
         <a:solidFill>
           <a:schemeClr val="bg1">
-            <a:lumMod val="85000"/>
+            <a:lumMod val="95000"/>
           </a:schemeClr>
         </a:solidFill>
         <a:effectLst/>
@@ -5394,6 +5919,52 @@
       </p:grpSpPr>
       <p:sp>
         <p:nvSpPr>
+          <p:cNvPr id="3" name="직사각형 2"/>
+          <p:cNvSpPr/>
+          <p:nvPr/>
+        </p:nvSpPr>
+        <p:spPr>
+          <a:xfrm>
+            <a:off x="0" y="0"/>
+            <a:ext cx="12192000" cy="764771"/>
+          </a:xfrm>
+          <a:prstGeom prst="rect">
+            <a:avLst/>
+          </a:prstGeom>
+          <a:solidFill>
+            <a:srgbClr val="7A0929"/>
+          </a:solidFill>
+          <a:ln>
+            <a:noFill/>
+          </a:ln>
+        </p:spPr>
+        <p:style>
+          <a:lnRef idx="2">
+            <a:schemeClr val="accent1">
+              <a:shade val="50000"/>
+            </a:schemeClr>
+          </a:lnRef>
+          <a:fillRef idx="1">
+            <a:schemeClr val="accent1"/>
+          </a:fillRef>
+          <a:effectRef idx="0">
+            <a:schemeClr val="accent1"/>
+          </a:effectRef>
+          <a:fontRef idx="minor">
+            <a:schemeClr val="lt1"/>
+          </a:fontRef>
+        </p:style>
+        <p:txBody>
+          <a:bodyPr rtlCol="0" anchor="ctr"/>
+          <a:lstStyle/>
+          <a:p>
+            <a:pPr algn="ctr"/>
+            <a:endParaRPr lang="ko-KR" altLang="en-US"/>
+          </a:p>
+        </p:txBody>
+      </p:sp>
+      <p:sp>
+        <p:nvSpPr>
           <p:cNvPr id="2" name="제목 1"/>
           <p:cNvSpPr>
             <a:spLocks noGrp="1"/>
@@ -5415,10 +5986,18 @@
           <a:lstStyle/>
           <a:p>
             <a:r>
-              <a:rPr lang="ko-KR" altLang="en-US" sz="3600" dirty="0" smtClean="0"/>
+              <a:rPr lang="ko-KR" altLang="en-US" sz="3200" dirty="0" smtClean="0">
+                <a:solidFill>
+                  <a:schemeClr val="bg1"/>
+                </a:solidFill>
+              </a:rPr>
               <a:t>프로젝트 개요</a:t>
             </a:r>
-            <a:endParaRPr lang="ko-KR" altLang="en-US" sz="3600" dirty="0"/>
+            <a:endParaRPr lang="ko-KR" altLang="en-US" sz="3200" dirty="0">
+              <a:solidFill>
+                <a:schemeClr val="bg1"/>
+              </a:solidFill>
+            </a:endParaRPr>
           </a:p>
         </p:txBody>
       </p:sp>
@@ -5597,7 +6176,7 @@
           <a:p>
             <a:r>
               <a:rPr lang="ko-KR" altLang="en-US" sz="2500" dirty="0" smtClean="0"/>
-              <a:t>기능</a:t>
+              <a:t>구현 기능</a:t>
             </a:r>
             <a:endParaRPr lang="ko-KR" altLang="en-US" dirty="0"/>
           </a:p>
@@ -5663,10 +6242,10 @@
           <a:lstStyle/>
           <a:p>
             <a:r>
-              <a:rPr lang="ko-KR" altLang="en-US" sz="3600" dirty="0" smtClean="0"/>
+              <a:rPr lang="ko-KR" altLang="en-US" sz="3200" dirty="0" smtClean="0"/>
               <a:t>프로젝트 개요</a:t>
             </a:r>
-            <a:endParaRPr lang="ko-KR" altLang="en-US" sz="3600" dirty="0"/>
+            <a:endParaRPr lang="ko-KR" altLang="en-US" sz="3200" dirty="0"/>
           </a:p>
         </p:txBody>
       </p:sp>
@@ -5678,8 +6257,8 @@
         </p:nvSpPr>
         <p:spPr>
           <a:xfrm>
-            <a:off x="1296786" y="1476090"/>
-            <a:ext cx="5486400" cy="3416320"/>
+            <a:off x="1044275" y="412061"/>
+            <a:ext cx="5486400" cy="3970318"/>
           </a:xfrm>
           <a:prstGeom prst="rect">
             <a:avLst/>
@@ -5698,10 +6277,10 @@
               </a:lnSpc>
             </a:pPr>
             <a:r>
-              <a:rPr lang="ko-KR" altLang="en-US" dirty="0" smtClean="0"/>
+              <a:rPr lang="ko-KR" altLang="en-US" sz="2400" dirty="0" smtClean="0"/>
               <a:t>개발환경</a:t>
             </a:r>
-            <a:endParaRPr lang="en-US" altLang="ko-KR" dirty="0"/>
+            <a:endParaRPr lang="en-US" altLang="ko-KR" sz="2000" dirty="0"/>
           </a:p>
           <a:p>
             <a:pPr marL="285750" indent="-285750">
@@ -5713,15 +6292,7 @@
             </a:pPr>
             <a:r>
               <a:rPr lang="en-US" altLang="ko-KR" dirty="0" smtClean="0"/>
-              <a:t>Java</a:t>
-            </a:r>
-            <a:r>
-              <a:rPr lang="en-US" altLang="ko-KR" dirty="0" smtClean="0"/>
-              <a:t>, Eclipse </a:t>
-            </a:r>
-            <a:r>
-              <a:rPr lang="en-US" altLang="ko-KR" dirty="0" smtClean="0"/>
-              <a:t>IDE</a:t>
+              <a:t>Java, Eclipse IDE</a:t>
             </a:r>
             <a:endParaRPr lang="en-US" altLang="ko-KR" dirty="0"/>
           </a:p>
@@ -5750,7 +6321,6 @@
               <a:rPr lang="en-US" altLang="ko-KR" dirty="0" smtClean="0"/>
               <a:t>MySQL</a:t>
             </a:r>
-            <a:endParaRPr lang="en-US" altLang="ko-KR" dirty="0" smtClean="0"/>
           </a:p>
           <a:p>
             <a:pPr>
@@ -5759,10 +6329,10 @@
               </a:lnSpc>
             </a:pPr>
             <a:r>
-              <a:rPr lang="ko-KR" altLang="en-US" dirty="0" smtClean="0"/>
+              <a:rPr lang="ko-KR" altLang="en-US" sz="2400" dirty="0" smtClean="0"/>
               <a:t>개발 기간</a:t>
             </a:r>
-            <a:endParaRPr lang="en-US" altLang="ko-KR" dirty="0"/>
+            <a:endParaRPr lang="en-US" altLang="ko-KR" sz="2400" dirty="0"/>
           </a:p>
           <a:p>
             <a:pPr>
@@ -5772,65 +6342,8 @@
             </a:pPr>
             <a:r>
               <a:rPr lang="en-US" altLang="ko-KR" dirty="0" smtClean="0"/>
-              <a:t>- </a:t>
-            </a:r>
-            <a:r>
-              <a:rPr lang="en-US" altLang="ko-KR" dirty="0" smtClean="0"/>
-              <a:t>2023</a:t>
-            </a:r>
-            <a:r>
-              <a:rPr lang="en-US" altLang="ko-KR" dirty="0" smtClean="0"/>
-              <a:t>. 3. 29. ~  2023. 4. 4.</a:t>
-            </a:r>
-          </a:p>
-        </p:txBody>
-      </p:sp>
-      <p:sp>
-        <p:nvSpPr>
-          <p:cNvPr id="6" name="제목 1"/>
-          <p:cNvSpPr txBox="1">
-            <a:spLocks/>
-          </p:cNvSpPr>
-          <p:nvPr/>
-        </p:nvSpPr>
-        <p:spPr>
-          <a:xfrm>
-            <a:off x="1044275" y="966859"/>
-            <a:ext cx="8438804" cy="432897"/>
-          </a:xfrm>
-          <a:prstGeom prst="rect">
-            <a:avLst/>
-          </a:prstGeom>
-        </p:spPr>
-        <p:txBody>
-          <a:bodyPr vert="horz" lIns="91440" tIns="45720" rIns="91440" bIns="45720" rtlCol="0" anchor="ctr">
-            <a:normAutofit fontScale="97500"/>
-          </a:bodyPr>
-          <a:lstStyle>
-            <a:lvl1pPr algn="l" defTabSz="914400" rtl="0" eaLnBrk="1" latinLnBrk="1" hangingPunct="1">
-              <a:lnSpc>
-                <a:spcPct val="90000"/>
-              </a:lnSpc>
-              <a:spcBef>
-                <a:spcPct val="0"/>
-              </a:spcBef>
-              <a:buNone/>
-              <a:defRPr sz="4400" kern="1200">
-                <a:solidFill>
-                  <a:schemeClr val="tx1"/>
-                </a:solidFill>
-                <a:latin typeface="+mj-lt"/>
-                <a:ea typeface="+mj-ea"/>
-                <a:cs typeface="+mj-cs"/>
-              </a:defRPr>
-            </a:lvl1pPr>
-          </a:lstStyle>
-          <a:p>
-            <a:r>
-              <a:rPr lang="ko-KR" altLang="en-US" sz="2500" dirty="0" smtClean="0"/>
-              <a:t>기타</a:t>
-            </a:r>
-            <a:endParaRPr lang="ko-KR" altLang="en-US" dirty="0"/>
+              <a:t>- 2023. 3. 29. ~  2023. 4. 4.</a:t>
+            </a:r>
           </a:p>
         </p:txBody>
       </p:sp>
@@ -5894,10 +6407,10 @@
           <a:lstStyle/>
           <a:p>
             <a:r>
-              <a:rPr lang="ko-KR" altLang="en-US" sz="3600" dirty="0" smtClean="0"/>
+              <a:rPr lang="ko-KR" altLang="en-US" sz="3200" dirty="0" smtClean="0"/>
               <a:t>프로젝트 설명</a:t>
             </a:r>
-            <a:endParaRPr lang="ko-KR" altLang="en-US" sz="3600" dirty="0"/>
+            <a:endParaRPr lang="ko-KR" altLang="en-US" sz="3200" dirty="0"/>
           </a:p>
         </p:txBody>
       </p:sp>
@@ -5943,7 +6456,7 @@
       </p:sp>
       <p:pic>
         <p:nvPicPr>
-          <p:cNvPr id="5" name="그림 4"/>
+          <p:cNvPr id="3" name="그림 2"/>
           <p:cNvPicPr>
             <a:picLocks noChangeAspect="1"/>
           </p:cNvPicPr>
@@ -5963,8 +6476,8 @@
         </p:blipFill>
         <p:spPr>
           <a:xfrm>
-            <a:off x="324465" y="1547013"/>
-            <a:ext cx="11523406" cy="4951521"/>
+            <a:off x="249382" y="1524882"/>
+            <a:ext cx="11648026" cy="5083736"/>
           </a:xfrm>
           <a:prstGeom prst="rect">
             <a:avLst/>
@@ -6041,10 +6554,10 @@
           <a:lstStyle/>
           <a:p>
             <a:r>
-              <a:rPr lang="ko-KR" altLang="en-US" sz="3600" dirty="0" smtClean="0"/>
+              <a:rPr lang="ko-KR" altLang="en-US" sz="3200" dirty="0" smtClean="0"/>
               <a:t>프로젝트 설명</a:t>
             </a:r>
-            <a:endParaRPr lang="ko-KR" altLang="en-US" sz="3600" dirty="0"/>
+            <a:endParaRPr lang="ko-KR" altLang="en-US" sz="3200" dirty="0"/>
           </a:p>
         </p:txBody>
       </p:sp>
@@ -6081,11 +6594,7 @@
             </a:r>
             <a:r>
               <a:rPr lang="ko-KR" altLang="en-US" dirty="0" smtClean="0"/>
-              <a:t>메인 </a:t>
-            </a:r>
-            <a:r>
-              <a:rPr lang="ko-KR" altLang="en-US" dirty="0" smtClean="0"/>
-              <a:t>페이지</a:t>
+              <a:t>메인 페이지</a:t>
             </a:r>
             <a:r>
               <a:rPr lang="en-US" altLang="ko-KR" dirty="0" smtClean="0"/>
@@ -6364,10 +6873,10 @@
           <a:lstStyle/>
           <a:p>
             <a:r>
-              <a:rPr lang="ko-KR" altLang="en-US" sz="3600" dirty="0" smtClean="0"/>
+              <a:rPr lang="ko-KR" altLang="en-US" sz="3200" dirty="0" smtClean="0"/>
               <a:t>프로젝트 설명</a:t>
             </a:r>
-            <a:endParaRPr lang="ko-KR" altLang="en-US" sz="3600" dirty="0"/>
+            <a:endParaRPr lang="ko-KR" altLang="en-US" sz="3200" dirty="0"/>
           </a:p>
         </p:txBody>
       </p:sp>
@@ -6630,11 +7139,11 @@
   <p:clrMapOvr>
     <a:masterClrMapping/>
   </p:clrMapOvr>
-  <mc:AlternateContent xmlns:mc="http://schemas.openxmlformats.org/markup-compatibility/2006">
-    <mc:Choice xmlns:p14="http://schemas.microsoft.com/office/powerpoint/2010/main" Requires="p14">
+  <mc:AlternateContent xmlns:mc="http://schemas.openxmlformats.org/markup-compatibility/2006" xmlns:p14="http://schemas.microsoft.com/office/powerpoint/2010/main">
+    <mc:Choice Requires="p14">
       <p:transition p14:dur="0"/>
     </mc:Choice>
-    <mc:Fallback>
+    <mc:Fallback xmlns="">
       <p:transition/>
     </mc:Fallback>
   </mc:AlternateContent>
@@ -6698,10 +7207,10 @@
           <a:lstStyle/>
           <a:p>
             <a:r>
-              <a:rPr lang="ko-KR" altLang="en-US" sz="3600" dirty="0" smtClean="0"/>
+              <a:rPr lang="ko-KR" altLang="en-US" sz="3200" dirty="0" smtClean="0"/>
               <a:t>프로젝트 설명</a:t>
             </a:r>
-            <a:endParaRPr lang="ko-KR" altLang="en-US" sz="3600" dirty="0"/>
+            <a:endParaRPr lang="ko-KR" altLang="en-US" sz="3200" dirty="0"/>
           </a:p>
         </p:txBody>
       </p:sp>
@@ -6957,11 +7466,11 @@
   <p:clrMapOvr>
     <a:masterClrMapping/>
   </p:clrMapOvr>
-  <mc:AlternateContent xmlns:mc="http://schemas.openxmlformats.org/markup-compatibility/2006">
-    <mc:Choice xmlns:p14="http://schemas.microsoft.com/office/powerpoint/2010/main" Requires="p14">
+  <mc:AlternateContent xmlns:mc="http://schemas.openxmlformats.org/markup-compatibility/2006" xmlns:p14="http://schemas.microsoft.com/office/powerpoint/2010/main">
+    <mc:Choice Requires="p14">
       <p:transition p14:dur="0"/>
     </mc:Choice>
-    <mc:Fallback>
+    <mc:Fallback xmlns="">
       <p:transition/>
     </mc:Fallback>
   </mc:AlternateContent>
@@ -7025,10 +7534,10 @@
           <a:lstStyle/>
           <a:p>
             <a:r>
-              <a:rPr lang="ko-KR" altLang="en-US" sz="3600" dirty="0" smtClean="0"/>
+              <a:rPr lang="ko-KR" altLang="en-US" sz="3200" dirty="0" smtClean="0"/>
               <a:t>프로젝트 설명</a:t>
             </a:r>
-            <a:endParaRPr lang="ko-KR" altLang="en-US" sz="3600" dirty="0"/>
+            <a:endParaRPr lang="ko-KR" altLang="en-US" sz="3200" dirty="0"/>
           </a:p>
         </p:txBody>
       </p:sp>
@@ -7242,11 +7751,11 @@
   <p:clrMapOvr>
     <a:masterClrMapping/>
   </p:clrMapOvr>
-  <mc:AlternateContent xmlns:mc="http://schemas.openxmlformats.org/markup-compatibility/2006">
-    <mc:Choice xmlns:p14="http://schemas.microsoft.com/office/powerpoint/2010/main" Requires="p14">
+  <mc:AlternateContent xmlns:mc="http://schemas.openxmlformats.org/markup-compatibility/2006" xmlns:p14="http://schemas.microsoft.com/office/powerpoint/2010/main">
+    <mc:Choice Requires="p14">
       <p:transition p14:dur="0"/>
     </mc:Choice>
-    <mc:Fallback>
+    <mc:Fallback xmlns="">
       <p:transition/>
     </mc:Fallback>
   </mc:AlternateContent>

--- a/숫자 야구.pptx
+++ b/숫자 야구.pptx
@@ -21,7 +21,6 @@
     <p:sldId id="271" r:id="rId15"/>
     <p:sldId id="273" r:id="rId16"/>
     <p:sldId id="272" r:id="rId17"/>
-    <p:sldId id="261" r:id="rId18"/>
   </p:sldIdLst>
   <p:sldSz cx="12192000" cy="6858000"/>
   <p:notesSz cx="6858000" cy="9144000"/>
@@ -259,7 +258,7 @@
           <a:p>
             <a:fld id="{AE5C727B-AE2F-401B-B95B-2B8DBFE16530}" type="datetimeFigureOut">
               <a:rPr lang="ko-KR" altLang="en-US" smtClean="0"/>
-              <a:t>2023-04-05</a:t>
+              <a:t>2023-04-11</a:t>
             </a:fld>
             <a:endParaRPr lang="ko-KR" altLang="en-US"/>
           </a:p>
@@ -429,7 +428,7 @@
           <a:p>
             <a:fld id="{AE5C727B-AE2F-401B-B95B-2B8DBFE16530}" type="datetimeFigureOut">
               <a:rPr lang="ko-KR" altLang="en-US" smtClean="0"/>
-              <a:t>2023-04-05</a:t>
+              <a:t>2023-04-11</a:t>
             </a:fld>
             <a:endParaRPr lang="ko-KR" altLang="en-US"/>
           </a:p>
@@ -609,7 +608,7 @@
           <a:p>
             <a:fld id="{AE5C727B-AE2F-401B-B95B-2B8DBFE16530}" type="datetimeFigureOut">
               <a:rPr lang="ko-KR" altLang="en-US" smtClean="0"/>
-              <a:t>2023-04-05</a:t>
+              <a:t>2023-04-11</a:t>
             </a:fld>
             <a:endParaRPr lang="ko-KR" altLang="en-US"/>
           </a:p>
@@ -779,7 +778,7 @@
           <a:p>
             <a:fld id="{AE5C727B-AE2F-401B-B95B-2B8DBFE16530}" type="datetimeFigureOut">
               <a:rPr lang="ko-KR" altLang="en-US" smtClean="0"/>
-              <a:t>2023-04-05</a:t>
+              <a:t>2023-04-11</a:t>
             </a:fld>
             <a:endParaRPr lang="ko-KR" altLang="en-US"/>
           </a:p>
@@ -1025,7 +1024,7 @@
           <a:p>
             <a:fld id="{AE5C727B-AE2F-401B-B95B-2B8DBFE16530}" type="datetimeFigureOut">
               <a:rPr lang="ko-KR" altLang="en-US" smtClean="0"/>
-              <a:t>2023-04-05</a:t>
+              <a:t>2023-04-11</a:t>
             </a:fld>
             <a:endParaRPr lang="ko-KR" altLang="en-US"/>
           </a:p>
@@ -1257,7 +1256,7 @@
           <a:p>
             <a:fld id="{AE5C727B-AE2F-401B-B95B-2B8DBFE16530}" type="datetimeFigureOut">
               <a:rPr lang="ko-KR" altLang="en-US" smtClean="0"/>
-              <a:t>2023-04-05</a:t>
+              <a:t>2023-04-11</a:t>
             </a:fld>
             <a:endParaRPr lang="ko-KR" altLang="en-US"/>
           </a:p>
@@ -1629,7 +1628,7 @@
           <a:p>
             <a:fld id="{AE5C727B-AE2F-401B-B95B-2B8DBFE16530}" type="datetimeFigureOut">
               <a:rPr lang="ko-KR" altLang="en-US" smtClean="0"/>
-              <a:t>2023-04-05</a:t>
+              <a:t>2023-04-11</a:t>
             </a:fld>
             <a:endParaRPr lang="ko-KR" altLang="en-US"/>
           </a:p>
@@ -1752,7 +1751,7 @@
           <a:p>
             <a:fld id="{AE5C727B-AE2F-401B-B95B-2B8DBFE16530}" type="datetimeFigureOut">
               <a:rPr lang="ko-KR" altLang="en-US" smtClean="0"/>
-              <a:t>2023-04-05</a:t>
+              <a:t>2023-04-11</a:t>
             </a:fld>
             <a:endParaRPr lang="ko-KR" altLang="en-US"/>
           </a:p>
@@ -1847,7 +1846,7 @@
           <a:p>
             <a:fld id="{AE5C727B-AE2F-401B-B95B-2B8DBFE16530}" type="datetimeFigureOut">
               <a:rPr lang="ko-KR" altLang="en-US" smtClean="0"/>
-              <a:t>2023-04-05</a:t>
+              <a:t>2023-04-11</a:t>
             </a:fld>
             <a:endParaRPr lang="ko-KR" altLang="en-US"/>
           </a:p>
@@ -2124,7 +2123,7 @@
           <a:p>
             <a:fld id="{AE5C727B-AE2F-401B-B95B-2B8DBFE16530}" type="datetimeFigureOut">
               <a:rPr lang="ko-KR" altLang="en-US" smtClean="0"/>
-              <a:t>2023-04-05</a:t>
+              <a:t>2023-04-11</a:t>
             </a:fld>
             <a:endParaRPr lang="ko-KR" altLang="en-US"/>
           </a:p>
@@ -2382,7 +2381,7 @@
           <a:p>
             <a:fld id="{AE5C727B-AE2F-401B-B95B-2B8DBFE16530}" type="datetimeFigureOut">
               <a:rPr lang="ko-KR" altLang="en-US" smtClean="0"/>
-              <a:t>2023-04-05</a:t>
+              <a:t>2023-04-11</a:t>
             </a:fld>
             <a:endParaRPr lang="ko-KR" altLang="en-US"/>
           </a:p>
@@ -2595,7 +2594,7 @@
           <a:p>
             <a:fld id="{AE5C727B-AE2F-401B-B95B-2B8DBFE16530}" type="datetimeFigureOut">
               <a:rPr lang="ko-KR" altLang="en-US" smtClean="0"/>
-              <a:t>2023-04-05</a:t>
+              <a:t>2023-04-11</a:t>
             </a:fld>
             <a:endParaRPr lang="ko-KR" altLang="en-US"/>
           </a:p>
@@ -2994,9 +2993,7 @@
     <p:bg>
       <p:bgPr>
         <a:solidFill>
-          <a:schemeClr val="bg1">
-            <a:lumMod val="85000"/>
-          </a:schemeClr>
+          <a:schemeClr val="bg1"/>
         </a:solidFill>
         <a:effectLst/>
       </p:bgPr>
@@ -3125,16 +3122,6 @@
 <file path=ppt/slides/slide10.xml><?xml version="1.0" encoding="utf-8"?>
 <p:sld xmlns:a="http://schemas.openxmlformats.org/drawingml/2006/main" xmlns:r="http://schemas.openxmlformats.org/officeDocument/2006/relationships" xmlns:p="http://schemas.openxmlformats.org/presentationml/2006/main">
   <p:cSld>
-    <p:bg>
-      <p:bgPr>
-        <a:solidFill>
-          <a:schemeClr val="bg1">
-            <a:lumMod val="85000"/>
-          </a:schemeClr>
-        </a:solidFill>
-        <a:effectLst/>
-      </p:bgPr>
-    </p:bg>
     <p:spTree>
       <p:nvGrpSpPr>
         <p:cNvPr id="1" name=""/>
@@ -3389,6 +3376,109 @@
           </a:prstGeom>
         </p:spPr>
       </p:pic>
+      <p:sp>
+        <p:nvSpPr>
+          <p:cNvPr id="6" name="직사각형 5"/>
+          <p:cNvSpPr/>
+          <p:nvPr/>
+        </p:nvSpPr>
+        <p:spPr>
+          <a:xfrm>
+            <a:off x="0" y="0"/>
+            <a:ext cx="12192000" cy="764771"/>
+          </a:xfrm>
+          <a:prstGeom prst="rect">
+            <a:avLst/>
+          </a:prstGeom>
+          <a:solidFill>
+            <a:srgbClr val="7A0929"/>
+          </a:solidFill>
+          <a:ln>
+            <a:noFill/>
+          </a:ln>
+        </p:spPr>
+        <p:style>
+          <a:lnRef idx="2">
+            <a:schemeClr val="accent1">
+              <a:shade val="50000"/>
+            </a:schemeClr>
+          </a:lnRef>
+          <a:fillRef idx="1">
+            <a:schemeClr val="accent1"/>
+          </a:fillRef>
+          <a:effectRef idx="0">
+            <a:schemeClr val="accent1"/>
+          </a:effectRef>
+          <a:fontRef idx="minor">
+            <a:schemeClr val="lt1"/>
+          </a:fontRef>
+        </p:style>
+        <p:txBody>
+          <a:bodyPr rtlCol="0" anchor="ctr"/>
+          <a:lstStyle/>
+          <a:p>
+            <a:pPr algn="ctr"/>
+            <a:endParaRPr lang="ko-KR" altLang="en-US"/>
+          </a:p>
+        </p:txBody>
+      </p:sp>
+      <p:sp>
+        <p:nvSpPr>
+          <p:cNvPr id="7" name="제목 1"/>
+          <p:cNvSpPr txBox="1">
+            <a:spLocks/>
+          </p:cNvSpPr>
+          <p:nvPr/>
+        </p:nvSpPr>
+        <p:spPr>
+          <a:xfrm>
+            <a:off x="714894" y="263852"/>
+            <a:ext cx="3237674" cy="432897"/>
+          </a:xfrm>
+          <a:prstGeom prst="rect">
+            <a:avLst/>
+          </a:prstGeom>
+        </p:spPr>
+        <p:txBody>
+          <a:bodyPr vert="horz" lIns="91440" tIns="45720" rIns="91440" bIns="45720" rtlCol="0" anchor="ctr">
+            <a:noAutofit/>
+          </a:bodyPr>
+          <a:lstStyle>
+            <a:lvl1pPr algn="l" defTabSz="914400" rtl="0" eaLnBrk="1" latinLnBrk="1" hangingPunct="1">
+              <a:lnSpc>
+                <a:spcPct val="90000"/>
+              </a:lnSpc>
+              <a:spcBef>
+                <a:spcPct val="0"/>
+              </a:spcBef>
+              <a:buNone/>
+              <a:defRPr sz="4400" kern="1200">
+                <a:solidFill>
+                  <a:schemeClr val="tx1"/>
+                </a:solidFill>
+                <a:latin typeface="+mj-lt"/>
+                <a:ea typeface="+mj-ea"/>
+                <a:cs typeface="+mj-cs"/>
+              </a:defRPr>
+            </a:lvl1pPr>
+          </a:lstStyle>
+          <a:p>
+            <a:r>
+              <a:rPr lang="ko-KR" altLang="en-US" sz="3200" dirty="0" smtClean="0">
+                <a:solidFill>
+                  <a:schemeClr val="bg1"/>
+                </a:solidFill>
+              </a:rPr>
+              <a:t>프로젝트 설명</a:t>
+            </a:r>
+            <a:endParaRPr lang="ko-KR" altLang="en-US" sz="3200" dirty="0">
+              <a:solidFill>
+                <a:schemeClr val="bg1"/>
+              </a:solidFill>
+            </a:endParaRPr>
+          </a:p>
+        </p:txBody>
+      </p:sp>
     </p:spTree>
     <p:extLst>
       <p:ext uri="{BB962C8B-B14F-4D97-AF65-F5344CB8AC3E}">
@@ -3758,6 +3848,109 @@
           </a:p>
         </p:txBody>
       </p:sp>
+      <p:sp>
+        <p:nvSpPr>
+          <p:cNvPr id="7" name="직사각형 6"/>
+          <p:cNvSpPr/>
+          <p:nvPr/>
+        </p:nvSpPr>
+        <p:spPr>
+          <a:xfrm>
+            <a:off x="0" y="0"/>
+            <a:ext cx="12192000" cy="764771"/>
+          </a:xfrm>
+          <a:prstGeom prst="rect">
+            <a:avLst/>
+          </a:prstGeom>
+          <a:solidFill>
+            <a:srgbClr val="7A0929"/>
+          </a:solidFill>
+          <a:ln>
+            <a:noFill/>
+          </a:ln>
+        </p:spPr>
+        <p:style>
+          <a:lnRef idx="2">
+            <a:schemeClr val="accent1">
+              <a:shade val="50000"/>
+            </a:schemeClr>
+          </a:lnRef>
+          <a:fillRef idx="1">
+            <a:schemeClr val="accent1"/>
+          </a:fillRef>
+          <a:effectRef idx="0">
+            <a:schemeClr val="accent1"/>
+          </a:effectRef>
+          <a:fontRef idx="minor">
+            <a:schemeClr val="lt1"/>
+          </a:fontRef>
+        </p:style>
+        <p:txBody>
+          <a:bodyPr rtlCol="0" anchor="ctr"/>
+          <a:lstStyle/>
+          <a:p>
+            <a:pPr algn="ctr"/>
+            <a:endParaRPr lang="ko-KR" altLang="en-US"/>
+          </a:p>
+        </p:txBody>
+      </p:sp>
+      <p:sp>
+        <p:nvSpPr>
+          <p:cNvPr id="9" name="제목 1"/>
+          <p:cNvSpPr txBox="1">
+            <a:spLocks/>
+          </p:cNvSpPr>
+          <p:nvPr/>
+        </p:nvSpPr>
+        <p:spPr>
+          <a:xfrm>
+            <a:off x="714894" y="263852"/>
+            <a:ext cx="3237674" cy="432897"/>
+          </a:xfrm>
+          <a:prstGeom prst="rect">
+            <a:avLst/>
+          </a:prstGeom>
+        </p:spPr>
+        <p:txBody>
+          <a:bodyPr vert="horz" lIns="91440" tIns="45720" rIns="91440" bIns="45720" rtlCol="0" anchor="ctr">
+            <a:noAutofit/>
+          </a:bodyPr>
+          <a:lstStyle>
+            <a:lvl1pPr algn="l" defTabSz="914400" rtl="0" eaLnBrk="1" latinLnBrk="1" hangingPunct="1">
+              <a:lnSpc>
+                <a:spcPct val="90000"/>
+              </a:lnSpc>
+              <a:spcBef>
+                <a:spcPct val="0"/>
+              </a:spcBef>
+              <a:buNone/>
+              <a:defRPr sz="4400" kern="1200">
+                <a:solidFill>
+                  <a:schemeClr val="tx1"/>
+                </a:solidFill>
+                <a:latin typeface="+mj-lt"/>
+                <a:ea typeface="+mj-ea"/>
+                <a:cs typeface="+mj-cs"/>
+              </a:defRPr>
+            </a:lvl1pPr>
+          </a:lstStyle>
+          <a:p>
+            <a:r>
+              <a:rPr lang="ko-KR" altLang="en-US" sz="3200" dirty="0" smtClean="0">
+                <a:solidFill>
+                  <a:schemeClr val="bg1"/>
+                </a:solidFill>
+              </a:rPr>
+              <a:t>프로젝트 설명</a:t>
+            </a:r>
+            <a:endParaRPr lang="ko-KR" altLang="en-US" sz="3200" dirty="0">
+              <a:solidFill>
+                <a:schemeClr val="bg1"/>
+              </a:solidFill>
+            </a:endParaRPr>
+          </a:p>
+        </p:txBody>
+      </p:sp>
     </p:spTree>
     <p:extLst>
       <p:ext uri="{BB962C8B-B14F-4D97-AF65-F5344CB8AC3E}">
@@ -4125,6 +4318,109 @@
           </a:p>
         </p:txBody>
       </p:sp>
+      <p:sp>
+        <p:nvSpPr>
+          <p:cNvPr id="9" name="직사각형 8"/>
+          <p:cNvSpPr/>
+          <p:nvPr/>
+        </p:nvSpPr>
+        <p:spPr>
+          <a:xfrm>
+            <a:off x="0" y="0"/>
+            <a:ext cx="12192000" cy="764771"/>
+          </a:xfrm>
+          <a:prstGeom prst="rect">
+            <a:avLst/>
+          </a:prstGeom>
+          <a:solidFill>
+            <a:srgbClr val="7A0929"/>
+          </a:solidFill>
+          <a:ln>
+            <a:noFill/>
+          </a:ln>
+        </p:spPr>
+        <p:style>
+          <a:lnRef idx="2">
+            <a:schemeClr val="accent1">
+              <a:shade val="50000"/>
+            </a:schemeClr>
+          </a:lnRef>
+          <a:fillRef idx="1">
+            <a:schemeClr val="accent1"/>
+          </a:fillRef>
+          <a:effectRef idx="0">
+            <a:schemeClr val="accent1"/>
+          </a:effectRef>
+          <a:fontRef idx="minor">
+            <a:schemeClr val="lt1"/>
+          </a:fontRef>
+        </p:style>
+        <p:txBody>
+          <a:bodyPr rtlCol="0" anchor="ctr"/>
+          <a:lstStyle/>
+          <a:p>
+            <a:pPr algn="ctr"/>
+            <a:endParaRPr lang="ko-KR" altLang="en-US"/>
+          </a:p>
+        </p:txBody>
+      </p:sp>
+      <p:sp>
+        <p:nvSpPr>
+          <p:cNvPr id="12" name="제목 1"/>
+          <p:cNvSpPr txBox="1">
+            <a:spLocks/>
+          </p:cNvSpPr>
+          <p:nvPr/>
+        </p:nvSpPr>
+        <p:spPr>
+          <a:xfrm>
+            <a:off x="714894" y="263852"/>
+            <a:ext cx="3237674" cy="432897"/>
+          </a:xfrm>
+          <a:prstGeom prst="rect">
+            <a:avLst/>
+          </a:prstGeom>
+        </p:spPr>
+        <p:txBody>
+          <a:bodyPr vert="horz" lIns="91440" tIns="45720" rIns="91440" bIns="45720" rtlCol="0" anchor="ctr">
+            <a:noAutofit/>
+          </a:bodyPr>
+          <a:lstStyle>
+            <a:lvl1pPr algn="l" defTabSz="914400" rtl="0" eaLnBrk="1" latinLnBrk="1" hangingPunct="1">
+              <a:lnSpc>
+                <a:spcPct val="90000"/>
+              </a:lnSpc>
+              <a:spcBef>
+                <a:spcPct val="0"/>
+              </a:spcBef>
+              <a:buNone/>
+              <a:defRPr sz="4400" kern="1200">
+                <a:solidFill>
+                  <a:schemeClr val="tx1"/>
+                </a:solidFill>
+                <a:latin typeface="+mj-lt"/>
+                <a:ea typeface="+mj-ea"/>
+                <a:cs typeface="+mj-cs"/>
+              </a:defRPr>
+            </a:lvl1pPr>
+          </a:lstStyle>
+          <a:p>
+            <a:r>
+              <a:rPr lang="ko-KR" altLang="en-US" sz="3200" dirty="0" smtClean="0">
+                <a:solidFill>
+                  <a:schemeClr val="bg1"/>
+                </a:solidFill>
+              </a:rPr>
+              <a:t>프로젝트 설명</a:t>
+            </a:r>
+            <a:endParaRPr lang="ko-KR" altLang="en-US" sz="3200" dirty="0">
+              <a:solidFill>
+                <a:schemeClr val="bg1"/>
+              </a:solidFill>
+            </a:endParaRPr>
+          </a:p>
+        </p:txBody>
+      </p:sp>
     </p:spTree>
     <p:extLst>
       <p:ext uri="{BB962C8B-B14F-4D97-AF65-F5344CB8AC3E}">
@@ -4451,6 +4747,109 @@
           </a:prstGeom>
         </p:spPr>
       </p:pic>
+      <p:sp>
+        <p:nvSpPr>
+          <p:cNvPr id="6" name="직사각형 5"/>
+          <p:cNvSpPr/>
+          <p:nvPr/>
+        </p:nvSpPr>
+        <p:spPr>
+          <a:xfrm>
+            <a:off x="0" y="0"/>
+            <a:ext cx="12192000" cy="764771"/>
+          </a:xfrm>
+          <a:prstGeom prst="rect">
+            <a:avLst/>
+          </a:prstGeom>
+          <a:solidFill>
+            <a:srgbClr val="7A0929"/>
+          </a:solidFill>
+          <a:ln>
+            <a:noFill/>
+          </a:ln>
+        </p:spPr>
+        <p:style>
+          <a:lnRef idx="2">
+            <a:schemeClr val="accent1">
+              <a:shade val="50000"/>
+            </a:schemeClr>
+          </a:lnRef>
+          <a:fillRef idx="1">
+            <a:schemeClr val="accent1"/>
+          </a:fillRef>
+          <a:effectRef idx="0">
+            <a:schemeClr val="accent1"/>
+          </a:effectRef>
+          <a:fontRef idx="minor">
+            <a:schemeClr val="lt1"/>
+          </a:fontRef>
+        </p:style>
+        <p:txBody>
+          <a:bodyPr rtlCol="0" anchor="ctr"/>
+          <a:lstStyle/>
+          <a:p>
+            <a:pPr algn="ctr"/>
+            <a:endParaRPr lang="ko-KR" altLang="en-US"/>
+          </a:p>
+        </p:txBody>
+      </p:sp>
+      <p:sp>
+        <p:nvSpPr>
+          <p:cNvPr id="7" name="제목 1"/>
+          <p:cNvSpPr txBox="1">
+            <a:spLocks/>
+          </p:cNvSpPr>
+          <p:nvPr/>
+        </p:nvSpPr>
+        <p:spPr>
+          <a:xfrm>
+            <a:off x="714894" y="263852"/>
+            <a:ext cx="3237674" cy="432897"/>
+          </a:xfrm>
+          <a:prstGeom prst="rect">
+            <a:avLst/>
+          </a:prstGeom>
+        </p:spPr>
+        <p:txBody>
+          <a:bodyPr vert="horz" lIns="91440" tIns="45720" rIns="91440" bIns="45720" rtlCol="0" anchor="ctr">
+            <a:noAutofit/>
+          </a:bodyPr>
+          <a:lstStyle>
+            <a:lvl1pPr algn="l" defTabSz="914400" rtl="0" eaLnBrk="1" latinLnBrk="1" hangingPunct="1">
+              <a:lnSpc>
+                <a:spcPct val="90000"/>
+              </a:lnSpc>
+              <a:spcBef>
+                <a:spcPct val="0"/>
+              </a:spcBef>
+              <a:buNone/>
+              <a:defRPr sz="4400" kern="1200">
+                <a:solidFill>
+                  <a:schemeClr val="tx1"/>
+                </a:solidFill>
+                <a:latin typeface="+mj-lt"/>
+                <a:ea typeface="+mj-ea"/>
+                <a:cs typeface="+mj-cs"/>
+              </a:defRPr>
+            </a:lvl1pPr>
+          </a:lstStyle>
+          <a:p>
+            <a:r>
+              <a:rPr lang="ko-KR" altLang="en-US" sz="3200" dirty="0" smtClean="0">
+                <a:solidFill>
+                  <a:schemeClr val="bg1"/>
+                </a:solidFill>
+              </a:rPr>
+              <a:t>프로젝트 설명</a:t>
+            </a:r>
+            <a:endParaRPr lang="ko-KR" altLang="en-US" sz="3200" dirty="0">
+              <a:solidFill>
+                <a:schemeClr val="bg1"/>
+              </a:solidFill>
+            </a:endParaRPr>
+          </a:p>
+        </p:txBody>
+      </p:sp>
     </p:spTree>
     <p:extLst>
       <p:ext uri="{BB962C8B-B14F-4D97-AF65-F5344CB8AC3E}">
@@ -4710,6 +5109,109 @@
           </a:p>
         </p:txBody>
       </p:sp>
+      <p:sp>
+        <p:nvSpPr>
+          <p:cNvPr id="6" name="직사각형 5"/>
+          <p:cNvSpPr/>
+          <p:nvPr/>
+        </p:nvSpPr>
+        <p:spPr>
+          <a:xfrm>
+            <a:off x="0" y="0"/>
+            <a:ext cx="12192000" cy="764771"/>
+          </a:xfrm>
+          <a:prstGeom prst="rect">
+            <a:avLst/>
+          </a:prstGeom>
+          <a:solidFill>
+            <a:srgbClr val="7A0929"/>
+          </a:solidFill>
+          <a:ln>
+            <a:noFill/>
+          </a:ln>
+        </p:spPr>
+        <p:style>
+          <a:lnRef idx="2">
+            <a:schemeClr val="accent1">
+              <a:shade val="50000"/>
+            </a:schemeClr>
+          </a:lnRef>
+          <a:fillRef idx="1">
+            <a:schemeClr val="accent1"/>
+          </a:fillRef>
+          <a:effectRef idx="0">
+            <a:schemeClr val="accent1"/>
+          </a:effectRef>
+          <a:fontRef idx="minor">
+            <a:schemeClr val="lt1"/>
+          </a:fontRef>
+        </p:style>
+        <p:txBody>
+          <a:bodyPr rtlCol="0" anchor="ctr"/>
+          <a:lstStyle/>
+          <a:p>
+            <a:pPr algn="ctr"/>
+            <a:endParaRPr lang="ko-KR" altLang="en-US"/>
+          </a:p>
+        </p:txBody>
+      </p:sp>
+      <p:sp>
+        <p:nvSpPr>
+          <p:cNvPr id="10" name="제목 1"/>
+          <p:cNvSpPr txBox="1">
+            <a:spLocks/>
+          </p:cNvSpPr>
+          <p:nvPr/>
+        </p:nvSpPr>
+        <p:spPr>
+          <a:xfrm>
+            <a:off x="714894" y="263852"/>
+            <a:ext cx="3237674" cy="432897"/>
+          </a:xfrm>
+          <a:prstGeom prst="rect">
+            <a:avLst/>
+          </a:prstGeom>
+        </p:spPr>
+        <p:txBody>
+          <a:bodyPr vert="horz" lIns="91440" tIns="45720" rIns="91440" bIns="45720" rtlCol="0" anchor="ctr">
+            <a:noAutofit/>
+          </a:bodyPr>
+          <a:lstStyle>
+            <a:lvl1pPr algn="l" defTabSz="914400" rtl="0" eaLnBrk="1" latinLnBrk="1" hangingPunct="1">
+              <a:lnSpc>
+                <a:spcPct val="90000"/>
+              </a:lnSpc>
+              <a:spcBef>
+                <a:spcPct val="0"/>
+              </a:spcBef>
+              <a:buNone/>
+              <a:defRPr sz="4400" kern="1200">
+                <a:solidFill>
+                  <a:schemeClr val="tx1"/>
+                </a:solidFill>
+                <a:latin typeface="+mj-lt"/>
+                <a:ea typeface="+mj-ea"/>
+                <a:cs typeface="+mj-cs"/>
+              </a:defRPr>
+            </a:lvl1pPr>
+          </a:lstStyle>
+          <a:p>
+            <a:r>
+              <a:rPr lang="ko-KR" altLang="en-US" sz="3200" dirty="0" smtClean="0">
+                <a:solidFill>
+                  <a:schemeClr val="bg1"/>
+                </a:solidFill>
+              </a:rPr>
+              <a:t>프로젝트 설명</a:t>
+            </a:r>
+            <a:endParaRPr lang="ko-KR" altLang="en-US" sz="3200" dirty="0">
+              <a:solidFill>
+                <a:schemeClr val="bg1"/>
+              </a:solidFill>
+            </a:endParaRPr>
+          </a:p>
+        </p:txBody>
+      </p:sp>
     </p:spTree>
     <p:extLst>
       <p:ext uri="{BB962C8B-B14F-4D97-AF65-F5344CB8AC3E}">
@@ -4905,6 +5407,109 @@
           </a:prstGeom>
         </p:spPr>
       </p:pic>
+      <p:sp>
+        <p:nvSpPr>
+          <p:cNvPr id="7" name="직사각형 6"/>
+          <p:cNvSpPr/>
+          <p:nvPr/>
+        </p:nvSpPr>
+        <p:spPr>
+          <a:xfrm>
+            <a:off x="0" y="0"/>
+            <a:ext cx="12192000" cy="764771"/>
+          </a:xfrm>
+          <a:prstGeom prst="rect">
+            <a:avLst/>
+          </a:prstGeom>
+          <a:solidFill>
+            <a:srgbClr val="7A0929"/>
+          </a:solidFill>
+          <a:ln>
+            <a:noFill/>
+          </a:ln>
+        </p:spPr>
+        <p:style>
+          <a:lnRef idx="2">
+            <a:schemeClr val="accent1">
+              <a:shade val="50000"/>
+            </a:schemeClr>
+          </a:lnRef>
+          <a:fillRef idx="1">
+            <a:schemeClr val="accent1"/>
+          </a:fillRef>
+          <a:effectRef idx="0">
+            <a:schemeClr val="accent1"/>
+          </a:effectRef>
+          <a:fontRef idx="minor">
+            <a:schemeClr val="lt1"/>
+          </a:fontRef>
+        </p:style>
+        <p:txBody>
+          <a:bodyPr rtlCol="0" anchor="ctr"/>
+          <a:lstStyle/>
+          <a:p>
+            <a:pPr algn="ctr"/>
+            <a:endParaRPr lang="ko-KR" altLang="en-US"/>
+          </a:p>
+        </p:txBody>
+      </p:sp>
+      <p:sp>
+        <p:nvSpPr>
+          <p:cNvPr id="9" name="제목 1"/>
+          <p:cNvSpPr txBox="1">
+            <a:spLocks/>
+          </p:cNvSpPr>
+          <p:nvPr/>
+        </p:nvSpPr>
+        <p:spPr>
+          <a:xfrm>
+            <a:off x="714894" y="263852"/>
+            <a:ext cx="3237674" cy="432897"/>
+          </a:xfrm>
+          <a:prstGeom prst="rect">
+            <a:avLst/>
+          </a:prstGeom>
+        </p:spPr>
+        <p:txBody>
+          <a:bodyPr vert="horz" lIns="91440" tIns="45720" rIns="91440" bIns="45720" rtlCol="0" anchor="ctr">
+            <a:noAutofit/>
+          </a:bodyPr>
+          <a:lstStyle>
+            <a:lvl1pPr algn="l" defTabSz="914400" rtl="0" eaLnBrk="1" latinLnBrk="1" hangingPunct="1">
+              <a:lnSpc>
+                <a:spcPct val="90000"/>
+              </a:lnSpc>
+              <a:spcBef>
+                <a:spcPct val="0"/>
+              </a:spcBef>
+              <a:buNone/>
+              <a:defRPr sz="4400" kern="1200">
+                <a:solidFill>
+                  <a:schemeClr val="tx1"/>
+                </a:solidFill>
+                <a:latin typeface="+mj-lt"/>
+                <a:ea typeface="+mj-ea"/>
+                <a:cs typeface="+mj-cs"/>
+              </a:defRPr>
+            </a:lvl1pPr>
+          </a:lstStyle>
+          <a:p>
+            <a:r>
+              <a:rPr lang="ko-KR" altLang="en-US" sz="3200" dirty="0" smtClean="0">
+                <a:solidFill>
+                  <a:schemeClr val="bg1"/>
+                </a:solidFill>
+              </a:rPr>
+              <a:t>프로젝트 설명</a:t>
+            </a:r>
+            <a:endParaRPr lang="ko-KR" altLang="en-US" sz="3200" dirty="0">
+              <a:solidFill>
+                <a:schemeClr val="bg1"/>
+              </a:solidFill>
+            </a:endParaRPr>
+          </a:p>
+        </p:txBody>
+      </p:sp>
     </p:spTree>
     <p:extLst>
       <p:ext uri="{BB962C8B-B14F-4D97-AF65-F5344CB8AC3E}">
@@ -5004,11 +5609,7 @@
           <a:p>
             <a:r>
               <a:rPr lang="en-US" altLang="ko-KR" dirty="0" smtClean="0"/>
-              <a:t>10</a:t>
-            </a:r>
-            <a:r>
-              <a:rPr lang="en-US" altLang="ko-KR" dirty="0" smtClean="0"/>
-              <a:t>. </a:t>
+              <a:t>10. </a:t>
             </a:r>
             <a:r>
               <a:rPr lang="ko-KR" altLang="en-US" dirty="0" smtClean="0"/>
@@ -5147,6 +5748,109 @@
           </a:p>
         </p:txBody>
       </p:sp>
+      <p:sp>
+        <p:nvSpPr>
+          <p:cNvPr id="7" name="직사각형 6"/>
+          <p:cNvSpPr/>
+          <p:nvPr/>
+        </p:nvSpPr>
+        <p:spPr>
+          <a:xfrm>
+            <a:off x="0" y="0"/>
+            <a:ext cx="12192000" cy="764771"/>
+          </a:xfrm>
+          <a:prstGeom prst="rect">
+            <a:avLst/>
+          </a:prstGeom>
+          <a:solidFill>
+            <a:srgbClr val="7A0929"/>
+          </a:solidFill>
+          <a:ln>
+            <a:noFill/>
+          </a:ln>
+        </p:spPr>
+        <p:style>
+          <a:lnRef idx="2">
+            <a:schemeClr val="accent1">
+              <a:shade val="50000"/>
+            </a:schemeClr>
+          </a:lnRef>
+          <a:fillRef idx="1">
+            <a:schemeClr val="accent1"/>
+          </a:fillRef>
+          <a:effectRef idx="0">
+            <a:schemeClr val="accent1"/>
+          </a:effectRef>
+          <a:fontRef idx="minor">
+            <a:schemeClr val="lt1"/>
+          </a:fontRef>
+        </p:style>
+        <p:txBody>
+          <a:bodyPr rtlCol="0" anchor="ctr"/>
+          <a:lstStyle/>
+          <a:p>
+            <a:pPr algn="ctr"/>
+            <a:endParaRPr lang="ko-KR" altLang="en-US"/>
+          </a:p>
+        </p:txBody>
+      </p:sp>
+      <p:sp>
+        <p:nvSpPr>
+          <p:cNvPr id="9" name="제목 1"/>
+          <p:cNvSpPr txBox="1">
+            <a:spLocks/>
+          </p:cNvSpPr>
+          <p:nvPr/>
+        </p:nvSpPr>
+        <p:spPr>
+          <a:xfrm>
+            <a:off x="714894" y="263852"/>
+            <a:ext cx="3237674" cy="432897"/>
+          </a:xfrm>
+          <a:prstGeom prst="rect">
+            <a:avLst/>
+          </a:prstGeom>
+        </p:spPr>
+        <p:txBody>
+          <a:bodyPr vert="horz" lIns="91440" tIns="45720" rIns="91440" bIns="45720" rtlCol="0" anchor="ctr">
+            <a:noAutofit/>
+          </a:bodyPr>
+          <a:lstStyle>
+            <a:lvl1pPr algn="l" defTabSz="914400" rtl="0" eaLnBrk="1" latinLnBrk="1" hangingPunct="1">
+              <a:lnSpc>
+                <a:spcPct val="90000"/>
+              </a:lnSpc>
+              <a:spcBef>
+                <a:spcPct val="0"/>
+              </a:spcBef>
+              <a:buNone/>
+              <a:defRPr sz="4400" kern="1200">
+                <a:solidFill>
+                  <a:schemeClr val="tx1"/>
+                </a:solidFill>
+                <a:latin typeface="+mj-lt"/>
+                <a:ea typeface="+mj-ea"/>
+                <a:cs typeface="+mj-cs"/>
+              </a:defRPr>
+            </a:lvl1pPr>
+          </a:lstStyle>
+          <a:p>
+            <a:r>
+              <a:rPr lang="ko-KR" altLang="en-US" sz="3200" dirty="0" smtClean="0">
+                <a:solidFill>
+                  <a:schemeClr val="bg1"/>
+                </a:solidFill>
+              </a:rPr>
+              <a:t>프로젝트 설명</a:t>
+            </a:r>
+            <a:endParaRPr lang="ko-KR" altLang="en-US" sz="3200" dirty="0">
+              <a:solidFill>
+                <a:schemeClr val="bg1"/>
+              </a:solidFill>
+            </a:endParaRPr>
+          </a:p>
+        </p:txBody>
+      </p:sp>
     </p:spTree>
     <p:extLst>
       <p:ext uri="{BB962C8B-B14F-4D97-AF65-F5344CB8AC3E}">
@@ -5165,326 +5869,6 @@
       <p:transition/>
     </mc:Fallback>
   </mc:AlternateContent>
-  <p:timing>
-    <p:tnLst>
-      <p:par>
-        <p:cTn id="1" dur="indefinite" restart="never" nodeType="tmRoot"/>
-      </p:par>
-    </p:tnLst>
-  </p:timing>
-</p:sld>
-</file>
-
-<file path=ppt/slides/slide17.xml><?xml version="1.0" encoding="utf-8"?>
-<p:sld xmlns:a="http://schemas.openxmlformats.org/drawingml/2006/main" xmlns:r="http://schemas.openxmlformats.org/officeDocument/2006/relationships" xmlns:p="http://schemas.openxmlformats.org/presentationml/2006/main">
-  <p:cSld>
-    <p:bg>
-      <p:bgPr>
-        <a:solidFill>
-          <a:schemeClr val="bg1">
-            <a:lumMod val="85000"/>
-          </a:schemeClr>
-        </a:solidFill>
-        <a:effectLst/>
-      </p:bgPr>
-    </p:bg>
-    <p:spTree>
-      <p:nvGrpSpPr>
-        <p:cNvPr id="1" name=""/>
-        <p:cNvGrpSpPr/>
-        <p:nvPr/>
-      </p:nvGrpSpPr>
-      <p:grpSpPr>
-        <a:xfrm>
-          <a:off x="0" y="0"/>
-          <a:ext cx="0" cy="0"/>
-          <a:chOff x="0" y="0"/>
-          <a:chExt cx="0" cy="0"/>
-        </a:xfrm>
-      </p:grpSpPr>
-      <p:grpSp>
-        <p:nvGrpSpPr>
-          <p:cNvPr id="6" name="그룹 5"/>
-          <p:cNvGrpSpPr/>
-          <p:nvPr/>
-        </p:nvGrpSpPr>
-        <p:grpSpPr>
-          <a:xfrm>
-            <a:off x="0" y="757084"/>
-            <a:ext cx="4817805" cy="117988"/>
-            <a:chOff x="0" y="757084"/>
-            <a:chExt cx="4817805" cy="117988"/>
-          </a:xfrm>
-        </p:grpSpPr>
-        <p:sp>
-          <p:nvSpPr>
-            <p:cNvPr id="4" name="직사각형 3"/>
-            <p:cNvSpPr/>
-            <p:nvPr/>
-          </p:nvSpPr>
-          <p:spPr>
-            <a:xfrm>
-              <a:off x="0" y="757084"/>
-              <a:ext cx="4454013" cy="117987"/>
-            </a:xfrm>
-            <a:prstGeom prst="rect">
-              <a:avLst/>
-            </a:prstGeom>
-            <a:solidFill>
-              <a:schemeClr val="accent2">
-                <a:lumMod val="75000"/>
-              </a:schemeClr>
-            </a:solidFill>
-            <a:ln>
-              <a:noFill/>
-            </a:ln>
-          </p:spPr>
-          <p:style>
-            <a:lnRef idx="2">
-              <a:schemeClr val="accent1">
-                <a:shade val="50000"/>
-              </a:schemeClr>
-            </a:lnRef>
-            <a:fillRef idx="1">
-              <a:schemeClr val="accent1"/>
-            </a:fillRef>
-            <a:effectRef idx="0">
-              <a:schemeClr val="accent1"/>
-            </a:effectRef>
-            <a:fontRef idx="minor">
-              <a:schemeClr val="lt1"/>
-            </a:fontRef>
-          </p:style>
-          <p:txBody>
-            <a:bodyPr rtlCol="0" anchor="ctr"/>
-            <a:lstStyle/>
-            <a:p>
-              <a:pPr algn="ctr"/>
-              <a:endParaRPr lang="ko-KR" altLang="en-US"/>
-            </a:p>
-          </p:txBody>
-        </p:sp>
-        <p:sp>
-          <p:nvSpPr>
-            <p:cNvPr id="5" name="이등변 삼각형 4"/>
-            <p:cNvSpPr/>
-            <p:nvPr/>
-          </p:nvSpPr>
-          <p:spPr>
-            <a:xfrm rot="5400000">
-              <a:off x="4576915" y="634181"/>
-              <a:ext cx="117988" cy="363793"/>
-            </a:xfrm>
-            <a:prstGeom prst="triangle">
-              <a:avLst/>
-            </a:prstGeom>
-            <a:solidFill>
-              <a:schemeClr val="accent2">
-                <a:lumMod val="75000"/>
-              </a:schemeClr>
-            </a:solidFill>
-            <a:ln>
-              <a:noFill/>
-            </a:ln>
-          </p:spPr>
-          <p:style>
-            <a:lnRef idx="2">
-              <a:schemeClr val="accent1">
-                <a:shade val="50000"/>
-              </a:schemeClr>
-            </a:lnRef>
-            <a:fillRef idx="1">
-              <a:schemeClr val="accent1"/>
-            </a:fillRef>
-            <a:effectRef idx="0">
-              <a:schemeClr val="accent1"/>
-            </a:effectRef>
-            <a:fontRef idx="minor">
-              <a:schemeClr val="lt1"/>
-            </a:fontRef>
-          </p:style>
-          <p:txBody>
-            <a:bodyPr rtlCol="0" anchor="ctr"/>
-            <a:lstStyle/>
-            <a:p>
-              <a:pPr algn="ctr"/>
-              <a:endParaRPr lang="ko-KR" altLang="en-US"/>
-            </a:p>
-          </p:txBody>
-        </p:sp>
-      </p:grpSp>
-      <p:sp>
-        <p:nvSpPr>
-          <p:cNvPr id="9" name="제목 1"/>
-          <p:cNvSpPr>
-            <a:spLocks noGrp="1"/>
-          </p:cNvSpPr>
-          <p:nvPr>
-            <p:ph type="title"/>
-          </p:nvPr>
-        </p:nvSpPr>
-        <p:spPr>
-          <a:xfrm>
-            <a:off x="714894" y="273684"/>
-            <a:ext cx="8438804" cy="432897"/>
-          </a:xfrm>
-        </p:spPr>
-        <p:txBody>
-          <a:bodyPr>
-            <a:normAutofit fontScale="90000"/>
-          </a:bodyPr>
-          <a:lstStyle/>
-          <a:p>
-            <a:r>
-              <a:rPr lang="ko-KR" altLang="en-US" dirty="0" smtClean="0"/>
-              <a:t>프로젝트 개요</a:t>
-            </a:r>
-            <a:endParaRPr lang="ko-KR" altLang="en-US" dirty="0"/>
-          </a:p>
-        </p:txBody>
-      </p:sp>
-      <p:sp>
-        <p:nvSpPr>
-          <p:cNvPr id="10" name="TextBox 9"/>
-          <p:cNvSpPr txBox="1"/>
-          <p:nvPr/>
-        </p:nvSpPr>
-        <p:spPr>
-          <a:xfrm>
-            <a:off x="1296786" y="1230283"/>
-            <a:ext cx="5486400" cy="4247317"/>
-          </a:xfrm>
-          <a:prstGeom prst="rect">
-            <a:avLst/>
-          </a:prstGeom>
-          <a:noFill/>
-        </p:spPr>
-        <p:txBody>
-          <a:bodyPr wrap="square" rtlCol="0">
-            <a:spAutoFit/>
-          </a:bodyPr>
-          <a:lstStyle/>
-          <a:p>
-            <a:pPr marL="342900" indent="-342900">
-              <a:lnSpc>
-                <a:spcPct val="300000"/>
-              </a:lnSpc>
-              <a:buAutoNum type="arabicPeriod"/>
-            </a:pPr>
-            <a:r>
-              <a:rPr lang="ko-KR" altLang="en-US" dirty="0" smtClean="0"/>
-              <a:t>로그인</a:t>
-            </a:r>
-            <a:r>
-              <a:rPr lang="en-US" altLang="ko-KR" dirty="0" smtClean="0"/>
-              <a:t>, </a:t>
-            </a:r>
-            <a:r>
-              <a:rPr lang="ko-KR" altLang="en-US" dirty="0" smtClean="0"/>
-              <a:t>회원가입 기능 구현</a:t>
-            </a:r>
-            <a:endParaRPr lang="en-US" altLang="ko-KR" dirty="0" smtClean="0"/>
-          </a:p>
-          <a:p>
-            <a:pPr marL="342900" indent="-342900">
-              <a:lnSpc>
-                <a:spcPct val="300000"/>
-              </a:lnSpc>
-              <a:buAutoNum type="arabicPeriod"/>
-            </a:pPr>
-            <a:r>
-              <a:rPr lang="ko-KR" altLang="en-US" dirty="0" smtClean="0"/>
-              <a:t>회원 정보 수정</a:t>
-            </a:r>
-            <a:r>
-              <a:rPr lang="en-US" altLang="ko-KR" dirty="0" smtClean="0"/>
-              <a:t>, </a:t>
-            </a:r>
-            <a:r>
-              <a:rPr lang="ko-KR" altLang="en-US" dirty="0" smtClean="0"/>
-              <a:t>삭제 기능 구현</a:t>
-            </a:r>
-            <a:endParaRPr lang="en-US" altLang="ko-KR" dirty="0" smtClean="0"/>
-          </a:p>
-          <a:p>
-            <a:pPr marL="342900" indent="-342900">
-              <a:lnSpc>
-                <a:spcPct val="300000"/>
-              </a:lnSpc>
-              <a:buAutoNum type="arabicPeriod"/>
-            </a:pPr>
-            <a:r>
-              <a:rPr lang="ko-KR" altLang="en-US" dirty="0" err="1" smtClean="0"/>
-              <a:t>숫자야구</a:t>
-            </a:r>
-            <a:r>
-              <a:rPr lang="ko-KR" altLang="en-US" dirty="0" smtClean="0"/>
-              <a:t> 게임 기능 구현</a:t>
-            </a:r>
-            <a:endParaRPr lang="en-US" altLang="ko-KR" dirty="0" smtClean="0"/>
-          </a:p>
-          <a:p>
-            <a:pPr marL="342900" indent="-342900">
-              <a:lnSpc>
-                <a:spcPct val="300000"/>
-              </a:lnSpc>
-              <a:buAutoNum type="arabicPeriod"/>
-            </a:pPr>
-            <a:r>
-              <a:rPr lang="ko-KR" altLang="en-US" dirty="0" smtClean="0"/>
-              <a:t>게임으로 포인트 획득 및 포인트 랭킹 구현</a:t>
-            </a:r>
-            <a:endParaRPr lang="en-US" altLang="ko-KR" dirty="0" smtClean="0"/>
-          </a:p>
-          <a:p>
-            <a:pPr marL="342900" indent="-342900">
-              <a:lnSpc>
-                <a:spcPct val="300000"/>
-              </a:lnSpc>
-              <a:buAutoNum type="arabicPeriod"/>
-            </a:pPr>
-            <a:r>
-              <a:rPr lang="ko-KR" altLang="en-US" dirty="0" smtClean="0"/>
-              <a:t>자유게시판</a:t>
-            </a:r>
-            <a:r>
-              <a:rPr lang="en-US" altLang="ko-KR" dirty="0" smtClean="0"/>
-              <a:t>(</a:t>
-            </a:r>
-            <a:r>
-              <a:rPr lang="ko-KR" altLang="en-US" dirty="0" err="1" smtClean="0"/>
-              <a:t>게시글</a:t>
-            </a:r>
-            <a:r>
-              <a:rPr lang="en-US" altLang="ko-KR" dirty="0" smtClean="0"/>
-              <a:t>, </a:t>
-            </a:r>
-            <a:r>
-              <a:rPr lang="ko-KR" altLang="en-US" dirty="0" smtClean="0"/>
-              <a:t>댓글</a:t>
-            </a:r>
-            <a:r>
-              <a:rPr lang="en-US" altLang="ko-KR" dirty="0" smtClean="0"/>
-              <a:t>) </a:t>
-            </a:r>
-            <a:r>
-              <a:rPr lang="ko-KR" altLang="en-US" dirty="0" smtClean="0"/>
-              <a:t>기능 구현</a:t>
-            </a:r>
-            <a:endParaRPr lang="ko-KR" altLang="en-US" dirty="0"/>
-          </a:p>
-        </p:txBody>
-      </p:sp>
-    </p:spTree>
-    <p:extLst>
-      <p:ext uri="{BB962C8B-B14F-4D97-AF65-F5344CB8AC3E}">
-        <p14:creationId xmlns:p14="http://schemas.microsoft.com/office/powerpoint/2010/main" val="4056886896"/>
-      </p:ext>
-    </p:extLst>
-  </p:cSld>
-  <p:clrMapOvr>
-    <a:masterClrMapping/>
-  </p:clrMapOvr>
   <p:timing>
     <p:tnLst>
       <p:par>
@@ -5582,11 +5966,7 @@
             </a:pPr>
             <a:r>
               <a:rPr lang="ko-KR" altLang="en-US" sz="2400" dirty="0" smtClean="0"/>
-              <a:t>프로젝트 </a:t>
-            </a:r>
-            <a:r>
-              <a:rPr lang="ko-KR" altLang="en-US" sz="2400" dirty="0" smtClean="0"/>
-              <a:t>개요</a:t>
+              <a:t>프로젝트 개요</a:t>
             </a:r>
             <a:endParaRPr lang="en-US" altLang="ko-KR" sz="2400" dirty="0" smtClean="0"/>
           </a:p>
@@ -5975,8 +6355,8 @@
         </p:nvSpPr>
         <p:spPr>
           <a:xfrm>
-            <a:off x="714894" y="273684"/>
-            <a:ext cx="8438804" cy="432897"/>
+            <a:off x="714894" y="263852"/>
+            <a:ext cx="3237674" cy="432897"/>
           </a:xfrm>
         </p:spPr>
         <p:txBody>
@@ -6221,6 +6601,52 @@
       </p:grpSpPr>
       <p:sp>
         <p:nvSpPr>
+          <p:cNvPr id="5" name="직사각형 4"/>
+          <p:cNvSpPr/>
+          <p:nvPr/>
+        </p:nvSpPr>
+        <p:spPr>
+          <a:xfrm>
+            <a:off x="0" y="0"/>
+            <a:ext cx="12192000" cy="764771"/>
+          </a:xfrm>
+          <a:prstGeom prst="rect">
+            <a:avLst/>
+          </a:prstGeom>
+          <a:solidFill>
+            <a:srgbClr val="7A0929"/>
+          </a:solidFill>
+          <a:ln>
+            <a:noFill/>
+          </a:ln>
+        </p:spPr>
+        <p:style>
+          <a:lnRef idx="2">
+            <a:schemeClr val="accent1">
+              <a:shade val="50000"/>
+            </a:schemeClr>
+          </a:lnRef>
+          <a:fillRef idx="1">
+            <a:schemeClr val="accent1"/>
+          </a:fillRef>
+          <a:effectRef idx="0">
+            <a:schemeClr val="accent1"/>
+          </a:effectRef>
+          <a:fontRef idx="minor">
+            <a:schemeClr val="lt1"/>
+          </a:fontRef>
+        </p:style>
+        <p:txBody>
+          <a:bodyPr rtlCol="0" anchor="ctr"/>
+          <a:lstStyle/>
+          <a:p>
+            <a:pPr algn="ctr"/>
+            <a:endParaRPr lang="ko-KR" altLang="en-US"/>
+          </a:p>
+        </p:txBody>
+      </p:sp>
+      <p:sp>
+        <p:nvSpPr>
           <p:cNvPr id="2" name="제목 1"/>
           <p:cNvSpPr>
             <a:spLocks noGrp="1"/>
@@ -6344,6 +6770,109 @@
               <a:rPr lang="en-US" altLang="ko-KR" dirty="0" smtClean="0"/>
               <a:t>- 2023. 3. 29. ~  2023. 4. 4.</a:t>
             </a:r>
+          </a:p>
+        </p:txBody>
+      </p:sp>
+      <p:sp>
+        <p:nvSpPr>
+          <p:cNvPr id="6" name="직사각형 5"/>
+          <p:cNvSpPr/>
+          <p:nvPr/>
+        </p:nvSpPr>
+        <p:spPr>
+          <a:xfrm>
+            <a:off x="0" y="0"/>
+            <a:ext cx="12192000" cy="764771"/>
+          </a:xfrm>
+          <a:prstGeom prst="rect">
+            <a:avLst/>
+          </a:prstGeom>
+          <a:solidFill>
+            <a:srgbClr val="7A0929"/>
+          </a:solidFill>
+          <a:ln>
+            <a:noFill/>
+          </a:ln>
+        </p:spPr>
+        <p:style>
+          <a:lnRef idx="2">
+            <a:schemeClr val="accent1">
+              <a:shade val="50000"/>
+            </a:schemeClr>
+          </a:lnRef>
+          <a:fillRef idx="1">
+            <a:schemeClr val="accent1"/>
+          </a:fillRef>
+          <a:effectRef idx="0">
+            <a:schemeClr val="accent1"/>
+          </a:effectRef>
+          <a:fontRef idx="minor">
+            <a:schemeClr val="lt1"/>
+          </a:fontRef>
+        </p:style>
+        <p:txBody>
+          <a:bodyPr rtlCol="0" anchor="ctr"/>
+          <a:lstStyle/>
+          <a:p>
+            <a:pPr algn="ctr"/>
+            <a:endParaRPr lang="ko-KR" altLang="en-US"/>
+          </a:p>
+        </p:txBody>
+      </p:sp>
+      <p:sp>
+        <p:nvSpPr>
+          <p:cNvPr id="7" name="제목 1"/>
+          <p:cNvSpPr txBox="1">
+            <a:spLocks/>
+          </p:cNvSpPr>
+          <p:nvPr/>
+        </p:nvSpPr>
+        <p:spPr>
+          <a:xfrm>
+            <a:off x="714894" y="263852"/>
+            <a:ext cx="3237674" cy="432897"/>
+          </a:xfrm>
+          <a:prstGeom prst="rect">
+            <a:avLst/>
+          </a:prstGeom>
+        </p:spPr>
+        <p:txBody>
+          <a:bodyPr vert="horz" lIns="91440" tIns="45720" rIns="91440" bIns="45720" rtlCol="0" anchor="ctr">
+            <a:noAutofit/>
+          </a:bodyPr>
+          <a:lstStyle>
+            <a:lvl1pPr algn="l" defTabSz="914400" rtl="0" eaLnBrk="1" latinLnBrk="1" hangingPunct="1">
+              <a:lnSpc>
+                <a:spcPct val="90000"/>
+              </a:lnSpc>
+              <a:spcBef>
+                <a:spcPct val="0"/>
+              </a:spcBef>
+              <a:buNone/>
+              <a:defRPr sz="4400" kern="1200">
+                <a:solidFill>
+                  <a:schemeClr val="tx1"/>
+                </a:solidFill>
+                <a:latin typeface="+mj-lt"/>
+                <a:ea typeface="+mj-ea"/>
+                <a:cs typeface="+mj-cs"/>
+              </a:defRPr>
+            </a:lvl1pPr>
+          </a:lstStyle>
+          <a:p>
+            <a:r>
+              <a:rPr lang="ko-KR" altLang="en-US" sz="3200" smtClean="0">
+                <a:solidFill>
+                  <a:schemeClr val="bg1"/>
+                </a:solidFill>
+              </a:rPr>
+              <a:t>프로젝트 개요</a:t>
+            </a:r>
+            <a:endParaRPr lang="ko-KR" altLang="en-US" sz="3200" dirty="0">
+              <a:solidFill>
+                <a:schemeClr val="bg1"/>
+              </a:solidFill>
+            </a:endParaRPr>
           </a:p>
         </p:txBody>
       </p:sp>
@@ -6484,6 +7013,109 @@
           </a:prstGeom>
         </p:spPr>
       </p:pic>
+      <p:sp>
+        <p:nvSpPr>
+          <p:cNvPr id="5" name="직사각형 4"/>
+          <p:cNvSpPr/>
+          <p:nvPr/>
+        </p:nvSpPr>
+        <p:spPr>
+          <a:xfrm>
+            <a:off x="0" y="0"/>
+            <a:ext cx="12192000" cy="764771"/>
+          </a:xfrm>
+          <a:prstGeom prst="rect">
+            <a:avLst/>
+          </a:prstGeom>
+          <a:solidFill>
+            <a:srgbClr val="7A0929"/>
+          </a:solidFill>
+          <a:ln>
+            <a:noFill/>
+          </a:ln>
+        </p:spPr>
+        <p:style>
+          <a:lnRef idx="2">
+            <a:schemeClr val="accent1">
+              <a:shade val="50000"/>
+            </a:schemeClr>
+          </a:lnRef>
+          <a:fillRef idx="1">
+            <a:schemeClr val="accent1"/>
+          </a:fillRef>
+          <a:effectRef idx="0">
+            <a:schemeClr val="accent1"/>
+          </a:effectRef>
+          <a:fontRef idx="minor">
+            <a:schemeClr val="lt1"/>
+          </a:fontRef>
+        </p:style>
+        <p:txBody>
+          <a:bodyPr rtlCol="0" anchor="ctr"/>
+          <a:lstStyle/>
+          <a:p>
+            <a:pPr algn="ctr"/>
+            <a:endParaRPr lang="ko-KR" altLang="en-US"/>
+          </a:p>
+        </p:txBody>
+      </p:sp>
+      <p:sp>
+        <p:nvSpPr>
+          <p:cNvPr id="6" name="제목 1"/>
+          <p:cNvSpPr txBox="1">
+            <a:spLocks/>
+          </p:cNvSpPr>
+          <p:nvPr/>
+        </p:nvSpPr>
+        <p:spPr>
+          <a:xfrm>
+            <a:off x="714894" y="263852"/>
+            <a:ext cx="3237674" cy="432897"/>
+          </a:xfrm>
+          <a:prstGeom prst="rect">
+            <a:avLst/>
+          </a:prstGeom>
+        </p:spPr>
+        <p:txBody>
+          <a:bodyPr vert="horz" lIns="91440" tIns="45720" rIns="91440" bIns="45720" rtlCol="0" anchor="ctr">
+            <a:noAutofit/>
+          </a:bodyPr>
+          <a:lstStyle>
+            <a:lvl1pPr algn="l" defTabSz="914400" rtl="0" eaLnBrk="1" latinLnBrk="1" hangingPunct="1">
+              <a:lnSpc>
+                <a:spcPct val="90000"/>
+              </a:lnSpc>
+              <a:spcBef>
+                <a:spcPct val="0"/>
+              </a:spcBef>
+              <a:buNone/>
+              <a:defRPr sz="4400" kern="1200">
+                <a:solidFill>
+                  <a:schemeClr val="tx1"/>
+                </a:solidFill>
+                <a:latin typeface="+mj-lt"/>
+                <a:ea typeface="+mj-ea"/>
+                <a:cs typeface="+mj-cs"/>
+              </a:defRPr>
+            </a:lvl1pPr>
+          </a:lstStyle>
+          <a:p>
+            <a:r>
+              <a:rPr lang="ko-KR" altLang="en-US" sz="3200" dirty="0" smtClean="0">
+                <a:solidFill>
+                  <a:schemeClr val="bg1"/>
+                </a:solidFill>
+              </a:rPr>
+              <a:t>프로젝트 설명</a:t>
+            </a:r>
+            <a:endParaRPr lang="ko-KR" altLang="en-US" sz="3200" dirty="0">
+              <a:solidFill>
+                <a:schemeClr val="bg1"/>
+              </a:solidFill>
+            </a:endParaRPr>
+          </a:p>
+        </p:txBody>
+      </p:sp>
     </p:spTree>
     <p:extLst>
       <p:ext uri="{BB962C8B-B14F-4D97-AF65-F5344CB8AC3E}">
@@ -6507,16 +7139,6 @@
 <file path=ppt/slides/slide6.xml><?xml version="1.0" encoding="utf-8"?>
 <p:sld xmlns:a="http://schemas.openxmlformats.org/drawingml/2006/main" xmlns:r="http://schemas.openxmlformats.org/officeDocument/2006/relationships" xmlns:p="http://schemas.openxmlformats.org/presentationml/2006/main">
   <p:cSld>
-    <p:bg>
-      <p:bgPr>
-        <a:solidFill>
-          <a:schemeClr val="bg1">
-            <a:lumMod val="85000"/>
-          </a:schemeClr>
-        </a:solidFill>
-        <a:effectLst/>
-      </p:bgPr>
-    </p:bg>
     <p:spTree>
       <p:nvGrpSpPr>
         <p:cNvPr id="1" name=""/>
@@ -6803,6 +7425,109 @@
           </a:prstGeom>
         </p:spPr>
       </p:pic>
+      <p:sp>
+        <p:nvSpPr>
+          <p:cNvPr id="10" name="직사각형 9"/>
+          <p:cNvSpPr/>
+          <p:nvPr/>
+        </p:nvSpPr>
+        <p:spPr>
+          <a:xfrm>
+            <a:off x="0" y="0"/>
+            <a:ext cx="12192000" cy="764771"/>
+          </a:xfrm>
+          <a:prstGeom prst="rect">
+            <a:avLst/>
+          </a:prstGeom>
+          <a:solidFill>
+            <a:srgbClr val="7A0929"/>
+          </a:solidFill>
+          <a:ln>
+            <a:noFill/>
+          </a:ln>
+        </p:spPr>
+        <p:style>
+          <a:lnRef idx="2">
+            <a:schemeClr val="accent1">
+              <a:shade val="50000"/>
+            </a:schemeClr>
+          </a:lnRef>
+          <a:fillRef idx="1">
+            <a:schemeClr val="accent1"/>
+          </a:fillRef>
+          <a:effectRef idx="0">
+            <a:schemeClr val="accent1"/>
+          </a:effectRef>
+          <a:fontRef idx="minor">
+            <a:schemeClr val="lt1"/>
+          </a:fontRef>
+        </p:style>
+        <p:txBody>
+          <a:bodyPr rtlCol="0" anchor="ctr"/>
+          <a:lstStyle/>
+          <a:p>
+            <a:pPr algn="ctr"/>
+            <a:endParaRPr lang="ko-KR" altLang="en-US"/>
+          </a:p>
+        </p:txBody>
+      </p:sp>
+      <p:sp>
+        <p:nvSpPr>
+          <p:cNvPr id="13" name="제목 1"/>
+          <p:cNvSpPr txBox="1">
+            <a:spLocks/>
+          </p:cNvSpPr>
+          <p:nvPr/>
+        </p:nvSpPr>
+        <p:spPr>
+          <a:xfrm>
+            <a:off x="714894" y="263852"/>
+            <a:ext cx="3237674" cy="432897"/>
+          </a:xfrm>
+          <a:prstGeom prst="rect">
+            <a:avLst/>
+          </a:prstGeom>
+        </p:spPr>
+        <p:txBody>
+          <a:bodyPr vert="horz" lIns="91440" tIns="45720" rIns="91440" bIns="45720" rtlCol="0" anchor="ctr">
+            <a:noAutofit/>
+          </a:bodyPr>
+          <a:lstStyle>
+            <a:lvl1pPr algn="l" defTabSz="914400" rtl="0" eaLnBrk="1" latinLnBrk="1" hangingPunct="1">
+              <a:lnSpc>
+                <a:spcPct val="90000"/>
+              </a:lnSpc>
+              <a:spcBef>
+                <a:spcPct val="0"/>
+              </a:spcBef>
+              <a:buNone/>
+              <a:defRPr sz="4400" kern="1200">
+                <a:solidFill>
+                  <a:schemeClr val="tx1"/>
+                </a:solidFill>
+                <a:latin typeface="+mj-lt"/>
+                <a:ea typeface="+mj-ea"/>
+                <a:cs typeface="+mj-cs"/>
+              </a:defRPr>
+            </a:lvl1pPr>
+          </a:lstStyle>
+          <a:p>
+            <a:r>
+              <a:rPr lang="ko-KR" altLang="en-US" sz="3200" dirty="0" smtClean="0">
+                <a:solidFill>
+                  <a:schemeClr val="bg1"/>
+                </a:solidFill>
+              </a:rPr>
+              <a:t>프로젝트 설명</a:t>
+            </a:r>
+            <a:endParaRPr lang="ko-KR" altLang="en-US" sz="3200" dirty="0">
+              <a:solidFill>
+                <a:schemeClr val="bg1"/>
+              </a:solidFill>
+            </a:endParaRPr>
+          </a:p>
+        </p:txBody>
+      </p:sp>
     </p:spTree>
     <p:extLst>
       <p:ext uri="{BB962C8B-B14F-4D97-AF65-F5344CB8AC3E}">
@@ -6826,16 +7551,6 @@
 <file path=ppt/slides/slide7.xml><?xml version="1.0" encoding="utf-8"?>
 <p:sld xmlns:a="http://schemas.openxmlformats.org/drawingml/2006/main" xmlns:r="http://schemas.openxmlformats.org/officeDocument/2006/relationships" xmlns:p="http://schemas.openxmlformats.org/presentationml/2006/main">
   <p:cSld>
-    <p:bg>
-      <p:bgPr>
-        <a:solidFill>
-          <a:schemeClr val="bg1">
-            <a:lumMod val="85000"/>
-          </a:schemeClr>
-        </a:solidFill>
-        <a:effectLst/>
-      </p:bgPr>
-    </p:bg>
     <p:spTree>
       <p:nvGrpSpPr>
         <p:cNvPr id="1" name=""/>
@@ -7129,6 +7844,109 @@
           </a:prstGeom>
         </p:spPr>
       </p:pic>
+      <p:sp>
+        <p:nvSpPr>
+          <p:cNvPr id="10" name="직사각형 9"/>
+          <p:cNvSpPr/>
+          <p:nvPr/>
+        </p:nvSpPr>
+        <p:spPr>
+          <a:xfrm>
+            <a:off x="0" y="0"/>
+            <a:ext cx="12192000" cy="764771"/>
+          </a:xfrm>
+          <a:prstGeom prst="rect">
+            <a:avLst/>
+          </a:prstGeom>
+          <a:solidFill>
+            <a:srgbClr val="7A0929"/>
+          </a:solidFill>
+          <a:ln>
+            <a:noFill/>
+          </a:ln>
+        </p:spPr>
+        <p:style>
+          <a:lnRef idx="2">
+            <a:schemeClr val="accent1">
+              <a:shade val="50000"/>
+            </a:schemeClr>
+          </a:lnRef>
+          <a:fillRef idx="1">
+            <a:schemeClr val="accent1"/>
+          </a:fillRef>
+          <a:effectRef idx="0">
+            <a:schemeClr val="accent1"/>
+          </a:effectRef>
+          <a:fontRef idx="minor">
+            <a:schemeClr val="lt1"/>
+          </a:fontRef>
+        </p:style>
+        <p:txBody>
+          <a:bodyPr rtlCol="0" anchor="ctr"/>
+          <a:lstStyle/>
+          <a:p>
+            <a:pPr algn="ctr"/>
+            <a:endParaRPr lang="ko-KR" altLang="en-US"/>
+          </a:p>
+        </p:txBody>
+      </p:sp>
+      <p:sp>
+        <p:nvSpPr>
+          <p:cNvPr id="11" name="제목 1"/>
+          <p:cNvSpPr txBox="1">
+            <a:spLocks/>
+          </p:cNvSpPr>
+          <p:nvPr/>
+        </p:nvSpPr>
+        <p:spPr>
+          <a:xfrm>
+            <a:off x="714894" y="263852"/>
+            <a:ext cx="3237674" cy="432897"/>
+          </a:xfrm>
+          <a:prstGeom prst="rect">
+            <a:avLst/>
+          </a:prstGeom>
+        </p:spPr>
+        <p:txBody>
+          <a:bodyPr vert="horz" lIns="91440" tIns="45720" rIns="91440" bIns="45720" rtlCol="0" anchor="ctr">
+            <a:noAutofit/>
+          </a:bodyPr>
+          <a:lstStyle>
+            <a:lvl1pPr algn="l" defTabSz="914400" rtl="0" eaLnBrk="1" latinLnBrk="1" hangingPunct="1">
+              <a:lnSpc>
+                <a:spcPct val="90000"/>
+              </a:lnSpc>
+              <a:spcBef>
+                <a:spcPct val="0"/>
+              </a:spcBef>
+              <a:buNone/>
+              <a:defRPr sz="4400" kern="1200">
+                <a:solidFill>
+                  <a:schemeClr val="tx1"/>
+                </a:solidFill>
+                <a:latin typeface="+mj-lt"/>
+                <a:ea typeface="+mj-ea"/>
+                <a:cs typeface="+mj-cs"/>
+              </a:defRPr>
+            </a:lvl1pPr>
+          </a:lstStyle>
+          <a:p>
+            <a:r>
+              <a:rPr lang="ko-KR" altLang="en-US" sz="3200" dirty="0" smtClean="0">
+                <a:solidFill>
+                  <a:schemeClr val="bg1"/>
+                </a:solidFill>
+              </a:rPr>
+              <a:t>프로젝트 설명</a:t>
+            </a:r>
+            <a:endParaRPr lang="ko-KR" altLang="en-US" sz="3200" dirty="0">
+              <a:solidFill>
+                <a:schemeClr val="bg1"/>
+              </a:solidFill>
+            </a:endParaRPr>
+          </a:p>
+        </p:txBody>
+      </p:sp>
     </p:spTree>
     <p:extLst>
       <p:ext uri="{BB962C8B-B14F-4D97-AF65-F5344CB8AC3E}">
@@ -7160,16 +7978,6 @@
 <file path=ppt/slides/slide8.xml><?xml version="1.0" encoding="utf-8"?>
 <p:sld xmlns:a="http://schemas.openxmlformats.org/drawingml/2006/main" xmlns:r="http://schemas.openxmlformats.org/officeDocument/2006/relationships" xmlns:p="http://schemas.openxmlformats.org/presentationml/2006/main">
   <p:cSld>
-    <p:bg>
-      <p:bgPr>
-        <a:solidFill>
-          <a:schemeClr val="bg1">
-            <a:lumMod val="85000"/>
-          </a:schemeClr>
-        </a:solidFill>
-        <a:effectLst/>
-      </p:bgPr>
-    </p:bg>
     <p:spTree>
       <p:nvGrpSpPr>
         <p:cNvPr id="1" name=""/>
@@ -7456,6 +8264,109 @@
           </a:prstGeom>
         </p:spPr>
       </p:pic>
+      <p:sp>
+        <p:nvSpPr>
+          <p:cNvPr id="10" name="직사각형 9"/>
+          <p:cNvSpPr/>
+          <p:nvPr/>
+        </p:nvSpPr>
+        <p:spPr>
+          <a:xfrm>
+            <a:off x="0" y="0"/>
+            <a:ext cx="12192000" cy="764771"/>
+          </a:xfrm>
+          <a:prstGeom prst="rect">
+            <a:avLst/>
+          </a:prstGeom>
+          <a:solidFill>
+            <a:srgbClr val="7A0929"/>
+          </a:solidFill>
+          <a:ln>
+            <a:noFill/>
+          </a:ln>
+        </p:spPr>
+        <p:style>
+          <a:lnRef idx="2">
+            <a:schemeClr val="accent1">
+              <a:shade val="50000"/>
+            </a:schemeClr>
+          </a:lnRef>
+          <a:fillRef idx="1">
+            <a:schemeClr val="accent1"/>
+          </a:fillRef>
+          <a:effectRef idx="0">
+            <a:schemeClr val="accent1"/>
+          </a:effectRef>
+          <a:fontRef idx="minor">
+            <a:schemeClr val="lt1"/>
+          </a:fontRef>
+        </p:style>
+        <p:txBody>
+          <a:bodyPr rtlCol="0" anchor="ctr"/>
+          <a:lstStyle/>
+          <a:p>
+            <a:pPr algn="ctr"/>
+            <a:endParaRPr lang="ko-KR" altLang="en-US"/>
+          </a:p>
+        </p:txBody>
+      </p:sp>
+      <p:sp>
+        <p:nvSpPr>
+          <p:cNvPr id="11" name="제목 1"/>
+          <p:cNvSpPr txBox="1">
+            <a:spLocks/>
+          </p:cNvSpPr>
+          <p:nvPr/>
+        </p:nvSpPr>
+        <p:spPr>
+          <a:xfrm>
+            <a:off x="714894" y="263852"/>
+            <a:ext cx="3237674" cy="432897"/>
+          </a:xfrm>
+          <a:prstGeom prst="rect">
+            <a:avLst/>
+          </a:prstGeom>
+        </p:spPr>
+        <p:txBody>
+          <a:bodyPr vert="horz" lIns="91440" tIns="45720" rIns="91440" bIns="45720" rtlCol="0" anchor="ctr">
+            <a:noAutofit/>
+          </a:bodyPr>
+          <a:lstStyle>
+            <a:lvl1pPr algn="l" defTabSz="914400" rtl="0" eaLnBrk="1" latinLnBrk="1" hangingPunct="1">
+              <a:lnSpc>
+                <a:spcPct val="90000"/>
+              </a:lnSpc>
+              <a:spcBef>
+                <a:spcPct val="0"/>
+              </a:spcBef>
+              <a:buNone/>
+              <a:defRPr sz="4400" kern="1200">
+                <a:solidFill>
+                  <a:schemeClr val="tx1"/>
+                </a:solidFill>
+                <a:latin typeface="+mj-lt"/>
+                <a:ea typeface="+mj-ea"/>
+                <a:cs typeface="+mj-cs"/>
+              </a:defRPr>
+            </a:lvl1pPr>
+          </a:lstStyle>
+          <a:p>
+            <a:r>
+              <a:rPr lang="ko-KR" altLang="en-US" sz="3200" dirty="0" smtClean="0">
+                <a:solidFill>
+                  <a:schemeClr val="bg1"/>
+                </a:solidFill>
+              </a:rPr>
+              <a:t>프로젝트 설명</a:t>
+            </a:r>
+            <a:endParaRPr lang="ko-KR" altLang="en-US" sz="3200" dirty="0">
+              <a:solidFill>
+                <a:schemeClr val="bg1"/>
+              </a:solidFill>
+            </a:endParaRPr>
+          </a:p>
+        </p:txBody>
+      </p:sp>
     </p:spTree>
     <p:extLst>
       <p:ext uri="{BB962C8B-B14F-4D97-AF65-F5344CB8AC3E}">
@@ -7487,16 +8398,6 @@
 <file path=ppt/slides/slide9.xml><?xml version="1.0" encoding="utf-8"?>
 <p:sld xmlns:a="http://schemas.openxmlformats.org/drawingml/2006/main" xmlns:r="http://schemas.openxmlformats.org/officeDocument/2006/relationships" xmlns:p="http://schemas.openxmlformats.org/presentationml/2006/main">
   <p:cSld>
-    <p:bg>
-      <p:bgPr>
-        <a:solidFill>
-          <a:schemeClr val="bg1">
-            <a:lumMod val="85000"/>
-          </a:schemeClr>
-        </a:solidFill>
-        <a:effectLst/>
-      </p:bgPr>
-    </p:bg>
     <p:spTree>
       <p:nvGrpSpPr>
         <p:cNvPr id="1" name=""/>
@@ -7741,6 +8642,109 @@
           </a:prstGeom>
         </p:spPr>
       </p:pic>
+      <p:sp>
+        <p:nvSpPr>
+          <p:cNvPr id="10" name="직사각형 9"/>
+          <p:cNvSpPr/>
+          <p:nvPr/>
+        </p:nvSpPr>
+        <p:spPr>
+          <a:xfrm>
+            <a:off x="0" y="0"/>
+            <a:ext cx="12192000" cy="764771"/>
+          </a:xfrm>
+          <a:prstGeom prst="rect">
+            <a:avLst/>
+          </a:prstGeom>
+          <a:solidFill>
+            <a:srgbClr val="7A0929"/>
+          </a:solidFill>
+          <a:ln>
+            <a:noFill/>
+          </a:ln>
+        </p:spPr>
+        <p:style>
+          <a:lnRef idx="2">
+            <a:schemeClr val="accent1">
+              <a:shade val="50000"/>
+            </a:schemeClr>
+          </a:lnRef>
+          <a:fillRef idx="1">
+            <a:schemeClr val="accent1"/>
+          </a:fillRef>
+          <a:effectRef idx="0">
+            <a:schemeClr val="accent1"/>
+          </a:effectRef>
+          <a:fontRef idx="minor">
+            <a:schemeClr val="lt1"/>
+          </a:fontRef>
+        </p:style>
+        <p:txBody>
+          <a:bodyPr rtlCol="0" anchor="ctr"/>
+          <a:lstStyle/>
+          <a:p>
+            <a:pPr algn="ctr"/>
+            <a:endParaRPr lang="ko-KR" altLang="en-US"/>
+          </a:p>
+        </p:txBody>
+      </p:sp>
+      <p:sp>
+        <p:nvSpPr>
+          <p:cNvPr id="11" name="제목 1"/>
+          <p:cNvSpPr txBox="1">
+            <a:spLocks/>
+          </p:cNvSpPr>
+          <p:nvPr/>
+        </p:nvSpPr>
+        <p:spPr>
+          <a:xfrm>
+            <a:off x="714894" y="263852"/>
+            <a:ext cx="3237674" cy="432897"/>
+          </a:xfrm>
+          <a:prstGeom prst="rect">
+            <a:avLst/>
+          </a:prstGeom>
+        </p:spPr>
+        <p:txBody>
+          <a:bodyPr vert="horz" lIns="91440" tIns="45720" rIns="91440" bIns="45720" rtlCol="0" anchor="ctr">
+            <a:noAutofit/>
+          </a:bodyPr>
+          <a:lstStyle>
+            <a:lvl1pPr algn="l" defTabSz="914400" rtl="0" eaLnBrk="1" latinLnBrk="1" hangingPunct="1">
+              <a:lnSpc>
+                <a:spcPct val="90000"/>
+              </a:lnSpc>
+              <a:spcBef>
+                <a:spcPct val="0"/>
+              </a:spcBef>
+              <a:buNone/>
+              <a:defRPr sz="4400" kern="1200">
+                <a:solidFill>
+                  <a:schemeClr val="tx1"/>
+                </a:solidFill>
+                <a:latin typeface="+mj-lt"/>
+                <a:ea typeface="+mj-ea"/>
+                <a:cs typeface="+mj-cs"/>
+              </a:defRPr>
+            </a:lvl1pPr>
+          </a:lstStyle>
+          <a:p>
+            <a:r>
+              <a:rPr lang="ko-KR" altLang="en-US" sz="3200" dirty="0" smtClean="0">
+                <a:solidFill>
+                  <a:schemeClr val="bg1"/>
+                </a:solidFill>
+              </a:rPr>
+              <a:t>프로젝트 설명</a:t>
+            </a:r>
+            <a:endParaRPr lang="ko-KR" altLang="en-US" sz="3200" dirty="0">
+              <a:solidFill>
+                <a:schemeClr val="bg1"/>
+              </a:solidFill>
+            </a:endParaRPr>
+          </a:p>
+        </p:txBody>
+      </p:sp>
     </p:spTree>
     <p:extLst>
       <p:ext uri="{BB962C8B-B14F-4D97-AF65-F5344CB8AC3E}">
